--- a/Introduction_of_KV.pptx
+++ b/Introduction_of_KV.pptx
@@ -37,6 +37,15 @@
     <p:sldId id="282" r:id="rId32"/>
     <p:sldId id="283" r:id="rId33"/>
     <p:sldId id="284" r:id="rId34"/>
+    <p:sldId id="285" r:id="rId35"/>
+    <p:sldId id="286" r:id="rId36"/>
+    <p:sldId id="287" r:id="rId37"/>
+    <p:sldId id="288" r:id="rId38"/>
+    <p:sldId id="289" r:id="rId39"/>
+    <p:sldId id="290" r:id="rId40"/>
+    <p:sldId id="291" r:id="rId41"/>
+    <p:sldId id="292" r:id="rId42"/>
+    <p:sldId id="293" r:id="rId43"/>
   </p:sldIdLst>
   <p:sldSz cx="9144000" cy="5143500"/>
   <p:notesSz cx="7559675" cy="10691812"/>
@@ -95,7 +104,7 @@
         <p:spPr>
           <a:xfrm>
             <a:off x="869040" y="847440"/>
-            <a:ext cx="5087880" cy="1355760"/>
+            <a:ext cx="5085720" cy="1353600"/>
           </a:xfrm>
           <a:prstGeom prst="rect">
             <a:avLst/>
@@ -126,7 +135,7 @@
         <p:spPr>
           <a:xfrm>
             <a:off x="869040" y="2313000"/>
-            <a:ext cx="360" cy="1015200"/>
+            <a:ext cx="360" cy="1014480"/>
           </a:xfrm>
           <a:prstGeom prst="rect">
             <a:avLst/>
@@ -155,8 +164,8 @@
         </p:nvSpPr>
         <p:spPr>
           <a:xfrm>
-            <a:off x="869040" y="3425040"/>
-            <a:ext cx="360" cy="1015200"/>
+            <a:off x="869040" y="3424320"/>
+            <a:ext cx="360" cy="1014480"/>
           </a:xfrm>
           <a:prstGeom prst="rect">
             <a:avLst/>
@@ -208,7 +217,7 @@
         <p:spPr>
           <a:xfrm>
             <a:off x="869040" y="847440"/>
-            <a:ext cx="5087880" cy="1355760"/>
+            <a:ext cx="5085720" cy="1353600"/>
           </a:xfrm>
           <a:prstGeom prst="rect">
             <a:avLst/>
@@ -239,7 +248,7 @@
         <p:spPr>
           <a:xfrm>
             <a:off x="869040" y="2313000"/>
-            <a:ext cx="360" cy="1015200"/>
+            <a:ext cx="360" cy="1014480"/>
           </a:xfrm>
           <a:prstGeom prst="rect">
             <a:avLst/>
@@ -269,7 +278,7 @@
         <p:spPr>
           <a:xfrm>
             <a:off x="869400" y="2313000"/>
-            <a:ext cx="360" cy="1015200"/>
+            <a:ext cx="360" cy="1014480"/>
           </a:xfrm>
           <a:prstGeom prst="rect">
             <a:avLst/>
@@ -298,8 +307,8 @@
         </p:nvSpPr>
         <p:spPr>
           <a:xfrm>
-            <a:off x="869040" y="3425040"/>
-            <a:ext cx="360" cy="1015200"/>
+            <a:off x="869040" y="3424320"/>
+            <a:ext cx="360" cy="1014480"/>
           </a:xfrm>
           <a:prstGeom prst="rect">
             <a:avLst/>
@@ -328,8 +337,8 @@
         </p:nvSpPr>
         <p:spPr>
           <a:xfrm>
-            <a:off x="869400" y="3425040"/>
-            <a:ext cx="360" cy="1015200"/>
+            <a:off x="869400" y="3424320"/>
+            <a:ext cx="360" cy="1014480"/>
           </a:xfrm>
           <a:prstGeom prst="rect">
             <a:avLst/>
@@ -381,7 +390,7 @@
         <p:spPr>
           <a:xfrm>
             <a:off x="869040" y="847440"/>
-            <a:ext cx="5087880" cy="1355760"/>
+            <a:ext cx="5085720" cy="1353600"/>
           </a:xfrm>
           <a:prstGeom prst="rect">
             <a:avLst/>
@@ -412,7 +421,7 @@
         <p:spPr>
           <a:xfrm>
             <a:off x="869040" y="2313000"/>
-            <a:ext cx="360" cy="1015200"/>
+            <a:ext cx="360" cy="1014480"/>
           </a:xfrm>
           <a:prstGeom prst="rect">
             <a:avLst/>
@@ -442,7 +451,7 @@
         <p:spPr>
           <a:xfrm>
             <a:off x="869400" y="2313000"/>
-            <a:ext cx="360" cy="1015200"/>
+            <a:ext cx="360" cy="1014480"/>
           </a:xfrm>
           <a:prstGeom prst="rect">
             <a:avLst/>
@@ -472,7 +481,7 @@
         <p:spPr>
           <a:xfrm>
             <a:off x="869760" y="2313000"/>
-            <a:ext cx="360" cy="1015200"/>
+            <a:ext cx="360" cy="1014480"/>
           </a:xfrm>
           <a:prstGeom prst="rect">
             <a:avLst/>
@@ -501,8 +510,8 @@
         </p:nvSpPr>
         <p:spPr>
           <a:xfrm>
-            <a:off x="869040" y="3425040"/>
-            <a:ext cx="360" cy="1015200"/>
+            <a:off x="869040" y="3424320"/>
+            <a:ext cx="360" cy="1014480"/>
           </a:xfrm>
           <a:prstGeom prst="rect">
             <a:avLst/>
@@ -531,8 +540,8 @@
         </p:nvSpPr>
         <p:spPr>
           <a:xfrm>
-            <a:off x="869400" y="3425040"/>
-            <a:ext cx="360" cy="1015200"/>
+            <a:off x="869400" y="3424320"/>
+            <a:ext cx="360" cy="1014480"/>
           </a:xfrm>
           <a:prstGeom prst="rect">
             <a:avLst/>
@@ -561,8 +570,8 @@
         </p:nvSpPr>
         <p:spPr>
           <a:xfrm>
-            <a:off x="869760" y="3425040"/>
-            <a:ext cx="360" cy="1015200"/>
+            <a:off x="869760" y="3424320"/>
+            <a:ext cx="360" cy="1014480"/>
           </a:xfrm>
           <a:prstGeom prst="rect">
             <a:avLst/>
@@ -636,7 +645,7 @@
         <p:spPr>
           <a:xfrm>
             <a:off x="869040" y="847440"/>
-            <a:ext cx="5087880" cy="1355760"/>
+            <a:ext cx="5085720" cy="1353600"/>
           </a:xfrm>
           <a:prstGeom prst="rect">
             <a:avLst/>
@@ -666,7 +675,7 @@
         </p:nvSpPr>
         <p:spPr>
           <a:xfrm>
-            <a:off x="869040" y="-496440"/>
+            <a:off x="869040" y="-497520"/>
             <a:ext cx="360" cy="7748280"/>
           </a:xfrm>
           <a:prstGeom prst="rect">
@@ -720,7 +729,7 @@
         <p:spPr>
           <a:xfrm>
             <a:off x="869040" y="847440"/>
-            <a:ext cx="5087880" cy="1355760"/>
+            <a:ext cx="5085720" cy="1353600"/>
           </a:xfrm>
           <a:prstGeom prst="rect">
             <a:avLst/>
@@ -751,7 +760,7 @@
         <p:spPr>
           <a:xfrm>
             <a:off x="869040" y="2313000"/>
-            <a:ext cx="360" cy="2129040"/>
+            <a:ext cx="360" cy="2126880"/>
           </a:xfrm>
           <a:prstGeom prst="rect">
             <a:avLst/>
@@ -803,7 +812,7 @@
         <p:spPr>
           <a:xfrm>
             <a:off x="869040" y="847440"/>
-            <a:ext cx="5087880" cy="1355760"/>
+            <a:ext cx="5085720" cy="1353600"/>
           </a:xfrm>
           <a:prstGeom prst="rect">
             <a:avLst/>
@@ -834,7 +843,7 @@
         <p:spPr>
           <a:xfrm>
             <a:off x="869040" y="2313000"/>
-            <a:ext cx="360" cy="2129040"/>
+            <a:ext cx="360" cy="2126880"/>
           </a:xfrm>
           <a:prstGeom prst="rect">
             <a:avLst/>
@@ -864,7 +873,7 @@
         <p:spPr>
           <a:xfrm>
             <a:off x="869400" y="2313000"/>
-            <a:ext cx="360" cy="2129040"/>
+            <a:ext cx="360" cy="2126880"/>
           </a:xfrm>
           <a:prstGeom prst="rect">
             <a:avLst/>
@@ -916,7 +925,7 @@
         <p:spPr>
           <a:xfrm>
             <a:off x="869040" y="847440"/>
-            <a:ext cx="5087880" cy="1355760"/>
+            <a:ext cx="5085720" cy="1353600"/>
           </a:xfrm>
           <a:prstGeom prst="rect">
             <a:avLst/>
@@ -969,7 +978,7 @@
         <p:spPr>
           <a:xfrm>
             <a:off x="869040" y="847440"/>
-            <a:ext cx="5087880" cy="6285960"/>
+            <a:ext cx="5085720" cy="6275880"/>
           </a:xfrm>
           <a:prstGeom prst="rect">
             <a:avLst/>
@@ -1022,7 +1031,7 @@
         <p:spPr>
           <a:xfrm>
             <a:off x="869040" y="847440"/>
-            <a:ext cx="5087880" cy="1355760"/>
+            <a:ext cx="5085720" cy="1353600"/>
           </a:xfrm>
           <a:prstGeom prst="rect">
             <a:avLst/>
@@ -1053,7 +1062,7 @@
         <p:spPr>
           <a:xfrm>
             <a:off x="869040" y="2313000"/>
-            <a:ext cx="360" cy="1015200"/>
+            <a:ext cx="360" cy="1014480"/>
           </a:xfrm>
           <a:prstGeom prst="rect">
             <a:avLst/>
@@ -1083,7 +1092,7 @@
         <p:spPr>
           <a:xfrm>
             <a:off x="869400" y="2313000"/>
-            <a:ext cx="360" cy="2129040"/>
+            <a:ext cx="360" cy="2126880"/>
           </a:xfrm>
           <a:prstGeom prst="rect">
             <a:avLst/>
@@ -1112,8 +1121,8 @@
         </p:nvSpPr>
         <p:spPr>
           <a:xfrm>
-            <a:off x="869040" y="3425040"/>
-            <a:ext cx="360" cy="1015200"/>
+            <a:off x="869040" y="3424320"/>
+            <a:ext cx="360" cy="1014480"/>
           </a:xfrm>
           <a:prstGeom prst="rect">
             <a:avLst/>
@@ -1165,7 +1174,7 @@
         <p:spPr>
           <a:xfrm>
             <a:off x="869040" y="847440"/>
-            <a:ext cx="5087880" cy="1355760"/>
+            <a:ext cx="5085720" cy="1353600"/>
           </a:xfrm>
           <a:prstGeom prst="rect">
             <a:avLst/>
@@ -1195,7 +1204,7 @@
         </p:nvSpPr>
         <p:spPr>
           <a:xfrm>
-            <a:off x="869040" y="-496440"/>
+            <a:off x="869040" y="-497520"/>
             <a:ext cx="360" cy="7748280"/>
           </a:xfrm>
           <a:prstGeom prst="rect">
@@ -1249,7 +1258,7 @@
         <p:spPr>
           <a:xfrm>
             <a:off x="869040" y="847440"/>
-            <a:ext cx="5087880" cy="1355760"/>
+            <a:ext cx="5085720" cy="1353600"/>
           </a:xfrm>
           <a:prstGeom prst="rect">
             <a:avLst/>
@@ -1280,7 +1289,7 @@
         <p:spPr>
           <a:xfrm>
             <a:off x="869040" y="2313000"/>
-            <a:ext cx="360" cy="2129040"/>
+            <a:ext cx="360" cy="2126880"/>
           </a:xfrm>
           <a:prstGeom prst="rect">
             <a:avLst/>
@@ -1310,7 +1319,7 @@
         <p:spPr>
           <a:xfrm>
             <a:off x="869400" y="2313000"/>
-            <a:ext cx="360" cy="1015200"/>
+            <a:ext cx="360" cy="1014480"/>
           </a:xfrm>
           <a:prstGeom prst="rect">
             <a:avLst/>
@@ -1339,8 +1348,8 @@
         </p:nvSpPr>
         <p:spPr>
           <a:xfrm>
-            <a:off x="869400" y="3425040"/>
-            <a:ext cx="360" cy="1015200"/>
+            <a:off x="869400" y="3424320"/>
+            <a:ext cx="360" cy="1014480"/>
           </a:xfrm>
           <a:prstGeom prst="rect">
             <a:avLst/>
@@ -1392,7 +1401,7 @@
         <p:spPr>
           <a:xfrm>
             <a:off x="869040" y="847440"/>
-            <a:ext cx="5087880" cy="1355760"/>
+            <a:ext cx="5085720" cy="1353600"/>
           </a:xfrm>
           <a:prstGeom prst="rect">
             <a:avLst/>
@@ -1423,7 +1432,7 @@
         <p:spPr>
           <a:xfrm>
             <a:off x="869040" y="2313000"/>
-            <a:ext cx="360" cy="1015200"/>
+            <a:ext cx="360" cy="1014480"/>
           </a:xfrm>
           <a:prstGeom prst="rect">
             <a:avLst/>
@@ -1453,7 +1462,7 @@
         <p:spPr>
           <a:xfrm>
             <a:off x="869400" y="2313000"/>
-            <a:ext cx="360" cy="1015200"/>
+            <a:ext cx="360" cy="1014480"/>
           </a:xfrm>
           <a:prstGeom prst="rect">
             <a:avLst/>
@@ -1482,8 +1491,8 @@
         </p:nvSpPr>
         <p:spPr>
           <a:xfrm>
-            <a:off x="869040" y="3425040"/>
-            <a:ext cx="360" cy="1015200"/>
+            <a:off x="869040" y="3424320"/>
+            <a:ext cx="360" cy="1014480"/>
           </a:xfrm>
           <a:prstGeom prst="rect">
             <a:avLst/>
@@ -1535,7 +1544,7 @@
         <p:spPr>
           <a:xfrm>
             <a:off x="869040" y="847440"/>
-            <a:ext cx="5087880" cy="1355760"/>
+            <a:ext cx="5085720" cy="1353600"/>
           </a:xfrm>
           <a:prstGeom prst="rect">
             <a:avLst/>
@@ -1566,7 +1575,7 @@
         <p:spPr>
           <a:xfrm>
             <a:off x="869040" y="2313000"/>
-            <a:ext cx="360" cy="1015200"/>
+            <a:ext cx="360" cy="1014480"/>
           </a:xfrm>
           <a:prstGeom prst="rect">
             <a:avLst/>
@@ -1595,8 +1604,8 @@
         </p:nvSpPr>
         <p:spPr>
           <a:xfrm>
-            <a:off x="869040" y="3425040"/>
-            <a:ext cx="360" cy="1015200"/>
+            <a:off x="869040" y="3424320"/>
+            <a:ext cx="360" cy="1014480"/>
           </a:xfrm>
           <a:prstGeom prst="rect">
             <a:avLst/>
@@ -1648,7 +1657,7 @@
         <p:spPr>
           <a:xfrm>
             <a:off x="869040" y="847440"/>
-            <a:ext cx="5087880" cy="1355760"/>
+            <a:ext cx="5085720" cy="1353600"/>
           </a:xfrm>
           <a:prstGeom prst="rect">
             <a:avLst/>
@@ -1679,7 +1688,7 @@
         <p:spPr>
           <a:xfrm>
             <a:off x="869040" y="2313000"/>
-            <a:ext cx="360" cy="1015200"/>
+            <a:ext cx="360" cy="1014480"/>
           </a:xfrm>
           <a:prstGeom prst="rect">
             <a:avLst/>
@@ -1709,7 +1718,7 @@
         <p:spPr>
           <a:xfrm>
             <a:off x="869400" y="2313000"/>
-            <a:ext cx="360" cy="1015200"/>
+            <a:ext cx="360" cy="1014480"/>
           </a:xfrm>
           <a:prstGeom prst="rect">
             <a:avLst/>
@@ -1738,8 +1747,8 @@
         </p:nvSpPr>
         <p:spPr>
           <a:xfrm>
-            <a:off x="869040" y="3425040"/>
-            <a:ext cx="360" cy="1015200"/>
+            <a:off x="869040" y="3424320"/>
+            <a:ext cx="360" cy="1014480"/>
           </a:xfrm>
           <a:prstGeom prst="rect">
             <a:avLst/>
@@ -1768,8 +1777,8 @@
         </p:nvSpPr>
         <p:spPr>
           <a:xfrm>
-            <a:off x="869400" y="3425040"/>
-            <a:ext cx="360" cy="1015200"/>
+            <a:off x="869400" y="3424320"/>
+            <a:ext cx="360" cy="1014480"/>
           </a:xfrm>
           <a:prstGeom prst="rect">
             <a:avLst/>
@@ -1821,7 +1830,7 @@
         <p:spPr>
           <a:xfrm>
             <a:off x="869040" y="847440"/>
-            <a:ext cx="5087880" cy="1355760"/>
+            <a:ext cx="5085720" cy="1353600"/>
           </a:xfrm>
           <a:prstGeom prst="rect">
             <a:avLst/>
@@ -1852,7 +1861,7 @@
         <p:spPr>
           <a:xfrm>
             <a:off x="869040" y="2313000"/>
-            <a:ext cx="360" cy="1015200"/>
+            <a:ext cx="360" cy="1014480"/>
           </a:xfrm>
           <a:prstGeom prst="rect">
             <a:avLst/>
@@ -1882,7 +1891,7 @@
         <p:spPr>
           <a:xfrm>
             <a:off x="869400" y="2313000"/>
-            <a:ext cx="360" cy="1015200"/>
+            <a:ext cx="360" cy="1014480"/>
           </a:xfrm>
           <a:prstGeom prst="rect">
             <a:avLst/>
@@ -1912,7 +1921,7 @@
         <p:spPr>
           <a:xfrm>
             <a:off x="869760" y="2313000"/>
-            <a:ext cx="360" cy="1015200"/>
+            <a:ext cx="360" cy="1014480"/>
           </a:xfrm>
           <a:prstGeom prst="rect">
             <a:avLst/>
@@ -1941,8 +1950,8 @@
         </p:nvSpPr>
         <p:spPr>
           <a:xfrm>
-            <a:off x="869040" y="3425040"/>
-            <a:ext cx="360" cy="1015200"/>
+            <a:off x="869040" y="3424320"/>
+            <a:ext cx="360" cy="1014480"/>
           </a:xfrm>
           <a:prstGeom prst="rect">
             <a:avLst/>
@@ -1971,8 +1980,8 @@
         </p:nvSpPr>
         <p:spPr>
           <a:xfrm>
-            <a:off x="869400" y="3425040"/>
-            <a:ext cx="360" cy="1015200"/>
+            <a:off x="869400" y="3424320"/>
+            <a:ext cx="360" cy="1014480"/>
           </a:xfrm>
           <a:prstGeom prst="rect">
             <a:avLst/>
@@ -2001,8 +2010,8 @@
         </p:nvSpPr>
         <p:spPr>
           <a:xfrm>
-            <a:off x="869760" y="3425040"/>
-            <a:ext cx="360" cy="1015200"/>
+            <a:off x="869760" y="3424320"/>
+            <a:ext cx="360" cy="1014480"/>
           </a:xfrm>
           <a:prstGeom prst="rect">
             <a:avLst/>
@@ -2076,7 +2085,7 @@
         <p:spPr>
           <a:xfrm>
             <a:off x="869040" y="847440"/>
-            <a:ext cx="5087880" cy="1355760"/>
+            <a:ext cx="5085720" cy="1353600"/>
           </a:xfrm>
           <a:prstGeom prst="rect">
             <a:avLst/>
@@ -2106,7 +2115,7 @@
         </p:nvSpPr>
         <p:spPr>
           <a:xfrm>
-            <a:off x="869040" y="-496440"/>
+            <a:off x="869040" y="-497520"/>
             <a:ext cx="360" cy="7748280"/>
           </a:xfrm>
           <a:prstGeom prst="rect">
@@ -2160,7 +2169,7 @@
         <p:spPr>
           <a:xfrm>
             <a:off x="869040" y="847440"/>
-            <a:ext cx="5087880" cy="1355760"/>
+            <a:ext cx="5085720" cy="1353600"/>
           </a:xfrm>
           <a:prstGeom prst="rect">
             <a:avLst/>
@@ -2191,7 +2200,7 @@
         <p:spPr>
           <a:xfrm>
             <a:off x="869040" y="2313000"/>
-            <a:ext cx="360" cy="2129040"/>
+            <a:ext cx="360" cy="2126880"/>
           </a:xfrm>
           <a:prstGeom prst="rect">
             <a:avLst/>
@@ -2243,7 +2252,7 @@
         <p:spPr>
           <a:xfrm>
             <a:off x="869040" y="847440"/>
-            <a:ext cx="5087880" cy="1355760"/>
+            <a:ext cx="5085720" cy="1353600"/>
           </a:xfrm>
           <a:prstGeom prst="rect">
             <a:avLst/>
@@ -2274,7 +2283,7 @@
         <p:spPr>
           <a:xfrm>
             <a:off x="869040" y="2313000"/>
-            <a:ext cx="360" cy="2129040"/>
+            <a:ext cx="360" cy="2126880"/>
           </a:xfrm>
           <a:prstGeom prst="rect">
             <a:avLst/>
@@ -2304,7 +2313,7 @@
         <p:spPr>
           <a:xfrm>
             <a:off x="869400" y="2313000"/>
-            <a:ext cx="360" cy="2129040"/>
+            <a:ext cx="360" cy="2126880"/>
           </a:xfrm>
           <a:prstGeom prst="rect">
             <a:avLst/>
@@ -2356,7 +2365,7 @@
         <p:spPr>
           <a:xfrm>
             <a:off x="869040" y="847440"/>
-            <a:ext cx="5087880" cy="1355760"/>
+            <a:ext cx="5085720" cy="1353600"/>
           </a:xfrm>
           <a:prstGeom prst="rect">
             <a:avLst/>
@@ -2409,7 +2418,7 @@
         <p:spPr>
           <a:xfrm>
             <a:off x="869040" y="847440"/>
-            <a:ext cx="5087880" cy="1355760"/>
+            <a:ext cx="5085720" cy="1353600"/>
           </a:xfrm>
           <a:prstGeom prst="rect">
             <a:avLst/>
@@ -2440,7 +2449,7 @@
         <p:spPr>
           <a:xfrm>
             <a:off x="869040" y="2313000"/>
-            <a:ext cx="360" cy="2129040"/>
+            <a:ext cx="360" cy="2126880"/>
           </a:xfrm>
           <a:prstGeom prst="rect">
             <a:avLst/>
@@ -2492,7 +2501,7 @@
         <p:spPr>
           <a:xfrm>
             <a:off x="869040" y="847440"/>
-            <a:ext cx="5087880" cy="6285960"/>
+            <a:ext cx="5085720" cy="6275880"/>
           </a:xfrm>
           <a:prstGeom prst="rect">
             <a:avLst/>
@@ -2545,7 +2554,7 @@
         <p:spPr>
           <a:xfrm>
             <a:off x="869040" y="847440"/>
-            <a:ext cx="5087880" cy="1355760"/>
+            <a:ext cx="5085720" cy="1353600"/>
           </a:xfrm>
           <a:prstGeom prst="rect">
             <a:avLst/>
@@ -2576,7 +2585,7 @@
         <p:spPr>
           <a:xfrm>
             <a:off x="869040" y="2313000"/>
-            <a:ext cx="360" cy="1015200"/>
+            <a:ext cx="360" cy="1014480"/>
           </a:xfrm>
           <a:prstGeom prst="rect">
             <a:avLst/>
@@ -2606,7 +2615,7 @@
         <p:spPr>
           <a:xfrm>
             <a:off x="869400" y="2313000"/>
-            <a:ext cx="360" cy="2129040"/>
+            <a:ext cx="360" cy="2126880"/>
           </a:xfrm>
           <a:prstGeom prst="rect">
             <a:avLst/>
@@ -2635,8 +2644,8 @@
         </p:nvSpPr>
         <p:spPr>
           <a:xfrm>
-            <a:off x="869040" y="3425040"/>
-            <a:ext cx="360" cy="1015200"/>
+            <a:off x="869040" y="3424320"/>
+            <a:ext cx="360" cy="1014480"/>
           </a:xfrm>
           <a:prstGeom prst="rect">
             <a:avLst/>
@@ -2688,7 +2697,7 @@
         <p:spPr>
           <a:xfrm>
             <a:off x="869040" y="847440"/>
-            <a:ext cx="5087880" cy="1355760"/>
+            <a:ext cx="5085720" cy="1353600"/>
           </a:xfrm>
           <a:prstGeom prst="rect">
             <a:avLst/>
@@ -2719,7 +2728,7 @@
         <p:spPr>
           <a:xfrm>
             <a:off x="869040" y="2313000"/>
-            <a:ext cx="360" cy="2129040"/>
+            <a:ext cx="360" cy="2126880"/>
           </a:xfrm>
           <a:prstGeom prst="rect">
             <a:avLst/>
@@ -2749,7 +2758,7 @@
         <p:spPr>
           <a:xfrm>
             <a:off x="869400" y="2313000"/>
-            <a:ext cx="360" cy="1015200"/>
+            <a:ext cx="360" cy="1014480"/>
           </a:xfrm>
           <a:prstGeom prst="rect">
             <a:avLst/>
@@ -2778,8 +2787,8 @@
         </p:nvSpPr>
         <p:spPr>
           <a:xfrm>
-            <a:off x="869400" y="3425040"/>
-            <a:ext cx="360" cy="1015200"/>
+            <a:off x="869400" y="3424320"/>
+            <a:ext cx="360" cy="1014480"/>
           </a:xfrm>
           <a:prstGeom prst="rect">
             <a:avLst/>
@@ -2831,7 +2840,7 @@
         <p:spPr>
           <a:xfrm>
             <a:off x="869040" y="847440"/>
-            <a:ext cx="5087880" cy="1355760"/>
+            <a:ext cx="5085720" cy="1353600"/>
           </a:xfrm>
           <a:prstGeom prst="rect">
             <a:avLst/>
@@ -2862,7 +2871,7 @@
         <p:spPr>
           <a:xfrm>
             <a:off x="869040" y="2313000"/>
-            <a:ext cx="360" cy="1015200"/>
+            <a:ext cx="360" cy="1014480"/>
           </a:xfrm>
           <a:prstGeom prst="rect">
             <a:avLst/>
@@ -2892,7 +2901,7 @@
         <p:spPr>
           <a:xfrm>
             <a:off x="869400" y="2313000"/>
-            <a:ext cx="360" cy="1015200"/>
+            <a:ext cx="360" cy="1014480"/>
           </a:xfrm>
           <a:prstGeom prst="rect">
             <a:avLst/>
@@ -2921,8 +2930,8 @@
         </p:nvSpPr>
         <p:spPr>
           <a:xfrm>
-            <a:off x="869040" y="3425040"/>
-            <a:ext cx="360" cy="1015200"/>
+            <a:off x="869040" y="3424320"/>
+            <a:ext cx="360" cy="1014480"/>
           </a:xfrm>
           <a:prstGeom prst="rect">
             <a:avLst/>
@@ -2974,7 +2983,7 @@
         <p:spPr>
           <a:xfrm>
             <a:off x="869040" y="847440"/>
-            <a:ext cx="5087880" cy="1355760"/>
+            <a:ext cx="5085720" cy="1353600"/>
           </a:xfrm>
           <a:prstGeom prst="rect">
             <a:avLst/>
@@ -3005,7 +3014,7 @@
         <p:spPr>
           <a:xfrm>
             <a:off x="869040" y="2313000"/>
-            <a:ext cx="360" cy="1015200"/>
+            <a:ext cx="360" cy="1014480"/>
           </a:xfrm>
           <a:prstGeom prst="rect">
             <a:avLst/>
@@ -3034,8 +3043,8 @@
         </p:nvSpPr>
         <p:spPr>
           <a:xfrm>
-            <a:off x="869040" y="3425040"/>
-            <a:ext cx="360" cy="1015200"/>
+            <a:off x="869040" y="3424320"/>
+            <a:ext cx="360" cy="1014480"/>
           </a:xfrm>
           <a:prstGeom prst="rect">
             <a:avLst/>
@@ -3087,7 +3096,7 @@
         <p:spPr>
           <a:xfrm>
             <a:off x="869040" y="847440"/>
-            <a:ext cx="5087880" cy="1355760"/>
+            <a:ext cx="5085720" cy="1353600"/>
           </a:xfrm>
           <a:prstGeom prst="rect">
             <a:avLst/>
@@ -3118,7 +3127,7 @@
         <p:spPr>
           <a:xfrm>
             <a:off x="869040" y="2313000"/>
-            <a:ext cx="360" cy="1015200"/>
+            <a:ext cx="360" cy="1014480"/>
           </a:xfrm>
           <a:prstGeom prst="rect">
             <a:avLst/>
@@ -3148,7 +3157,7 @@
         <p:spPr>
           <a:xfrm>
             <a:off x="869400" y="2313000"/>
-            <a:ext cx="360" cy="1015200"/>
+            <a:ext cx="360" cy="1014480"/>
           </a:xfrm>
           <a:prstGeom prst="rect">
             <a:avLst/>
@@ -3177,8 +3186,8 @@
         </p:nvSpPr>
         <p:spPr>
           <a:xfrm>
-            <a:off x="869040" y="3425040"/>
-            <a:ext cx="360" cy="1015200"/>
+            <a:off x="869040" y="3424320"/>
+            <a:ext cx="360" cy="1014480"/>
           </a:xfrm>
           <a:prstGeom prst="rect">
             <a:avLst/>
@@ -3207,8 +3216,8 @@
         </p:nvSpPr>
         <p:spPr>
           <a:xfrm>
-            <a:off x="869400" y="3425040"/>
-            <a:ext cx="360" cy="1015200"/>
+            <a:off x="869400" y="3424320"/>
+            <a:ext cx="360" cy="1014480"/>
           </a:xfrm>
           <a:prstGeom prst="rect">
             <a:avLst/>
@@ -3260,7 +3269,7 @@
         <p:spPr>
           <a:xfrm>
             <a:off x="869040" y="847440"/>
-            <a:ext cx="5087880" cy="1355760"/>
+            <a:ext cx="5085720" cy="1353600"/>
           </a:xfrm>
           <a:prstGeom prst="rect">
             <a:avLst/>
@@ -3291,7 +3300,7 @@
         <p:spPr>
           <a:xfrm>
             <a:off x="869040" y="2313000"/>
-            <a:ext cx="360" cy="1015200"/>
+            <a:ext cx="360" cy="1014480"/>
           </a:xfrm>
           <a:prstGeom prst="rect">
             <a:avLst/>
@@ -3321,7 +3330,7 @@
         <p:spPr>
           <a:xfrm>
             <a:off x="869400" y="2313000"/>
-            <a:ext cx="360" cy="1015200"/>
+            <a:ext cx="360" cy="1014480"/>
           </a:xfrm>
           <a:prstGeom prst="rect">
             <a:avLst/>
@@ -3351,7 +3360,7 @@
         <p:spPr>
           <a:xfrm>
             <a:off x="869760" y="2313000"/>
-            <a:ext cx="360" cy="1015200"/>
+            <a:ext cx="360" cy="1014480"/>
           </a:xfrm>
           <a:prstGeom prst="rect">
             <a:avLst/>
@@ -3380,8 +3389,8 @@
         </p:nvSpPr>
         <p:spPr>
           <a:xfrm>
-            <a:off x="869040" y="3425040"/>
-            <a:ext cx="360" cy="1015200"/>
+            <a:off x="869040" y="3424320"/>
+            <a:ext cx="360" cy="1014480"/>
           </a:xfrm>
           <a:prstGeom prst="rect">
             <a:avLst/>
@@ -3410,8 +3419,8 @@
         </p:nvSpPr>
         <p:spPr>
           <a:xfrm>
-            <a:off x="869400" y="3425040"/>
-            <a:ext cx="360" cy="1015200"/>
+            <a:off x="869400" y="3424320"/>
+            <a:ext cx="360" cy="1014480"/>
           </a:xfrm>
           <a:prstGeom prst="rect">
             <a:avLst/>
@@ -3440,8 +3449,8 @@
         </p:nvSpPr>
         <p:spPr>
           <a:xfrm>
-            <a:off x="869760" y="3425040"/>
-            <a:ext cx="360" cy="1015200"/>
+            <a:off x="869760" y="3424320"/>
+            <a:ext cx="360" cy="1014480"/>
           </a:xfrm>
           <a:prstGeom prst="rect">
             <a:avLst/>
@@ -3515,7 +3524,7 @@
         <p:spPr>
           <a:xfrm>
             <a:off x="869040" y="847440"/>
-            <a:ext cx="5087880" cy="1355760"/>
+            <a:ext cx="5085720" cy="1353600"/>
           </a:xfrm>
           <a:prstGeom prst="rect">
             <a:avLst/>
@@ -3545,7 +3554,7 @@
         </p:nvSpPr>
         <p:spPr>
           <a:xfrm>
-            <a:off x="869040" y="-496440"/>
+            <a:off x="869040" y="-497520"/>
             <a:ext cx="360" cy="7748280"/>
           </a:xfrm>
           <a:prstGeom prst="rect">
@@ -3599,7 +3608,7 @@
         <p:spPr>
           <a:xfrm>
             <a:off x="869040" y="847440"/>
-            <a:ext cx="5087880" cy="1355760"/>
+            <a:ext cx="5085720" cy="1353600"/>
           </a:xfrm>
           <a:prstGeom prst="rect">
             <a:avLst/>
@@ -3630,7 +3639,7 @@
         <p:spPr>
           <a:xfrm>
             <a:off x="869040" y="2313000"/>
-            <a:ext cx="360" cy="2129040"/>
+            <a:ext cx="360" cy="2126880"/>
           </a:xfrm>
           <a:prstGeom prst="rect">
             <a:avLst/>
@@ -3682,7 +3691,7 @@
         <p:spPr>
           <a:xfrm>
             <a:off x="869040" y="847440"/>
-            <a:ext cx="5087880" cy="1355760"/>
+            <a:ext cx="5085720" cy="1353600"/>
           </a:xfrm>
           <a:prstGeom prst="rect">
             <a:avLst/>
@@ -3713,7 +3722,7 @@
         <p:spPr>
           <a:xfrm>
             <a:off x="869040" y="2313000"/>
-            <a:ext cx="360" cy="2129040"/>
+            <a:ext cx="360" cy="2126880"/>
           </a:xfrm>
           <a:prstGeom prst="rect">
             <a:avLst/>
@@ -3743,7 +3752,7 @@
         <p:spPr>
           <a:xfrm>
             <a:off x="869400" y="2313000"/>
-            <a:ext cx="360" cy="2129040"/>
+            <a:ext cx="360" cy="2126880"/>
           </a:xfrm>
           <a:prstGeom prst="rect">
             <a:avLst/>
@@ -3795,7 +3804,7 @@
         <p:spPr>
           <a:xfrm>
             <a:off x="869040" y="847440"/>
-            <a:ext cx="5087880" cy="1355760"/>
+            <a:ext cx="5085720" cy="1353600"/>
           </a:xfrm>
           <a:prstGeom prst="rect">
             <a:avLst/>
@@ -3826,7 +3835,7 @@
         <p:spPr>
           <a:xfrm>
             <a:off x="869040" y="2313000"/>
-            <a:ext cx="360" cy="2129040"/>
+            <a:ext cx="360" cy="2126880"/>
           </a:xfrm>
           <a:prstGeom prst="rect">
             <a:avLst/>
@@ -3856,7 +3865,7 @@
         <p:spPr>
           <a:xfrm>
             <a:off x="869400" y="2313000"/>
-            <a:ext cx="360" cy="2129040"/>
+            <a:ext cx="360" cy="2126880"/>
           </a:xfrm>
           <a:prstGeom prst="rect">
             <a:avLst/>
@@ -3908,7 +3917,7 @@
         <p:spPr>
           <a:xfrm>
             <a:off x="869040" y="847440"/>
-            <a:ext cx="5087880" cy="1355760"/>
+            <a:ext cx="5085720" cy="1353600"/>
           </a:xfrm>
           <a:prstGeom prst="rect">
             <a:avLst/>
@@ -3961,7 +3970,7 @@
         <p:spPr>
           <a:xfrm>
             <a:off x="869040" y="847440"/>
-            <a:ext cx="5087880" cy="6285960"/>
+            <a:ext cx="5085720" cy="6275880"/>
           </a:xfrm>
           <a:prstGeom prst="rect">
             <a:avLst/>
@@ -4014,7 +4023,7 @@
         <p:spPr>
           <a:xfrm>
             <a:off x="869040" y="847440"/>
-            <a:ext cx="5087880" cy="1355760"/>
+            <a:ext cx="5085720" cy="1353600"/>
           </a:xfrm>
           <a:prstGeom prst="rect">
             <a:avLst/>
@@ -4045,7 +4054,7 @@
         <p:spPr>
           <a:xfrm>
             <a:off x="869040" y="2313000"/>
-            <a:ext cx="360" cy="1015200"/>
+            <a:ext cx="360" cy="1014480"/>
           </a:xfrm>
           <a:prstGeom prst="rect">
             <a:avLst/>
@@ -4075,7 +4084,7 @@
         <p:spPr>
           <a:xfrm>
             <a:off x="869400" y="2313000"/>
-            <a:ext cx="360" cy="2129040"/>
+            <a:ext cx="360" cy="2126880"/>
           </a:xfrm>
           <a:prstGeom prst="rect">
             <a:avLst/>
@@ -4104,8 +4113,8 @@
         </p:nvSpPr>
         <p:spPr>
           <a:xfrm>
-            <a:off x="869040" y="3425040"/>
-            <a:ext cx="360" cy="1015200"/>
+            <a:off x="869040" y="3424320"/>
+            <a:ext cx="360" cy="1014480"/>
           </a:xfrm>
           <a:prstGeom prst="rect">
             <a:avLst/>
@@ -4157,7 +4166,7 @@
         <p:spPr>
           <a:xfrm>
             <a:off x="869040" y="847440"/>
-            <a:ext cx="5087880" cy="1355760"/>
+            <a:ext cx="5085720" cy="1353600"/>
           </a:xfrm>
           <a:prstGeom prst="rect">
             <a:avLst/>
@@ -4188,7 +4197,7 @@
         <p:spPr>
           <a:xfrm>
             <a:off x="869040" y="2313000"/>
-            <a:ext cx="360" cy="2129040"/>
+            <a:ext cx="360" cy="2126880"/>
           </a:xfrm>
           <a:prstGeom prst="rect">
             <a:avLst/>
@@ -4218,7 +4227,7 @@
         <p:spPr>
           <a:xfrm>
             <a:off x="869400" y="2313000"/>
-            <a:ext cx="360" cy="1015200"/>
+            <a:ext cx="360" cy="1014480"/>
           </a:xfrm>
           <a:prstGeom prst="rect">
             <a:avLst/>
@@ -4247,8 +4256,8 @@
         </p:nvSpPr>
         <p:spPr>
           <a:xfrm>
-            <a:off x="869400" y="3425040"/>
-            <a:ext cx="360" cy="1015200"/>
+            <a:off x="869400" y="3424320"/>
+            <a:ext cx="360" cy="1014480"/>
           </a:xfrm>
           <a:prstGeom prst="rect">
             <a:avLst/>
@@ -4300,7 +4309,7 @@
         <p:spPr>
           <a:xfrm>
             <a:off x="869040" y="847440"/>
-            <a:ext cx="5087880" cy="1355760"/>
+            <a:ext cx="5085720" cy="1353600"/>
           </a:xfrm>
           <a:prstGeom prst="rect">
             <a:avLst/>
@@ -4331,7 +4340,7 @@
         <p:spPr>
           <a:xfrm>
             <a:off x="869040" y="2313000"/>
-            <a:ext cx="360" cy="1015200"/>
+            <a:ext cx="360" cy="1014480"/>
           </a:xfrm>
           <a:prstGeom prst="rect">
             <a:avLst/>
@@ -4361,7 +4370,7 @@
         <p:spPr>
           <a:xfrm>
             <a:off x="869400" y="2313000"/>
-            <a:ext cx="360" cy="1015200"/>
+            <a:ext cx="360" cy="1014480"/>
           </a:xfrm>
           <a:prstGeom prst="rect">
             <a:avLst/>
@@ -4390,8 +4399,8 @@
         </p:nvSpPr>
         <p:spPr>
           <a:xfrm>
-            <a:off x="869040" y="3425040"/>
-            <a:ext cx="360" cy="1015200"/>
+            <a:off x="869040" y="3424320"/>
+            <a:ext cx="360" cy="1014480"/>
           </a:xfrm>
           <a:prstGeom prst="rect">
             <a:avLst/>
@@ -4443,7 +4452,7 @@
         <p:spPr>
           <a:xfrm>
             <a:off x="869040" y="847440"/>
-            <a:ext cx="5087880" cy="1355760"/>
+            <a:ext cx="5085720" cy="1353600"/>
           </a:xfrm>
           <a:prstGeom prst="rect">
             <a:avLst/>
@@ -4474,7 +4483,7 @@
         <p:spPr>
           <a:xfrm>
             <a:off x="869040" y="2313000"/>
-            <a:ext cx="360" cy="1015200"/>
+            <a:ext cx="360" cy="1014480"/>
           </a:xfrm>
           <a:prstGeom prst="rect">
             <a:avLst/>
@@ -4503,8 +4512,8 @@
         </p:nvSpPr>
         <p:spPr>
           <a:xfrm>
-            <a:off x="869040" y="3425040"/>
-            <a:ext cx="360" cy="1015200"/>
+            <a:off x="869040" y="3424320"/>
+            <a:ext cx="360" cy="1014480"/>
           </a:xfrm>
           <a:prstGeom prst="rect">
             <a:avLst/>
@@ -4556,7 +4565,7 @@
         <p:spPr>
           <a:xfrm>
             <a:off x="869040" y="847440"/>
-            <a:ext cx="5087880" cy="1355760"/>
+            <a:ext cx="5085720" cy="1353600"/>
           </a:xfrm>
           <a:prstGeom prst="rect">
             <a:avLst/>
@@ -4587,7 +4596,7 @@
         <p:spPr>
           <a:xfrm>
             <a:off x="869040" y="2313000"/>
-            <a:ext cx="360" cy="1015200"/>
+            <a:ext cx="360" cy="1014480"/>
           </a:xfrm>
           <a:prstGeom prst="rect">
             <a:avLst/>
@@ -4617,7 +4626,7 @@
         <p:spPr>
           <a:xfrm>
             <a:off x="869400" y="2313000"/>
-            <a:ext cx="360" cy="1015200"/>
+            <a:ext cx="360" cy="1014480"/>
           </a:xfrm>
           <a:prstGeom prst="rect">
             <a:avLst/>
@@ -4646,8 +4655,8 @@
         </p:nvSpPr>
         <p:spPr>
           <a:xfrm>
-            <a:off x="869040" y="3425040"/>
-            <a:ext cx="360" cy="1015200"/>
+            <a:off x="869040" y="3424320"/>
+            <a:ext cx="360" cy="1014480"/>
           </a:xfrm>
           <a:prstGeom prst="rect">
             <a:avLst/>
@@ -4676,8 +4685,8 @@
         </p:nvSpPr>
         <p:spPr>
           <a:xfrm>
-            <a:off x="869400" y="3425040"/>
-            <a:ext cx="360" cy="1015200"/>
+            <a:off x="869400" y="3424320"/>
+            <a:ext cx="360" cy="1014480"/>
           </a:xfrm>
           <a:prstGeom prst="rect">
             <a:avLst/>
@@ -4729,7 +4738,7 @@
         <p:spPr>
           <a:xfrm>
             <a:off x="869040" y="847440"/>
-            <a:ext cx="5087880" cy="1355760"/>
+            <a:ext cx="5085720" cy="1353600"/>
           </a:xfrm>
           <a:prstGeom prst="rect">
             <a:avLst/>
@@ -4760,7 +4769,7 @@
         <p:spPr>
           <a:xfrm>
             <a:off x="869040" y="2313000"/>
-            <a:ext cx="360" cy="1015200"/>
+            <a:ext cx="360" cy="1014480"/>
           </a:xfrm>
           <a:prstGeom prst="rect">
             <a:avLst/>
@@ -4790,7 +4799,7 @@
         <p:spPr>
           <a:xfrm>
             <a:off x="869400" y="2313000"/>
-            <a:ext cx="360" cy="1015200"/>
+            <a:ext cx="360" cy="1014480"/>
           </a:xfrm>
           <a:prstGeom prst="rect">
             <a:avLst/>
@@ -4820,7 +4829,7 @@
         <p:spPr>
           <a:xfrm>
             <a:off x="869760" y="2313000"/>
-            <a:ext cx="360" cy="1015200"/>
+            <a:ext cx="360" cy="1014480"/>
           </a:xfrm>
           <a:prstGeom prst="rect">
             <a:avLst/>
@@ -4849,8 +4858,8 @@
         </p:nvSpPr>
         <p:spPr>
           <a:xfrm>
-            <a:off x="869040" y="3425040"/>
-            <a:ext cx="360" cy="1015200"/>
+            <a:off x="869040" y="3424320"/>
+            <a:ext cx="360" cy="1014480"/>
           </a:xfrm>
           <a:prstGeom prst="rect">
             <a:avLst/>
@@ -4879,8 +4888,8 @@
         </p:nvSpPr>
         <p:spPr>
           <a:xfrm>
-            <a:off x="869400" y="3425040"/>
-            <a:ext cx="360" cy="1015200"/>
+            <a:off x="869400" y="3424320"/>
+            <a:ext cx="360" cy="1014480"/>
           </a:xfrm>
           <a:prstGeom prst="rect">
             <a:avLst/>
@@ -4909,8 +4918,8 @@
         </p:nvSpPr>
         <p:spPr>
           <a:xfrm>
-            <a:off x="869760" y="3425040"/>
-            <a:ext cx="360" cy="1015200"/>
+            <a:off x="869760" y="3424320"/>
+            <a:ext cx="360" cy="1014480"/>
           </a:xfrm>
           <a:prstGeom prst="rect">
             <a:avLst/>
@@ -4962,7 +4971,7 @@
         <p:spPr>
           <a:xfrm>
             <a:off x="869040" y="847440"/>
-            <a:ext cx="5087880" cy="1355760"/>
+            <a:ext cx="5085720" cy="1353600"/>
           </a:xfrm>
           <a:prstGeom prst="rect">
             <a:avLst/>
@@ -5015,7 +5024,7 @@
         <p:spPr>
           <a:xfrm>
             <a:off x="869040" y="847440"/>
-            <a:ext cx="5087880" cy="6285960"/>
+            <a:ext cx="5085720" cy="6275880"/>
           </a:xfrm>
           <a:prstGeom prst="rect">
             <a:avLst/>
@@ -5068,7 +5077,7 @@
         <p:spPr>
           <a:xfrm>
             <a:off x="869040" y="847440"/>
-            <a:ext cx="5087880" cy="1355760"/>
+            <a:ext cx="5085720" cy="1353600"/>
           </a:xfrm>
           <a:prstGeom prst="rect">
             <a:avLst/>
@@ -5099,7 +5108,7 @@
         <p:spPr>
           <a:xfrm>
             <a:off x="869040" y="2313000"/>
-            <a:ext cx="360" cy="1015200"/>
+            <a:ext cx="360" cy="1014480"/>
           </a:xfrm>
           <a:prstGeom prst="rect">
             <a:avLst/>
@@ -5129,7 +5138,7 @@
         <p:spPr>
           <a:xfrm>
             <a:off x="869400" y="2313000"/>
-            <a:ext cx="360" cy="2129040"/>
+            <a:ext cx="360" cy="2126880"/>
           </a:xfrm>
           <a:prstGeom prst="rect">
             <a:avLst/>
@@ -5158,8 +5167,8 @@
         </p:nvSpPr>
         <p:spPr>
           <a:xfrm>
-            <a:off x="869040" y="3425040"/>
-            <a:ext cx="360" cy="1015200"/>
+            <a:off x="869040" y="3424320"/>
+            <a:ext cx="360" cy="1014480"/>
           </a:xfrm>
           <a:prstGeom prst="rect">
             <a:avLst/>
@@ -5211,7 +5220,7 @@
         <p:spPr>
           <a:xfrm>
             <a:off x="869040" y="847440"/>
-            <a:ext cx="5087880" cy="1355760"/>
+            <a:ext cx="5085720" cy="1353600"/>
           </a:xfrm>
           <a:prstGeom prst="rect">
             <a:avLst/>
@@ -5242,7 +5251,7 @@
         <p:spPr>
           <a:xfrm>
             <a:off x="869040" y="2313000"/>
-            <a:ext cx="360" cy="2129040"/>
+            <a:ext cx="360" cy="2126880"/>
           </a:xfrm>
           <a:prstGeom prst="rect">
             <a:avLst/>
@@ -5272,7 +5281,7 @@
         <p:spPr>
           <a:xfrm>
             <a:off x="869400" y="2313000"/>
-            <a:ext cx="360" cy="1015200"/>
+            <a:ext cx="360" cy="1014480"/>
           </a:xfrm>
           <a:prstGeom prst="rect">
             <a:avLst/>
@@ -5301,8 +5310,8 @@
         </p:nvSpPr>
         <p:spPr>
           <a:xfrm>
-            <a:off x="869400" y="3425040"/>
-            <a:ext cx="360" cy="1015200"/>
+            <a:off x="869400" y="3424320"/>
+            <a:ext cx="360" cy="1014480"/>
           </a:xfrm>
           <a:prstGeom prst="rect">
             <a:avLst/>
@@ -5354,7 +5363,7 @@
         <p:spPr>
           <a:xfrm>
             <a:off x="869040" y="847440"/>
-            <a:ext cx="5087880" cy="1355760"/>
+            <a:ext cx="5085720" cy="1353600"/>
           </a:xfrm>
           <a:prstGeom prst="rect">
             <a:avLst/>
@@ -5385,7 +5394,7 @@
         <p:spPr>
           <a:xfrm>
             <a:off x="869040" y="2313000"/>
-            <a:ext cx="360" cy="1015200"/>
+            <a:ext cx="360" cy="1014480"/>
           </a:xfrm>
           <a:prstGeom prst="rect">
             <a:avLst/>
@@ -5415,7 +5424,7 @@
         <p:spPr>
           <a:xfrm>
             <a:off x="869400" y="2313000"/>
-            <a:ext cx="360" cy="1015200"/>
+            <a:ext cx="360" cy="1014480"/>
           </a:xfrm>
           <a:prstGeom prst="rect">
             <a:avLst/>
@@ -5444,8 +5453,8 @@
         </p:nvSpPr>
         <p:spPr>
           <a:xfrm>
-            <a:off x="869040" y="3425040"/>
-            <a:ext cx="360" cy="1015200"/>
+            <a:off x="869040" y="3424320"/>
+            <a:ext cx="360" cy="1014480"/>
           </a:xfrm>
           <a:prstGeom prst="rect">
             <a:avLst/>
@@ -5500,7 +5509,7 @@
         <p:spPr>
           <a:xfrm>
             <a:off x="198720" y="198720"/>
-            <a:ext cx="8742600" cy="4756320"/>
+            <a:ext cx="8740440" cy="4754160"/>
           </a:xfrm>
           <a:prstGeom prst="frame">
             <a:avLst>
@@ -5790,7 +5799,7 @@
         <p:spPr>
           <a:xfrm>
             <a:off x="198720" y="198720"/>
-            <a:ext cx="8742600" cy="4756320"/>
+            <a:ext cx="8740440" cy="4754160"/>
           </a:xfrm>
           <a:prstGeom prst="frame">
             <a:avLst>
@@ -5824,7 +5833,7 @@
         <p:spPr>
           <a:xfrm>
             <a:off x="869040" y="847440"/>
-            <a:ext cx="5087880" cy="1355760"/>
+            <a:ext cx="5085720" cy="1353600"/>
           </a:xfrm>
           <a:prstGeom prst="rect">
             <a:avLst/>
@@ -5860,7 +5869,7 @@
         <p:spPr>
           <a:xfrm>
             <a:off x="869040" y="2313000"/>
-            <a:ext cx="360" cy="2129040"/>
+            <a:ext cx="360" cy="2126880"/>
           </a:xfrm>
           <a:prstGeom prst="rect">
             <a:avLst/>
@@ -6038,8 +6047,8 @@
         </p:nvSpPr>
         <p:spPr>
           <a:xfrm>
-            <a:off x="870120" y="2313000"/>
-            <a:ext cx="360" cy="2129040"/>
+            <a:off x="869400" y="2313000"/>
+            <a:ext cx="360" cy="2126880"/>
           </a:xfrm>
           <a:prstGeom prst="rect">
             <a:avLst/>
@@ -6258,7 +6267,7 @@
         <p:spPr>
           <a:xfrm>
             <a:off x="198720" y="198720"/>
-            <a:ext cx="8742600" cy="4756320"/>
+            <a:ext cx="8740440" cy="4754160"/>
           </a:xfrm>
           <a:prstGeom prst="frame">
             <a:avLst>
@@ -6292,7 +6301,7 @@
         <p:spPr>
           <a:xfrm>
             <a:off x="869040" y="847440"/>
-            <a:ext cx="5087880" cy="1355760"/>
+            <a:ext cx="5085720" cy="1353600"/>
           </a:xfrm>
           <a:prstGeom prst="rect">
             <a:avLst/>
@@ -6328,7 +6337,7 @@
         <p:spPr>
           <a:xfrm>
             <a:off x="869040" y="2313000"/>
-            <a:ext cx="360" cy="2129040"/>
+            <a:ext cx="360" cy="2126880"/>
           </a:xfrm>
           <a:prstGeom prst="rect">
             <a:avLst/>
@@ -6506,8 +6515,8 @@
         </p:nvSpPr>
         <p:spPr>
           <a:xfrm>
-            <a:off x="870120" y="2313000"/>
-            <a:ext cx="360" cy="2129040"/>
+            <a:off x="869400" y="2313000"/>
+            <a:ext cx="360" cy="2126880"/>
           </a:xfrm>
           <a:prstGeom prst="rect">
             <a:avLst/>
@@ -6726,7 +6735,7 @@
         <p:spPr>
           <a:xfrm>
             <a:off x="198720" y="198720"/>
-            <a:ext cx="8742600" cy="4756320"/>
+            <a:ext cx="8740440" cy="4754160"/>
           </a:xfrm>
           <a:prstGeom prst="frame">
             <a:avLst>
@@ -6760,7 +6769,7 @@
         <p:spPr>
           <a:xfrm>
             <a:off x="869040" y="847440"/>
-            <a:ext cx="5087880" cy="1355760"/>
+            <a:ext cx="5085720" cy="1353600"/>
           </a:xfrm>
           <a:prstGeom prst="rect">
             <a:avLst/>
@@ -6796,7 +6805,7 @@
         <p:spPr>
           <a:xfrm>
             <a:off x="869040" y="2313000"/>
-            <a:ext cx="360" cy="2129040"/>
+            <a:ext cx="360" cy="2126880"/>
           </a:xfrm>
           <a:prstGeom prst="rect">
             <a:avLst/>
@@ -6974,8 +6983,8 @@
         </p:nvSpPr>
         <p:spPr>
           <a:xfrm>
-            <a:off x="870120" y="2313000"/>
-            <a:ext cx="360" cy="2129040"/>
+            <a:off x="869400" y="2313000"/>
+            <a:ext cx="360" cy="2126880"/>
           </a:xfrm>
           <a:prstGeom prst="rect">
             <a:avLst/>
@@ -7186,8 +7195,8 @@
         </p:nvSpPr>
         <p:spPr>
           <a:xfrm>
-            <a:off x="847080" y="3383280"/>
-            <a:ext cx="4909680" cy="1155600"/>
+            <a:off x="914400" y="4846320"/>
+            <a:ext cx="4907520" cy="1153440"/>
           </a:xfrm>
           <a:prstGeom prst="rect">
             <a:avLst/>
@@ -7308,7 +7317,7 @@
         <p:spPr>
           <a:xfrm>
             <a:off x="6034320" y="3840480"/>
-            <a:ext cx="3105720" cy="420480"/>
+            <a:ext cx="3103560" cy="418320"/>
           </a:xfrm>
           <a:prstGeom prst="rect">
             <a:avLst/>
@@ -7422,14 +7431,14 @@
       </p:grpSpPr>
       <p:sp>
         <p:nvSpPr>
-          <p:cNvPr id="192" name="CustomShape 1"/>
+          <p:cNvPr id="193" name="CustomShape 1"/>
           <p:cNvSpPr/>
           <p:nvPr/>
         </p:nvSpPr>
         <p:spPr>
           <a:xfrm>
             <a:off x="1035000" y="759240"/>
-            <a:ext cx="7286040" cy="461880"/>
+            <a:ext cx="7283880" cy="459720"/>
           </a:xfrm>
           <a:prstGeom prst="rect">
             <a:avLst/>
@@ -7466,7 +7475,7 @@
                 <a:latin typeface="Work Sans"/>
                 <a:ea typeface="Work Sans"/>
               </a:rPr>
-              <a:t>Sequential vs Random</a:t>
+              <a:t>Memory Hierarchy</a:t>
             </a:r>
             <a:endParaRPr b="0" lang="en-US" sz="4000" spc="-1" strike="noStrike">
               <a:latin typeface="Arial"/>
@@ -7476,14 +7485,14 @@
       </p:sp>
       <p:sp>
         <p:nvSpPr>
-          <p:cNvPr id="193" name="CustomShape 2"/>
+          <p:cNvPr id="194" name="CustomShape 2"/>
           <p:cNvSpPr/>
           <p:nvPr/>
         </p:nvSpPr>
         <p:spPr>
           <a:xfrm>
             <a:off x="8159400" y="4393440"/>
-            <a:ext cx="544320" cy="389160"/>
+            <a:ext cx="542160" cy="387000"/>
           </a:xfrm>
           <a:prstGeom prst="rect">
             <a:avLst/>
@@ -7512,7 +7521,7 @@
                 <a:tab algn="l" pos="0"/>
               </a:tabLst>
             </a:pPr>
-            <a:fld id="{CE5CD0B5-C7B2-47EE-A84D-8B2601E58678}" type="slidenum">
+            <a:fld id="{2B20BA5C-3EA0-412C-A077-A8E3C5B875D9}" type="slidenum">
               <a:rPr b="1" lang="en" sz="1300" spc="-1" strike="noStrike">
                 <a:solidFill>
                   <a:srgbClr val="000000"/>
@@ -7530,14 +7539,14 @@
       </p:sp>
       <p:sp>
         <p:nvSpPr>
-          <p:cNvPr id="194" name="CustomShape 3"/>
+          <p:cNvPr id="195" name="CustomShape 3"/>
           <p:cNvSpPr/>
           <p:nvPr/>
         </p:nvSpPr>
         <p:spPr>
           <a:xfrm>
             <a:off x="1519200" y="1570680"/>
-            <a:ext cx="5740200" cy="1875960"/>
+            <a:ext cx="5738040" cy="1873800"/>
           </a:xfrm>
           <a:prstGeom prst="rect">
             <a:avLst/>
@@ -7556,7 +7565,7 @@
       </p:sp>
       <p:pic>
         <p:nvPicPr>
-          <p:cNvPr id="195" name="" descr=""/>
+          <p:cNvPr id="196" name="" descr=""/>
           <p:cNvPicPr/>
           <p:nvPr/>
         </p:nvPicPr>
@@ -7566,8 +7575,8 @@
         </p:blipFill>
         <p:spPr>
           <a:xfrm>
-            <a:off x="1920240" y="1371600"/>
-            <a:ext cx="5209920" cy="3124800"/>
+            <a:off x="1737360" y="1645920"/>
+            <a:ext cx="5299920" cy="2421360"/>
           </a:xfrm>
           <a:prstGeom prst="rect">
             <a:avLst/>
@@ -7577,6 +7586,57 @@
           </a:ln>
         </p:spPr>
       </p:pic>
+      <p:sp>
+        <p:nvSpPr>
+          <p:cNvPr id="197" name="CustomShape 4"/>
+          <p:cNvSpPr/>
+          <p:nvPr/>
+        </p:nvSpPr>
+        <p:spPr>
+          <a:xfrm>
+            <a:off x="5212080" y="4023360"/>
+            <a:ext cx="2374200" cy="271080"/>
+          </a:xfrm>
+          <a:prstGeom prst="rect">
+            <a:avLst/>
+          </a:prstGeom>
+          <a:noFill/>
+          <a:ln>
+            <a:noFill/>
+          </a:ln>
+        </p:spPr>
+        <p:style>
+          <a:lnRef idx="0"/>
+          <a:fillRef idx="0"/>
+          <a:effectRef idx="0"/>
+          <a:fontRef idx="minor"/>
+        </p:style>
+        <p:txBody>
+          <a:bodyPr lIns="90000" rIns="90000" tIns="45000" bIns="45000">
+            <a:noAutofit/>
+          </a:bodyPr>
+          <a:p>
+            <a:pPr>
+              <a:lnSpc>
+                <a:spcPct val="100000"/>
+              </a:lnSpc>
+            </a:pPr>
+            <a:r>
+              <a:rPr b="0" lang="en-US" sz="1200" spc="-1" strike="noStrike">
+                <a:solidFill>
+                  <a:srgbClr val="000000"/>
+                </a:solidFill>
+                <a:latin typeface="Arial"/>
+                <a:ea typeface="DejaVu Sans"/>
+              </a:rPr>
+              <a:t>Reference : csapp</a:t>
+            </a:r>
+            <a:endParaRPr b="0" lang="en-US" sz="1200" spc="-1" strike="noStrike">
+              <a:latin typeface="Arial"/>
+            </a:endParaRPr>
+          </a:p>
+        </p:txBody>
+      </p:sp>
     </p:spTree>
   </p:cSld>
   <mc:AlternateContent>
@@ -7609,14 +7669,14 @@
       </p:grpSpPr>
       <p:sp>
         <p:nvSpPr>
-          <p:cNvPr id="196" name="CustomShape 1"/>
+          <p:cNvPr id="198" name="CustomShape 1"/>
           <p:cNvSpPr/>
           <p:nvPr/>
         </p:nvSpPr>
         <p:spPr>
           <a:xfrm>
             <a:off x="1035000" y="759240"/>
-            <a:ext cx="7286040" cy="461880"/>
+            <a:ext cx="7283880" cy="459720"/>
           </a:xfrm>
           <a:prstGeom prst="rect">
             <a:avLst/>
@@ -7653,7 +7713,7 @@
                 <a:latin typeface="Work Sans"/>
                 <a:ea typeface="Work Sans"/>
               </a:rPr>
-              <a:t>Sequential vs Random</a:t>
+              <a:t>HDD</a:t>
             </a:r>
             <a:endParaRPr b="0" lang="en-US" sz="4000" spc="-1" strike="noStrike">
               <a:latin typeface="Arial"/>
@@ -7663,14 +7723,14 @@
       </p:sp>
       <p:sp>
         <p:nvSpPr>
-          <p:cNvPr id="197" name="CustomShape 2"/>
+          <p:cNvPr id="199" name="CustomShape 2"/>
           <p:cNvSpPr/>
           <p:nvPr/>
         </p:nvSpPr>
         <p:spPr>
           <a:xfrm>
             <a:off x="8159400" y="4393440"/>
-            <a:ext cx="544320" cy="389160"/>
+            <a:ext cx="542160" cy="387000"/>
           </a:xfrm>
           <a:prstGeom prst="rect">
             <a:avLst/>
@@ -7699,7 +7759,7 @@
                 <a:tab algn="l" pos="0"/>
               </a:tabLst>
             </a:pPr>
-            <a:fld id="{C814DDF7-B540-4CE0-B19C-F806E32B4F3F}" type="slidenum">
+            <a:fld id="{EF5683A7-EAF8-46F4-929F-7708C772DF37}" type="slidenum">
               <a:rPr b="1" lang="en" sz="1300" spc="-1" strike="noStrike">
                 <a:solidFill>
                   <a:srgbClr val="000000"/>
@@ -7715,16 +7775,39 @@
           </a:p>
         </p:txBody>
       </p:sp>
-      <p:sp>
-        <p:nvSpPr>
-          <p:cNvPr id="198" name="CustomShape 3"/>
+      <p:pic>
+        <p:nvPicPr>
+          <p:cNvPr id="200" name="Picture 8" descr=""/>
+          <p:cNvPicPr/>
+          <p:nvPr/>
+        </p:nvPicPr>
+        <p:blipFill>
+          <a:blip r:embed="rId1"/>
+          <a:stretch/>
+        </p:blipFill>
+        <p:spPr>
+          <a:xfrm>
+            <a:off x="1445400" y="1594080"/>
+            <a:ext cx="6068520" cy="2499480"/>
+          </a:xfrm>
+          <a:prstGeom prst="rect">
+            <a:avLst/>
+          </a:prstGeom>
+          <a:ln>
+            <a:noFill/>
+          </a:ln>
+        </p:spPr>
+      </p:pic>
+      <p:sp>
+        <p:nvSpPr>
+          <p:cNvPr id="201" name="CustomShape 3"/>
           <p:cNvSpPr/>
           <p:nvPr/>
         </p:nvSpPr>
         <p:spPr>
           <a:xfrm>
-            <a:off x="1519200" y="1570680"/>
-            <a:ext cx="5740200" cy="1875960"/>
+            <a:off x="5852160" y="4023360"/>
+            <a:ext cx="2374200" cy="271080"/>
           </a:xfrm>
           <a:prstGeom prst="rect">
             <a:avLst/>
@@ -7741,34 +7824,26 @@
           <a:fontRef idx="minor"/>
         </p:style>
         <p:txBody>
-          <a:bodyPr lIns="90000" rIns="90000" tIns="91440" bIns="91440">
+          <a:bodyPr lIns="90000" rIns="90000" tIns="45000" bIns="45000">
             <a:noAutofit/>
           </a:bodyPr>
           <a:p>
-            <a:pPr marL="457200" indent="-325800">
-              <a:lnSpc>
-                <a:spcPct val="100000"/>
-              </a:lnSpc>
-              <a:spcBef>
-                <a:spcPts val="601"/>
-              </a:spcBef>
-              <a:buClr>
-                <a:srgbClr val="000000"/>
-              </a:buClr>
-              <a:buFont typeface="Work Sans Regular"/>
-              <a:buChar char="▪"/>
-            </a:pPr>
-            <a:r>
-              <a:rPr b="0" lang="en-US" sz="1600" spc="-1" strike="noStrike">
+            <a:pPr>
+              <a:lnSpc>
+                <a:spcPct val="100000"/>
+              </a:lnSpc>
+            </a:pPr>
+            <a:r>
+              <a:rPr b="0" lang="en-US" sz="1200" spc="-1" strike="noStrike">
                 <a:solidFill>
                   <a:srgbClr val="000000"/>
                 </a:solidFill>
-                <a:latin typeface="Work Sans Regular"/>
-                <a:ea typeface="Work Sans Regular"/>
-              </a:rPr>
-              <a:t>Sequential I/O is faster !</a:t>
-            </a:r>
-            <a:endParaRPr b="0" lang="en-US" sz="1600" spc="-1" strike="noStrike">
+                <a:latin typeface="Arial"/>
+                <a:ea typeface="DejaVu Sans"/>
+              </a:rPr>
+              <a:t>Reference : csapp</a:t>
+            </a:r>
+            <a:endParaRPr b="0" lang="en-US" sz="1200" spc="-1" strike="noStrike">
               <a:latin typeface="Arial"/>
             </a:endParaRPr>
           </a:p>
@@ -7806,14 +7881,14 @@
       </p:grpSpPr>
       <p:sp>
         <p:nvSpPr>
-          <p:cNvPr id="199" name="CustomShape 1"/>
+          <p:cNvPr id="202" name="CustomShape 1"/>
           <p:cNvSpPr/>
           <p:nvPr/>
         </p:nvSpPr>
         <p:spPr>
           <a:xfrm>
             <a:off x="1035000" y="759240"/>
-            <a:ext cx="7286040" cy="461880"/>
+            <a:ext cx="7283880" cy="459720"/>
           </a:xfrm>
           <a:prstGeom prst="rect">
             <a:avLst/>
@@ -7850,7 +7925,7 @@
                 <a:latin typeface="Work Sans"/>
                 <a:ea typeface="Work Sans"/>
               </a:rPr>
-              <a:t>How Key-Value Store ?</a:t>
+              <a:t>Sequential vs Random</a:t>
             </a:r>
             <a:endParaRPr b="0" lang="en-US" sz="4000" spc="-1" strike="noStrike">
               <a:latin typeface="Arial"/>
@@ -7860,14 +7935,14 @@
       </p:sp>
       <p:sp>
         <p:nvSpPr>
-          <p:cNvPr id="200" name="CustomShape 2"/>
+          <p:cNvPr id="203" name="CustomShape 2"/>
           <p:cNvSpPr/>
           <p:nvPr/>
         </p:nvSpPr>
         <p:spPr>
           <a:xfrm>
             <a:off x="8159400" y="4393440"/>
-            <a:ext cx="544320" cy="389160"/>
+            <a:ext cx="542160" cy="387000"/>
           </a:xfrm>
           <a:prstGeom prst="rect">
             <a:avLst/>
@@ -7896,7 +7971,7 @@
                 <a:tab algn="l" pos="0"/>
               </a:tabLst>
             </a:pPr>
-            <a:fld id="{7F36EA3A-9264-485D-BDA7-777CDD415A41}" type="slidenum">
+            <a:fld id="{F3A2F07C-6B8C-4B22-A19E-633A7D0C644B}" type="slidenum">
               <a:rPr b="1" lang="en" sz="1300" spc="-1" strike="noStrike">
                 <a:solidFill>
                   <a:srgbClr val="000000"/>
@@ -7914,14 +7989,14 @@
       </p:sp>
       <p:sp>
         <p:nvSpPr>
-          <p:cNvPr id="201" name="CustomShape 3"/>
+          <p:cNvPr id="204" name="CustomShape 3"/>
           <p:cNvSpPr/>
           <p:nvPr/>
         </p:nvSpPr>
         <p:spPr>
           <a:xfrm>
             <a:off x="1519200" y="1570680"/>
-            <a:ext cx="5740200" cy="1875960"/>
+            <a:ext cx="5738040" cy="1873800"/>
           </a:xfrm>
           <a:prstGeom prst="rect">
             <a:avLst/>
@@ -7937,96 +8012,30 @@
           <a:effectRef idx="0"/>
           <a:fontRef idx="minor"/>
         </p:style>
-        <p:txBody>
-          <a:bodyPr lIns="90000" rIns="90000" tIns="91440" bIns="91440">
-            <a:noAutofit/>
-          </a:bodyPr>
-          <a:p>
-            <a:pPr marL="457200" indent="-325800">
-              <a:lnSpc>
-                <a:spcPct val="100000"/>
-              </a:lnSpc>
-              <a:spcBef>
-                <a:spcPts val="601"/>
-              </a:spcBef>
-              <a:buClr>
-                <a:srgbClr val="000000"/>
-              </a:buClr>
-              <a:buFont typeface="Work Sans Regular"/>
-              <a:buChar char="▪"/>
-            </a:pPr>
-            <a:r>
-              <a:rPr b="0" lang="en-US" sz="1600" spc="-1" strike="noStrike">
-                <a:solidFill>
-                  <a:srgbClr val="000000"/>
-                </a:solidFill>
-                <a:latin typeface="Work Sans Regular"/>
-                <a:ea typeface="Work Sans Regular"/>
-              </a:rPr>
-              <a:t>LSM Tree</a:t>
-            </a:r>
-            <a:endParaRPr b="0" lang="en-US" sz="1600" spc="-1" strike="noStrike">
-              <a:latin typeface="Arial"/>
-            </a:endParaRPr>
-          </a:p>
-          <a:p>
-            <a:pPr marL="457200" indent="-325800">
-              <a:lnSpc>
-                <a:spcPct val="100000"/>
-              </a:lnSpc>
-              <a:spcBef>
-                <a:spcPts val="601"/>
-              </a:spcBef>
-              <a:buClr>
-                <a:srgbClr val="000000"/>
-              </a:buClr>
-              <a:buFont typeface="Work Sans Regular"/>
-              <a:buChar char="▪"/>
-            </a:pPr>
-            <a:r>
-              <a:rPr b="0" lang="en-US" sz="1600" spc="-1" strike="noStrike">
-                <a:solidFill>
-                  <a:srgbClr val="000000"/>
-                </a:solidFill>
-                <a:latin typeface="Work Sans Regular"/>
-                <a:ea typeface="Work Sans Regular"/>
-              </a:rPr>
-              <a:t>Flush</a:t>
-            </a:r>
-            <a:endParaRPr b="0" lang="en-US" sz="1600" spc="-1" strike="noStrike">
-              <a:latin typeface="Arial"/>
-            </a:endParaRPr>
-          </a:p>
-          <a:p>
-            <a:pPr marL="457200" indent="-325800">
-              <a:lnSpc>
-                <a:spcPct val="100000"/>
-              </a:lnSpc>
-              <a:spcBef>
-                <a:spcPts val="601"/>
-              </a:spcBef>
-              <a:buClr>
-                <a:srgbClr val="000000"/>
-              </a:buClr>
-              <a:buFont typeface="Work Sans Regular"/>
-              <a:buChar char="▪"/>
-            </a:pPr>
-            <a:r>
-              <a:rPr b="0" lang="en-US" sz="1600" spc="-1" strike="noStrike">
-                <a:solidFill>
-                  <a:srgbClr val="000000"/>
-                </a:solidFill>
-                <a:latin typeface="Work Sans Regular"/>
-                <a:ea typeface="Work Sans Regular"/>
-              </a:rPr>
-              <a:t>Compaction</a:t>
-            </a:r>
-            <a:endParaRPr b="0" lang="en-US" sz="1600" spc="-1" strike="noStrike">
-              <a:latin typeface="Arial"/>
-            </a:endParaRPr>
-          </a:p>
-        </p:txBody>
-      </p:sp>
+      </p:sp>
+      <p:pic>
+        <p:nvPicPr>
+          <p:cNvPr id="205" name="" descr=""/>
+          <p:cNvPicPr/>
+          <p:nvPr/>
+        </p:nvPicPr>
+        <p:blipFill>
+          <a:blip r:embed="rId1"/>
+          <a:stretch/>
+        </p:blipFill>
+        <p:spPr>
+          <a:xfrm>
+            <a:off x="1920240" y="1371600"/>
+            <a:ext cx="5207760" cy="3122640"/>
+          </a:xfrm>
+          <a:prstGeom prst="rect">
+            <a:avLst/>
+          </a:prstGeom>
+          <a:ln>
+            <a:noFill/>
+          </a:ln>
+        </p:spPr>
+      </p:pic>
     </p:spTree>
   </p:cSld>
   <mc:AlternateContent>
@@ -8059,14 +8068,14 @@
       </p:grpSpPr>
       <p:sp>
         <p:nvSpPr>
-          <p:cNvPr id="202" name="CustomShape 1"/>
+          <p:cNvPr id="206" name="CustomShape 1"/>
           <p:cNvSpPr/>
           <p:nvPr/>
         </p:nvSpPr>
         <p:spPr>
           <a:xfrm>
             <a:off x="1035000" y="759240"/>
-            <a:ext cx="7286040" cy="461880"/>
+            <a:ext cx="7283880" cy="459720"/>
           </a:xfrm>
           <a:prstGeom prst="rect">
             <a:avLst/>
@@ -8096,31 +8105,31 @@
               </a:tabLst>
             </a:pPr>
             <a:r>
-              <a:rPr b="1" lang="en-US" sz="3500" spc="-1" strike="noStrike">
+              <a:rPr b="1" lang="en-US" sz="4000" spc="-1" strike="noStrike">
                 <a:solidFill>
                   <a:srgbClr val="000000"/>
                 </a:solidFill>
                 <a:latin typeface="Work Sans"/>
                 <a:ea typeface="Work Sans"/>
               </a:rPr>
-              <a:t>Log-Structured-Merge Tree</a:t>
-            </a:r>
-            <a:endParaRPr b="0" lang="en-US" sz="3500" spc="-1" strike="noStrike">
-              <a:latin typeface="Arial"/>
-            </a:endParaRPr>
-          </a:p>
-        </p:txBody>
-      </p:sp>
-      <p:sp>
-        <p:nvSpPr>
-          <p:cNvPr id="203" name="CustomShape 2"/>
+              <a:t>Sequential vs Random</a:t>
+            </a:r>
+            <a:endParaRPr b="0" lang="en-US" sz="4000" spc="-1" strike="noStrike">
+              <a:latin typeface="Arial"/>
+            </a:endParaRPr>
+          </a:p>
+        </p:txBody>
+      </p:sp>
+      <p:sp>
+        <p:nvSpPr>
+          <p:cNvPr id="207" name="CustomShape 2"/>
           <p:cNvSpPr/>
           <p:nvPr/>
         </p:nvSpPr>
         <p:spPr>
           <a:xfrm>
             <a:off x="8159400" y="4393440"/>
-            <a:ext cx="544320" cy="389160"/>
+            <a:ext cx="542160" cy="387000"/>
           </a:xfrm>
           <a:prstGeom prst="rect">
             <a:avLst/>
@@ -8149,7 +8158,7 @@
                 <a:tab algn="l" pos="0"/>
               </a:tabLst>
             </a:pPr>
-            <a:fld id="{22EED4D0-FCEF-4A97-800F-B8F9FEB7A556}" type="slidenum">
+            <a:fld id="{02A8030E-A727-45B7-9EC9-B7D20B13C329}" type="slidenum">
               <a:rPr b="1" lang="en" sz="1300" spc="-1" strike="noStrike">
                 <a:solidFill>
                   <a:srgbClr val="000000"/>
@@ -8165,62 +8174,16 @@
           </a:p>
         </p:txBody>
       </p:sp>
-      <p:pic>
-        <p:nvPicPr>
-          <p:cNvPr id="204" name="Picture 4" descr=""/>
-          <p:cNvPicPr/>
-          <p:nvPr/>
-        </p:nvPicPr>
-        <p:blipFill>
-          <a:blip r:embed="rId1"/>
-          <a:stretch/>
-        </p:blipFill>
-        <p:spPr>
-          <a:xfrm>
-            <a:off x="1377720" y="1463040"/>
-            <a:ext cx="2001600" cy="2395440"/>
-          </a:xfrm>
-          <a:prstGeom prst="rect">
-            <a:avLst/>
-          </a:prstGeom>
-          <a:ln>
-            <a:noFill/>
-          </a:ln>
-        </p:spPr>
-      </p:pic>
-      <p:pic>
-        <p:nvPicPr>
-          <p:cNvPr id="205" name="" descr=""/>
-          <p:cNvPicPr/>
-          <p:nvPr/>
-        </p:nvPicPr>
-        <p:blipFill>
-          <a:blip r:embed="rId2"/>
-          <a:stretch/>
-        </p:blipFill>
-        <p:spPr>
-          <a:xfrm>
-            <a:off x="4114800" y="1645920"/>
-            <a:ext cx="3836520" cy="1762200"/>
-          </a:xfrm>
-          <a:prstGeom prst="rect">
-            <a:avLst/>
-          </a:prstGeom>
-          <a:ln>
-            <a:noFill/>
-          </a:ln>
-        </p:spPr>
-      </p:pic>
-      <p:sp>
-        <p:nvSpPr>
-          <p:cNvPr id="206" name="CustomShape 3"/>
+      <p:sp>
+        <p:nvSpPr>
+          <p:cNvPr id="208" name="CustomShape 3"/>
           <p:cNvSpPr/>
           <p:nvPr/>
         </p:nvSpPr>
         <p:spPr>
           <a:xfrm>
-            <a:off x="1645920" y="3735000"/>
-            <a:ext cx="5942520" cy="237240"/>
+            <a:off x="1519200" y="1570680"/>
+            <a:ext cx="5738040" cy="1873800"/>
           </a:xfrm>
           <a:prstGeom prst="rect">
             <a:avLst/>
@@ -8237,39 +8200,34 @@
           <a:fontRef idx="minor"/>
         </p:style>
         <p:txBody>
-          <a:bodyPr lIns="90000" rIns="90000" tIns="45000" bIns="45000">
+          <a:bodyPr lIns="90000" rIns="90000" tIns="91440" bIns="91440">
             <a:noAutofit/>
           </a:bodyPr>
           <a:p>
-            <a:pPr>
+            <a:pPr marL="457200" indent="-323640">
               <a:lnSpc>
                 <a:spcPct val="100000"/>
               </a:lnSpc>
               <a:spcBef>
                 <a:spcPts val="601"/>
               </a:spcBef>
-            </a:pPr>
-            <a:r>
-              <a:rPr b="0" lang="en-US" sz="1000" spc="-1" strike="noStrike">
-                <a:solidFill>
-                  <a:srgbClr val="000000"/>
-                </a:solidFill>
-                <a:latin typeface="Arial"/>
-                <a:ea typeface="Noto Sans CJK SC"/>
-              </a:rPr>
-              <a:t>Reference : </a:t>
-            </a:r>
-            <a:r>
-              <a:rPr b="0" lang="en-US" sz="1000" spc="-1" strike="noStrike">
+              <a:buClr>
+                <a:srgbClr val="000000"/>
+              </a:buClr>
+              <a:buFont typeface="Work Sans Regular"/>
+              <a:buChar char="▪"/>
+            </a:pPr>
+            <a:r>
+              <a:rPr b="0" lang="en-US" sz="1600" spc="-1" strike="noStrike">
                 <a:solidFill>
                   <a:srgbClr val="000000"/>
                 </a:solidFill>
                 <a:latin typeface="Work Sans Regular"/>
                 <a:ea typeface="Work Sans Regular"/>
               </a:rPr>
-              <a:t>Monkey: Optimal Navigable Key-Value Store(2017),Niv Dayan</a:t>
-            </a:r>
-            <a:endParaRPr b="0" lang="en-US" sz="1000" spc="-1" strike="noStrike">
+              <a:t>Sequential I/O is faster !</a:t>
+            </a:r>
+            <a:endParaRPr b="0" lang="en-US" sz="1600" spc="-1" strike="noStrike">
               <a:latin typeface="Arial"/>
             </a:endParaRPr>
           </a:p>
@@ -8307,14 +8265,14 @@
       </p:grpSpPr>
       <p:sp>
         <p:nvSpPr>
-          <p:cNvPr id="207" name="CustomShape 1"/>
+          <p:cNvPr id="209" name="CustomShape 1"/>
           <p:cNvSpPr/>
           <p:nvPr/>
         </p:nvSpPr>
         <p:spPr>
           <a:xfrm>
             <a:off x="1035000" y="759240"/>
-            <a:ext cx="7286040" cy="461880"/>
+            <a:ext cx="7283880" cy="459720"/>
           </a:xfrm>
           <a:prstGeom prst="rect">
             <a:avLst/>
@@ -8351,7 +8309,7 @@
                 <a:latin typeface="Work Sans"/>
                 <a:ea typeface="Work Sans"/>
               </a:rPr>
-              <a:t>Compaction</a:t>
+              <a:t>How Key-Value Store ?</a:t>
             </a:r>
             <a:endParaRPr b="0" lang="en-US" sz="4000" spc="-1" strike="noStrike">
               <a:latin typeface="Arial"/>
@@ -8361,14 +8319,14 @@
       </p:sp>
       <p:sp>
         <p:nvSpPr>
-          <p:cNvPr id="208" name="CustomShape 2"/>
+          <p:cNvPr id="210" name="CustomShape 2"/>
           <p:cNvSpPr/>
           <p:nvPr/>
         </p:nvSpPr>
         <p:spPr>
           <a:xfrm>
             <a:off x="8159400" y="4393440"/>
-            <a:ext cx="544320" cy="389160"/>
+            <a:ext cx="542160" cy="387000"/>
           </a:xfrm>
           <a:prstGeom prst="rect">
             <a:avLst/>
@@ -8397,7 +8355,7 @@
                 <a:tab algn="l" pos="0"/>
               </a:tabLst>
             </a:pPr>
-            <a:fld id="{568720B7-EAFA-429F-AD81-BB8211F56329}" type="slidenum">
+            <a:fld id="{D7BB4E03-F5D8-4CC0-BB4C-EECA19AF197E}" type="slidenum">
               <a:rPr b="1" lang="en" sz="1300" spc="-1" strike="noStrike">
                 <a:solidFill>
                   <a:srgbClr val="000000"/>
@@ -8415,14 +8373,14 @@
       </p:sp>
       <p:sp>
         <p:nvSpPr>
-          <p:cNvPr id="209" name="CustomShape 3"/>
+          <p:cNvPr id="211" name="CustomShape 3"/>
           <p:cNvSpPr/>
           <p:nvPr/>
         </p:nvSpPr>
         <p:spPr>
           <a:xfrm>
             <a:off x="1519200" y="1570680"/>
-            <a:ext cx="5740200" cy="1875960"/>
+            <a:ext cx="5738040" cy="1873800"/>
           </a:xfrm>
           <a:prstGeom prst="rect">
             <a:avLst/>
@@ -8443,7 +8401,7 @@
             <a:noAutofit/>
           </a:bodyPr>
           <a:p>
-            <a:pPr marL="457200" indent="-325800">
+            <a:pPr marL="457200" indent="-323640">
               <a:lnSpc>
                 <a:spcPct val="100000"/>
               </a:lnSpc>
@@ -8464,14 +8422,14 @@
                 <a:latin typeface="Work Sans Regular"/>
                 <a:ea typeface="Work Sans Regular"/>
               </a:rPr>
-              <a:t>If Memory exceed size limit, Flush to Disk</a:t>
+              <a:t>LSM Tree</a:t>
             </a:r>
             <a:endParaRPr b="0" lang="en-US" sz="1600" spc="-1" strike="noStrike">
               <a:latin typeface="Arial"/>
             </a:endParaRPr>
           </a:p>
           <a:p>
-            <a:pPr marL="457200" indent="-325800">
+            <a:pPr marL="457200" indent="-323640">
               <a:lnSpc>
                 <a:spcPct val="100000"/>
               </a:lnSpc>
@@ -8492,14 +8450,14 @@
                 <a:latin typeface="Work Sans Regular"/>
                 <a:ea typeface="Work Sans Regular"/>
               </a:rPr>
-              <a:t>If Level X(Disk) exceed size limit, Compaction with X+1</a:t>
+              <a:t>Flush</a:t>
             </a:r>
             <a:endParaRPr b="0" lang="en-US" sz="1600" spc="-1" strike="noStrike">
               <a:latin typeface="Arial"/>
             </a:endParaRPr>
           </a:p>
           <a:p>
-            <a:pPr marL="457200" indent="-325800">
+            <a:pPr marL="457200" indent="-323640">
               <a:lnSpc>
                 <a:spcPct val="100000"/>
               </a:lnSpc>
@@ -8520,7 +8478,7 @@
                 <a:latin typeface="Work Sans Regular"/>
                 <a:ea typeface="Work Sans Regular"/>
               </a:rPr>
-              <a:t>Merge Sort (nlogn)</a:t>
+              <a:t>Compaction</a:t>
             </a:r>
             <a:endParaRPr b="0" lang="en-US" sz="1600" spc="-1" strike="noStrike">
               <a:latin typeface="Arial"/>
@@ -8560,14 +8518,14 @@
       </p:grpSpPr>
       <p:sp>
         <p:nvSpPr>
-          <p:cNvPr id="210" name="CustomShape 1"/>
+          <p:cNvPr id="212" name="CustomShape 1"/>
           <p:cNvSpPr/>
           <p:nvPr/>
         </p:nvSpPr>
         <p:spPr>
           <a:xfrm>
             <a:off x="1035000" y="759240"/>
-            <a:ext cx="7286040" cy="461880"/>
+            <a:ext cx="7283880" cy="459720"/>
           </a:xfrm>
           <a:prstGeom prst="rect">
             <a:avLst/>
@@ -8597,31 +8555,31 @@
               </a:tabLst>
             </a:pPr>
             <a:r>
-              <a:rPr b="1" lang="en-US" sz="4000" spc="-1" strike="noStrike">
+              <a:rPr b="1" lang="en-US" sz="3500" spc="-1" strike="noStrike">
                 <a:solidFill>
                   <a:srgbClr val="000000"/>
                 </a:solidFill>
                 <a:latin typeface="Work Sans"/>
                 <a:ea typeface="Work Sans"/>
               </a:rPr>
-              <a:t>LevelDB</a:t>
-            </a:r>
-            <a:endParaRPr b="0" lang="en-US" sz="4000" spc="-1" strike="noStrike">
-              <a:latin typeface="Arial"/>
-            </a:endParaRPr>
-          </a:p>
-        </p:txBody>
-      </p:sp>
-      <p:sp>
-        <p:nvSpPr>
-          <p:cNvPr id="211" name="CustomShape 2"/>
+              <a:t>Log-Structured-Merge Tree</a:t>
+            </a:r>
+            <a:endParaRPr b="0" lang="en-US" sz="3500" spc="-1" strike="noStrike">
+              <a:latin typeface="Arial"/>
+            </a:endParaRPr>
+          </a:p>
+        </p:txBody>
+      </p:sp>
+      <p:sp>
+        <p:nvSpPr>
+          <p:cNvPr id="213" name="CustomShape 2"/>
           <p:cNvSpPr/>
           <p:nvPr/>
         </p:nvSpPr>
         <p:spPr>
           <a:xfrm>
             <a:off x="8159400" y="4393440"/>
-            <a:ext cx="544320" cy="389160"/>
+            <a:ext cx="542160" cy="387000"/>
           </a:xfrm>
           <a:prstGeom prst="rect">
             <a:avLst/>
@@ -8650,7 +8608,7 @@
                 <a:tab algn="l" pos="0"/>
               </a:tabLst>
             </a:pPr>
-            <a:fld id="{4FF32F73-500C-4889-8314-E5BAB710DC44}" type="slidenum">
+            <a:fld id="{FABF5326-EB1B-4E08-A279-42AE23E7B90C}" type="slidenum">
               <a:rPr b="1" lang="en" sz="1300" spc="-1" strike="noStrike">
                 <a:solidFill>
                   <a:srgbClr val="000000"/>
@@ -8668,7 +8626,7 @@
       </p:sp>
       <p:pic>
         <p:nvPicPr>
-          <p:cNvPr id="212" name="" descr=""/>
+          <p:cNvPr id="214" name="Picture 4" descr=""/>
           <p:cNvPicPr/>
           <p:nvPr/>
         </p:nvPicPr>
@@ -8678,8 +8636,8 @@
         </p:blipFill>
         <p:spPr>
           <a:xfrm>
-            <a:off x="1316160" y="1440720"/>
-            <a:ext cx="2710440" cy="2396160"/>
+            <a:off x="1377720" y="1463040"/>
+            <a:ext cx="1999440" cy="2393280"/>
           </a:xfrm>
           <a:prstGeom prst="rect">
             <a:avLst/>
@@ -8691,7 +8649,7 @@
       </p:pic>
       <p:pic>
         <p:nvPicPr>
-          <p:cNvPr id="213" name="" descr=""/>
+          <p:cNvPr id="215" name="" descr=""/>
           <p:cNvPicPr/>
           <p:nvPr/>
         </p:nvPicPr>
@@ -8701,8 +8659,8 @@
         </p:blipFill>
         <p:spPr>
           <a:xfrm>
-            <a:off x="4297680" y="1859040"/>
-            <a:ext cx="3471120" cy="1337760"/>
+            <a:off x="4114800" y="1645920"/>
+            <a:ext cx="3834360" cy="1760040"/>
           </a:xfrm>
           <a:prstGeom prst="rect">
             <a:avLst/>
@@ -8714,14 +8672,14 @@
       </p:pic>
       <p:sp>
         <p:nvSpPr>
-          <p:cNvPr id="214" name="CustomShape 3"/>
+          <p:cNvPr id="216" name="CustomShape 3"/>
           <p:cNvSpPr/>
           <p:nvPr/>
         </p:nvSpPr>
         <p:spPr>
           <a:xfrm>
-            <a:off x="822960" y="3931920"/>
-            <a:ext cx="6491160" cy="237240"/>
+            <a:off x="1645920" y="3735000"/>
+            <a:ext cx="5940360" cy="235080"/>
           </a:xfrm>
           <a:prstGeom prst="rect">
             <a:avLst/>
@@ -8768,7 +8726,7 @@
                 <a:latin typeface="Work Sans Regular"/>
                 <a:ea typeface="Work Sans Regular"/>
               </a:rPr>
-              <a:t>WiscKey: Separating Keys from Values in SSD-conscious Storage(2016),Lanyue Lu</a:t>
+              <a:t>Monkey: Optimal Navigable Key-Value Store(2017),Niv Dayan</a:t>
             </a:r>
             <a:endParaRPr b="0" lang="en-US" sz="1000" spc="-1" strike="noStrike">
               <a:latin typeface="Arial"/>
@@ -8808,14 +8766,14 @@
       </p:grpSpPr>
       <p:sp>
         <p:nvSpPr>
-          <p:cNvPr id="215" name="CustomShape 1"/>
+          <p:cNvPr id="217" name="CustomShape 1"/>
           <p:cNvSpPr/>
           <p:nvPr/>
         </p:nvSpPr>
         <p:spPr>
           <a:xfrm>
             <a:off x="1035000" y="759240"/>
-            <a:ext cx="7286040" cy="461880"/>
+            <a:ext cx="7283880" cy="459720"/>
           </a:xfrm>
           <a:prstGeom prst="rect">
             <a:avLst/>
@@ -8845,16 +8803,6 @@
               </a:tabLst>
             </a:pPr>
             <a:r>
-              <a:rPr b="1" lang="en-US" sz="3000" spc="-1" strike="noStrike">
-                <a:solidFill>
-                  <a:srgbClr val="000000"/>
-                </a:solidFill>
-                <a:latin typeface="Work Sans"/>
-                <a:ea typeface="Work Sans"/>
-              </a:rPr>
-              <a:t>Related Topic 1: SSD-Conscious</a:t>
-            </a:r>
-            <a:r>
               <a:rPr b="1" lang="en-US" sz="4000" spc="-1" strike="noStrike">
                 <a:solidFill>
                   <a:srgbClr val="000000"/>
@@ -8862,7 +8810,7 @@
                 <a:latin typeface="Work Sans"/>
                 <a:ea typeface="Work Sans"/>
               </a:rPr>
-              <a:t> </a:t>
+              <a:t>Compaction</a:t>
             </a:r>
             <a:endParaRPr b="0" lang="en-US" sz="4000" spc="-1" strike="noStrike">
               <a:latin typeface="Arial"/>
@@ -8872,14 +8820,14 @@
       </p:sp>
       <p:sp>
         <p:nvSpPr>
-          <p:cNvPr id="216" name="CustomShape 2"/>
+          <p:cNvPr id="218" name="CustomShape 2"/>
           <p:cNvSpPr/>
           <p:nvPr/>
         </p:nvSpPr>
         <p:spPr>
           <a:xfrm>
             <a:off x="8159400" y="4393440"/>
-            <a:ext cx="544320" cy="389160"/>
+            <a:ext cx="542160" cy="387000"/>
           </a:xfrm>
           <a:prstGeom prst="rect">
             <a:avLst/>
@@ -8908,7 +8856,7 @@
                 <a:tab algn="l" pos="0"/>
               </a:tabLst>
             </a:pPr>
-            <a:fld id="{3BA2CE56-29AE-4582-8AB6-7876F9880909}" type="slidenum">
+            <a:fld id="{06178847-0025-4E36-8949-9EF475ED560D}" type="slidenum">
               <a:rPr b="1" lang="en" sz="1300" spc="-1" strike="noStrike">
                 <a:solidFill>
                   <a:srgbClr val="000000"/>
@@ -8926,14 +8874,14 @@
       </p:sp>
       <p:sp>
         <p:nvSpPr>
-          <p:cNvPr id="217" name="CustomShape 3"/>
+          <p:cNvPr id="219" name="CustomShape 3"/>
           <p:cNvSpPr/>
           <p:nvPr/>
         </p:nvSpPr>
         <p:spPr>
           <a:xfrm>
             <a:off x="1519200" y="1570680"/>
-            <a:ext cx="5740200" cy="1875960"/>
+            <a:ext cx="5738040" cy="1873800"/>
           </a:xfrm>
           <a:prstGeom prst="rect">
             <a:avLst/>
@@ -8954,7 +8902,7 @@
             <a:noAutofit/>
           </a:bodyPr>
           <a:p>
-            <a:pPr marL="457200" indent="-325800">
+            <a:pPr marL="457200" indent="-323640">
               <a:lnSpc>
                 <a:spcPct val="100000"/>
               </a:lnSpc>
@@ -8975,14 +8923,14 @@
                 <a:latin typeface="Work Sans Regular"/>
                 <a:ea typeface="Work Sans Regular"/>
               </a:rPr>
-              <a:t>Device Lifetime : Reduce Write Amplification</a:t>
+              <a:t>If Memory exceed size limit, Flush to Disk</a:t>
             </a:r>
             <a:endParaRPr b="0" lang="en-US" sz="1600" spc="-1" strike="noStrike">
               <a:latin typeface="Arial"/>
             </a:endParaRPr>
           </a:p>
           <a:p>
-            <a:pPr marL="457200" indent="-325800">
+            <a:pPr marL="457200" indent="-323640">
               <a:lnSpc>
                 <a:spcPct val="100000"/>
               </a:lnSpc>
@@ -9003,14 +8951,14 @@
                 <a:latin typeface="Work Sans Regular"/>
                 <a:ea typeface="Work Sans Regular"/>
               </a:rPr>
-              <a:t>Random Read dramatically improved (than HDD)</a:t>
+              <a:t>If Level X(Disk) exceed size limit, Compaction with X+1</a:t>
             </a:r>
             <a:endParaRPr b="0" lang="en-US" sz="1600" spc="-1" strike="noStrike">
               <a:latin typeface="Arial"/>
             </a:endParaRPr>
           </a:p>
           <a:p>
-            <a:pPr marL="457200" indent="-325800">
+            <a:pPr marL="457200" indent="-323640">
               <a:lnSpc>
                 <a:spcPct val="100000"/>
               </a:lnSpc>
@@ -9031,21 +8979,8 @@
                 <a:latin typeface="Work Sans Regular"/>
                 <a:ea typeface="Work Sans Regular"/>
               </a:rPr>
-              <a:t>Internal Parallelism</a:t>
-            </a:r>
-            <a:endParaRPr b="0" lang="en-US" sz="1600" spc="-1" strike="noStrike">
-              <a:latin typeface="Arial"/>
-            </a:endParaRPr>
-          </a:p>
-          <a:p>
-            <a:pPr>
-              <a:lnSpc>
-                <a:spcPct val="100000"/>
-              </a:lnSpc>
-              <a:spcBef>
-                <a:spcPts val="601"/>
-              </a:spcBef>
-            </a:pPr>
+              <a:t>Merge Sort (nlogn)</a:t>
+            </a:r>
             <a:endParaRPr b="0" lang="en-US" sz="1600" spc="-1" strike="noStrike">
               <a:latin typeface="Arial"/>
             </a:endParaRPr>
@@ -9084,14 +9019,14 @@
       </p:grpSpPr>
       <p:sp>
         <p:nvSpPr>
-          <p:cNvPr id="218" name="CustomShape 1"/>
+          <p:cNvPr id="220" name="CustomShape 1"/>
           <p:cNvSpPr/>
           <p:nvPr/>
         </p:nvSpPr>
         <p:spPr>
           <a:xfrm>
             <a:off x="1035000" y="759240"/>
-            <a:ext cx="7286040" cy="461880"/>
+            <a:ext cx="7283880" cy="459720"/>
           </a:xfrm>
           <a:prstGeom prst="rect">
             <a:avLst/>
@@ -9121,16 +9056,6 @@
               </a:tabLst>
             </a:pPr>
             <a:r>
-              <a:rPr b="1" lang="en-US" sz="3000" spc="-1" strike="noStrike">
-                <a:solidFill>
-                  <a:srgbClr val="000000"/>
-                </a:solidFill>
-                <a:latin typeface="Work Sans"/>
-                <a:ea typeface="Work Sans"/>
-              </a:rPr>
-              <a:t>Related Topic 1: SSD-Conscious</a:t>
-            </a:r>
-            <a:r>
               <a:rPr b="1" lang="en-US" sz="4000" spc="-1" strike="noStrike">
                 <a:solidFill>
                   <a:srgbClr val="000000"/>
@@ -9138,7 +9063,7 @@
                 <a:latin typeface="Work Sans"/>
                 <a:ea typeface="Work Sans"/>
               </a:rPr>
-              <a:t> </a:t>
+              <a:t>LevelDB</a:t>
             </a:r>
             <a:endParaRPr b="0" lang="en-US" sz="4000" spc="-1" strike="noStrike">
               <a:latin typeface="Arial"/>
@@ -9148,14 +9073,14 @@
       </p:sp>
       <p:sp>
         <p:nvSpPr>
-          <p:cNvPr id="219" name="CustomShape 2"/>
+          <p:cNvPr id="221" name="CustomShape 2"/>
           <p:cNvSpPr/>
           <p:nvPr/>
         </p:nvSpPr>
         <p:spPr>
           <a:xfrm>
             <a:off x="8159400" y="4393440"/>
-            <a:ext cx="544320" cy="389160"/>
+            <a:ext cx="542160" cy="387000"/>
           </a:xfrm>
           <a:prstGeom prst="rect">
             <a:avLst/>
@@ -9184,7 +9109,7 @@
                 <a:tab algn="l" pos="0"/>
               </a:tabLst>
             </a:pPr>
-            <a:fld id="{74C2B998-831E-4AA5-999D-7F37FA70DDB8}" type="slidenum">
+            <a:fld id="{76B77971-8772-49B8-B204-5EB5FF202572}" type="slidenum">
               <a:rPr b="1" lang="en" sz="1300" spc="-1" strike="noStrike">
                 <a:solidFill>
                   <a:srgbClr val="000000"/>
@@ -9200,16 +9125,62 @@
           </a:p>
         </p:txBody>
       </p:sp>
-      <p:sp>
-        <p:nvSpPr>
-          <p:cNvPr id="220" name="CustomShape 3"/>
+      <p:pic>
+        <p:nvPicPr>
+          <p:cNvPr id="222" name="" descr=""/>
+          <p:cNvPicPr/>
+          <p:nvPr/>
+        </p:nvPicPr>
+        <p:blipFill>
+          <a:blip r:embed="rId1"/>
+          <a:stretch/>
+        </p:blipFill>
+        <p:spPr>
+          <a:xfrm>
+            <a:off x="1316160" y="1440720"/>
+            <a:ext cx="2708280" cy="2394000"/>
+          </a:xfrm>
+          <a:prstGeom prst="rect">
+            <a:avLst/>
+          </a:prstGeom>
+          <a:ln>
+            <a:noFill/>
+          </a:ln>
+        </p:spPr>
+      </p:pic>
+      <p:pic>
+        <p:nvPicPr>
+          <p:cNvPr id="223" name="" descr=""/>
+          <p:cNvPicPr/>
+          <p:nvPr/>
+        </p:nvPicPr>
+        <p:blipFill>
+          <a:blip r:embed="rId2"/>
+          <a:stretch/>
+        </p:blipFill>
+        <p:spPr>
+          <a:xfrm>
+            <a:off x="4297680" y="1859040"/>
+            <a:ext cx="3468960" cy="1335600"/>
+          </a:xfrm>
+          <a:prstGeom prst="rect">
+            <a:avLst/>
+          </a:prstGeom>
+          <a:ln>
+            <a:noFill/>
+          </a:ln>
+        </p:spPr>
+      </p:pic>
+      <p:sp>
+        <p:nvSpPr>
+          <p:cNvPr id="224" name="CustomShape 3"/>
           <p:cNvSpPr/>
           <p:nvPr/>
         </p:nvSpPr>
         <p:spPr>
           <a:xfrm>
-            <a:off x="1519200" y="1570680"/>
-            <a:ext cx="5740200" cy="1875960"/>
+            <a:off x="822960" y="3931920"/>
+            <a:ext cx="6489000" cy="235080"/>
           </a:xfrm>
           <a:prstGeom prst="rect">
             <a:avLst/>
@@ -9226,118 +9197,39 @@
           <a:fontRef idx="minor"/>
         </p:style>
         <p:txBody>
-          <a:bodyPr lIns="90000" rIns="90000" tIns="91440" bIns="91440">
+          <a:bodyPr lIns="90000" rIns="90000" tIns="45000" bIns="45000">
             <a:noAutofit/>
           </a:bodyPr>
           <a:p>
-            <a:pPr marL="457200" indent="-325800">
+            <a:pPr>
               <a:lnSpc>
                 <a:spcPct val="100000"/>
               </a:lnSpc>
               <a:spcBef>
                 <a:spcPts val="601"/>
               </a:spcBef>
-              <a:buClr>
-                <a:srgbClr val="000000"/>
-              </a:buClr>
-              <a:buFont typeface="Work Sans Regular"/>
-              <a:buChar char="▪"/>
-            </a:pPr>
-            <a:r>
-              <a:rPr b="0" lang="en-US" sz="1600" spc="-1" strike="noStrike">
+            </a:pPr>
+            <a:r>
+              <a:rPr b="0" lang="en-US" sz="1000" spc="-1" strike="noStrike">
+                <a:solidFill>
+                  <a:srgbClr val="000000"/>
+                </a:solidFill>
+                <a:latin typeface="Arial"/>
+                <a:ea typeface="Noto Sans CJK SC"/>
+              </a:rPr>
+              <a:t>Reference : </a:t>
+            </a:r>
+            <a:r>
+              <a:rPr b="0" lang="en-US" sz="1000" spc="-1" strike="noStrike">
                 <a:solidFill>
                   <a:srgbClr val="000000"/>
                 </a:solidFill>
                 <a:latin typeface="Work Sans Regular"/>
                 <a:ea typeface="Work Sans Regular"/>
               </a:rPr>
-              <a:t>Read Amplification</a:t>
-            </a:r>
-            <a:endParaRPr b="0" lang="en-US" sz="1600" spc="-1" strike="noStrike">
-              <a:latin typeface="Arial"/>
-            </a:endParaRPr>
-          </a:p>
-          <a:p>
-            <a:pPr marL="457200" indent="-325800">
-              <a:lnSpc>
-                <a:spcPct val="100000"/>
-              </a:lnSpc>
-              <a:spcBef>
-                <a:spcPts val="601"/>
-              </a:spcBef>
-              <a:buClr>
-                <a:srgbClr val="000000"/>
-              </a:buClr>
-              <a:buFont typeface="Work Sans Regular"/>
-              <a:buChar char="▪"/>
-            </a:pPr>
-            <a:r>
-              <a:rPr b="0" lang="en-US" sz="1600" spc="-1" strike="noStrike">
-                <a:solidFill>
-                  <a:srgbClr val="000000"/>
-                </a:solidFill>
-                <a:latin typeface="Work Sans Regular"/>
-                <a:ea typeface="Work Sans Regular"/>
-              </a:rPr>
-              <a:t>(actually accessed byte on disk)/(read size)</a:t>
-            </a:r>
-            <a:endParaRPr b="0" lang="en-US" sz="1600" spc="-1" strike="noStrike">
-              <a:latin typeface="Arial"/>
-            </a:endParaRPr>
-          </a:p>
-          <a:p>
-            <a:pPr marL="457200" indent="-325800">
-              <a:lnSpc>
-                <a:spcPct val="100000"/>
-              </a:lnSpc>
-              <a:spcBef>
-                <a:spcPts val="601"/>
-              </a:spcBef>
-              <a:buClr>
-                <a:srgbClr val="000000"/>
-              </a:buClr>
-              <a:buFont typeface="Work Sans Regular"/>
-              <a:buChar char="▪"/>
-            </a:pPr>
-            <a:r>
-              <a:rPr b="0" lang="en-US" sz="1600" spc="-1" strike="noStrike">
-                <a:solidFill>
-                  <a:srgbClr val="000000"/>
-                </a:solidFill>
-                <a:latin typeface="Work Sans Regular"/>
-                <a:ea typeface="Work Sans Regular"/>
-              </a:rPr>
-              <a:t>Write amplification</a:t>
-            </a:r>
-            <a:endParaRPr b="0" lang="en-US" sz="1600" spc="-1" strike="noStrike">
-              <a:latin typeface="Arial"/>
-            </a:endParaRPr>
-          </a:p>
-          <a:p>
-            <a:pPr marL="457200" indent="-325800">
-              <a:lnSpc>
-                <a:spcPct val="100000"/>
-              </a:lnSpc>
-              <a:spcBef>
-                <a:spcPts val="601"/>
-              </a:spcBef>
-              <a:buClr>
-                <a:srgbClr val="000000"/>
-              </a:buClr>
-              <a:buFont typeface="Work Sans Regular"/>
-              <a:buChar char="▪"/>
-            </a:pPr>
-            <a:r>
-              <a:rPr b="0" lang="en-US" sz="1600" spc="-1" strike="noStrike">
-                <a:solidFill>
-                  <a:srgbClr val="000000"/>
-                </a:solidFill>
-                <a:latin typeface="Work Sans Regular"/>
-                <a:ea typeface="Work Sans Regular"/>
-              </a:rPr>
-              <a:t>(actually write in SSD)/(write size)</a:t>
-            </a:r>
-            <a:endParaRPr b="0" lang="en-US" sz="1600" spc="-1" strike="noStrike">
+              <a:t>WiscKey: Separating Keys from Values in SSD-conscious Storage(2016),Lanyue Lu</a:t>
+            </a:r>
+            <a:endParaRPr b="0" lang="en-US" sz="1000" spc="-1" strike="noStrike">
               <a:latin typeface="Arial"/>
             </a:endParaRPr>
           </a:p>
@@ -9375,14 +9267,14 @@
       </p:grpSpPr>
       <p:sp>
         <p:nvSpPr>
-          <p:cNvPr id="221" name="CustomShape 1"/>
+          <p:cNvPr id="225" name="CustomShape 1"/>
           <p:cNvSpPr/>
           <p:nvPr/>
         </p:nvSpPr>
         <p:spPr>
           <a:xfrm>
             <a:off x="1035000" y="759240"/>
-            <a:ext cx="7286040" cy="461880"/>
+            <a:ext cx="7283880" cy="459720"/>
           </a:xfrm>
           <a:prstGeom prst="rect">
             <a:avLst/>
@@ -9439,14 +9331,14 @@
       </p:sp>
       <p:sp>
         <p:nvSpPr>
-          <p:cNvPr id="222" name="CustomShape 2"/>
+          <p:cNvPr id="226" name="CustomShape 2"/>
           <p:cNvSpPr/>
           <p:nvPr/>
         </p:nvSpPr>
         <p:spPr>
           <a:xfrm>
             <a:off x="8159400" y="4393440"/>
-            <a:ext cx="544320" cy="389160"/>
+            <a:ext cx="542160" cy="387000"/>
           </a:xfrm>
           <a:prstGeom prst="rect">
             <a:avLst/>
@@ -9475,7 +9367,7 @@
                 <a:tab algn="l" pos="0"/>
               </a:tabLst>
             </a:pPr>
-            <a:fld id="{2FA6BEF2-6E7F-481D-8331-BBE237E38C5C}" type="slidenum">
+            <a:fld id="{F6F059E8-2DBE-45B6-B0A9-F0E6A9BE24DF}" type="slidenum">
               <a:rPr b="1" lang="en" sz="1300" spc="-1" strike="noStrike">
                 <a:solidFill>
                   <a:srgbClr val="000000"/>
@@ -9491,39 +9383,16 @@
           </a:p>
         </p:txBody>
       </p:sp>
-      <p:pic>
-        <p:nvPicPr>
-          <p:cNvPr id="223" name="" descr=""/>
-          <p:cNvPicPr/>
-          <p:nvPr/>
-        </p:nvPicPr>
-        <p:blipFill>
-          <a:blip r:embed="rId1"/>
-          <a:stretch/>
-        </p:blipFill>
-        <p:spPr>
-          <a:xfrm>
-            <a:off x="1829520" y="1182600"/>
-            <a:ext cx="5484600" cy="3114000"/>
-          </a:xfrm>
-          <a:prstGeom prst="rect">
-            <a:avLst/>
-          </a:prstGeom>
-          <a:ln>
-            <a:noFill/>
-          </a:ln>
-        </p:spPr>
-      </p:pic>
-      <p:sp>
-        <p:nvSpPr>
-          <p:cNvPr id="224" name="CustomShape 3"/>
+      <p:sp>
+        <p:nvSpPr>
+          <p:cNvPr id="227" name="CustomShape 3"/>
           <p:cNvSpPr/>
           <p:nvPr/>
         </p:nvSpPr>
         <p:spPr>
           <a:xfrm>
-            <a:off x="1097280" y="4297680"/>
-            <a:ext cx="7061040" cy="385200"/>
+            <a:off x="1519200" y="1570680"/>
+            <a:ext cx="5738040" cy="1873800"/>
           </a:xfrm>
           <a:prstGeom prst="rect">
             <a:avLst/>
@@ -9540,39 +9409,103 @@
           <a:fontRef idx="minor"/>
         </p:style>
         <p:txBody>
-          <a:bodyPr lIns="90000" rIns="90000" tIns="45000" bIns="45000">
+          <a:bodyPr lIns="90000" rIns="90000" tIns="91440" bIns="91440">
             <a:noAutofit/>
           </a:bodyPr>
           <a:p>
-            <a:pPr>
+            <a:pPr marL="457200" indent="-323640">
               <a:lnSpc>
                 <a:spcPct val="100000"/>
               </a:lnSpc>
               <a:spcBef>
                 <a:spcPts val="601"/>
               </a:spcBef>
-            </a:pPr>
-            <a:r>
-              <a:rPr b="0" lang="en-US" sz="1000" spc="-1" strike="noStrike">
-                <a:solidFill>
-                  <a:srgbClr val="000000"/>
-                </a:solidFill>
-                <a:latin typeface="Arial"/>
-                <a:ea typeface="Noto Sans CJK SC"/>
-              </a:rPr>
-              <a:t>Reference : </a:t>
-            </a:r>
-            <a:r>
-              <a:rPr b="0" lang="en-US" sz="1000" spc="-1" strike="noStrike">
+              <a:buClr>
+                <a:srgbClr val="000000"/>
+              </a:buClr>
+              <a:buFont typeface="Work Sans Regular"/>
+              <a:buChar char="▪"/>
+            </a:pPr>
+            <a:r>
+              <a:rPr b="0" lang="en-US" sz="1600" spc="-1" strike="noStrike">
                 <a:solidFill>
                   <a:srgbClr val="000000"/>
                 </a:solidFill>
                 <a:latin typeface="Work Sans Regular"/>
                 <a:ea typeface="Work Sans Regular"/>
               </a:rPr>
-              <a:t>HeteroDrive: Reshaping the Storage Access Pattern of OLTP Workload Using SSD(2015),Seungryoul Maeng</a:t>
-            </a:r>
-            <a:endParaRPr b="0" lang="en-US" sz="1000" spc="-1" strike="noStrike">
+              <a:t>Device Lifetime : Reduce Write Amplification</a:t>
+            </a:r>
+            <a:endParaRPr b="0" lang="en-US" sz="1600" spc="-1" strike="noStrike">
+              <a:latin typeface="Arial"/>
+            </a:endParaRPr>
+          </a:p>
+          <a:p>
+            <a:pPr marL="457200" indent="-323640">
+              <a:lnSpc>
+                <a:spcPct val="100000"/>
+              </a:lnSpc>
+              <a:spcBef>
+                <a:spcPts val="601"/>
+              </a:spcBef>
+              <a:buClr>
+                <a:srgbClr val="000000"/>
+              </a:buClr>
+              <a:buFont typeface="Work Sans Regular"/>
+              <a:buChar char="▪"/>
+            </a:pPr>
+            <a:r>
+              <a:rPr b="0" lang="en-US" sz="1600" spc="-1" strike="noStrike">
+                <a:solidFill>
+                  <a:srgbClr val="000000"/>
+                </a:solidFill>
+                <a:latin typeface="Work Sans Regular"/>
+                <a:ea typeface="Work Sans Regular"/>
+              </a:rPr>
+              <a:t>Random Read dramatically improved (than HDD)</a:t>
+            </a:r>
+            <a:endParaRPr b="0" lang="en-US" sz="1600" spc="-1" strike="noStrike">
+              <a:latin typeface="Arial"/>
+            </a:endParaRPr>
+          </a:p>
+          <a:p>
+            <a:pPr marL="457200" indent="-323640">
+              <a:lnSpc>
+                <a:spcPct val="100000"/>
+              </a:lnSpc>
+              <a:spcBef>
+                <a:spcPts val="601"/>
+              </a:spcBef>
+              <a:buClr>
+                <a:srgbClr val="000000"/>
+              </a:buClr>
+              <a:buFont typeface="Work Sans Regular"/>
+              <a:buChar char="▪"/>
+            </a:pPr>
+            <a:r>
+              <a:rPr b="0" lang="en-US" sz="1600" spc="-1" strike="noStrike">
+                <a:solidFill>
+                  <a:srgbClr val="000000"/>
+                </a:solidFill>
+                <a:latin typeface="Work Sans Regular"/>
+                <a:ea typeface="Work Sans Regular"/>
+              </a:rPr>
+              <a:t>Internal Parallelism</a:t>
+            </a:r>
+            <a:endParaRPr b="0" lang="en-US" sz="1600" spc="-1" strike="noStrike">
+              <a:latin typeface="Arial"/>
+            </a:endParaRPr>
+          </a:p>
+          <a:p>
+            <a:pPr>
+              <a:lnSpc>
+                <a:spcPct val="100000"/>
+              </a:lnSpc>
+              <a:spcBef>
+                <a:spcPts val="601"/>
+              </a:spcBef>
+            </a:pPr>
+            <a:endParaRPr b="0" lang="en-US" sz="1600" spc="-1" strike="noStrike">
               <a:latin typeface="Arial"/>
             </a:endParaRPr>
           </a:p>
@@ -9610,14 +9543,14 @@
       </p:grpSpPr>
       <p:sp>
         <p:nvSpPr>
-          <p:cNvPr id="225" name="CustomShape 1"/>
+          <p:cNvPr id="228" name="CustomShape 1"/>
           <p:cNvSpPr/>
           <p:nvPr/>
         </p:nvSpPr>
         <p:spPr>
           <a:xfrm>
             <a:off x="1035000" y="759240"/>
-            <a:ext cx="7286040" cy="461880"/>
+            <a:ext cx="7283880" cy="459720"/>
           </a:xfrm>
           <a:prstGeom prst="rect">
             <a:avLst/>
@@ -9674,14 +9607,14 @@
       </p:sp>
       <p:sp>
         <p:nvSpPr>
-          <p:cNvPr id="226" name="CustomShape 2"/>
+          <p:cNvPr id="229" name="CustomShape 2"/>
           <p:cNvSpPr/>
           <p:nvPr/>
         </p:nvSpPr>
         <p:spPr>
           <a:xfrm>
             <a:off x="8159400" y="4393440"/>
-            <a:ext cx="544320" cy="389160"/>
+            <a:ext cx="542160" cy="387000"/>
           </a:xfrm>
           <a:prstGeom prst="rect">
             <a:avLst/>
@@ -9710,7 +9643,7 @@
                 <a:tab algn="l" pos="0"/>
               </a:tabLst>
             </a:pPr>
-            <a:fld id="{8237BB83-D124-48F1-9D1C-7B2B6AD87848}" type="slidenum">
+            <a:fld id="{F0559055-4385-49C5-8C8F-87765E59B2A0}" type="slidenum">
               <a:rPr b="1" lang="en" sz="1300" spc="-1" strike="noStrike">
                 <a:solidFill>
                   <a:srgbClr val="000000"/>
@@ -9728,14 +9661,14 @@
       </p:sp>
       <p:sp>
         <p:nvSpPr>
-          <p:cNvPr id="227" name="CustomShape 3"/>
+          <p:cNvPr id="230" name="CustomShape 3"/>
           <p:cNvSpPr/>
           <p:nvPr/>
         </p:nvSpPr>
         <p:spPr>
           <a:xfrm>
-            <a:off x="5349960" y="1470960"/>
-            <a:ext cx="3192480" cy="1926000"/>
+            <a:off x="1519200" y="1570680"/>
+            <a:ext cx="5738040" cy="1873800"/>
           </a:xfrm>
           <a:prstGeom prst="rect">
             <a:avLst/>
@@ -9756,7 +9689,7 @@
             <a:noAutofit/>
           </a:bodyPr>
           <a:p>
-            <a:pPr marL="457200" indent="-325800">
+            <a:pPr marL="457200" indent="-323640">
               <a:lnSpc>
                 <a:spcPct val="100000"/>
               </a:lnSpc>
@@ -9777,14 +9710,14 @@
                 <a:latin typeface="Work Sans Regular"/>
                 <a:ea typeface="Work Sans Regular"/>
               </a:rPr>
-              <a:t>Write by page</a:t>
+              <a:t>Read Amplification</a:t>
             </a:r>
             <a:endParaRPr b="0" lang="en-US" sz="1600" spc="-1" strike="noStrike">
               <a:latin typeface="Arial"/>
             </a:endParaRPr>
           </a:p>
           <a:p>
-            <a:pPr marL="457200" indent="-325800">
+            <a:pPr marL="457200" indent="-323640">
               <a:lnSpc>
                 <a:spcPct val="100000"/>
               </a:lnSpc>
@@ -9805,14 +9738,14 @@
                 <a:latin typeface="Work Sans Regular"/>
                 <a:ea typeface="Work Sans Regular"/>
               </a:rPr>
-              <a:t>Delete by block</a:t>
+              <a:t>(actually accessed byte on disk)/(read size)</a:t>
             </a:r>
             <a:endParaRPr b="0" lang="en-US" sz="1600" spc="-1" strike="noStrike">
               <a:latin typeface="Arial"/>
             </a:endParaRPr>
           </a:p>
           <a:p>
-            <a:pPr marL="457200" indent="-325800">
+            <a:pPr marL="457200" indent="-323640">
               <a:lnSpc>
                 <a:spcPct val="100000"/>
               </a:lnSpc>
@@ -9833,14 +9766,14 @@
                 <a:latin typeface="Work Sans Regular"/>
                 <a:ea typeface="Work Sans Regular"/>
               </a:rPr>
-              <a:t>150TBW / 40GB per day =10 years</a:t>
+              <a:t>Write amplification</a:t>
             </a:r>
             <a:endParaRPr b="0" lang="en-US" sz="1600" spc="-1" strike="noStrike">
               <a:latin typeface="Arial"/>
             </a:endParaRPr>
           </a:p>
           <a:p>
-            <a:pPr marL="457200" indent="-325800">
+            <a:pPr marL="457200" indent="-323640">
               <a:lnSpc>
                 <a:spcPct val="100000"/>
               </a:lnSpc>
@@ -9861,88 +9794,14 @@
                 <a:latin typeface="Work Sans Regular"/>
                 <a:ea typeface="Work Sans Regular"/>
               </a:rPr>
-              <a:t>Throughput : 1~500MB/s=864 0.5~2.5TB per day</a:t>
+              <a:t>(actually write in SSD)/(write size)</a:t>
             </a:r>
             <a:endParaRPr b="0" lang="en-US" sz="1600" spc="-1" strike="noStrike">
               <a:latin typeface="Arial"/>
             </a:endParaRPr>
           </a:p>
-          <a:p>
-            <a:pPr marL="457200" indent="-325800">
-              <a:lnSpc>
-                <a:spcPct val="100000"/>
-              </a:lnSpc>
-              <a:spcBef>
-                <a:spcPts val="601"/>
-              </a:spcBef>
-              <a:buClr>
-                <a:srgbClr val="000000"/>
-              </a:buClr>
-              <a:buFont typeface="Work Sans Regular"/>
-              <a:buChar char="▪"/>
-            </a:pPr>
-            <a:r>
-              <a:rPr b="0" lang="en-US" sz="1600" spc="-1" strike="noStrike">
-                <a:solidFill>
-                  <a:srgbClr val="000000"/>
-                </a:solidFill>
-                <a:latin typeface="Work Sans Regular"/>
-                <a:ea typeface="Work Sans Regular"/>
-              </a:rPr>
-              <a:t>→ </a:t>
-            </a:r>
-            <a:r>
-              <a:rPr b="0" lang="en-US" sz="1600" spc="-1" strike="noStrike">
-                <a:solidFill>
-                  <a:srgbClr val="000000"/>
-                </a:solidFill>
-                <a:latin typeface="Work Sans Regular"/>
-                <a:ea typeface="Work Sans Regular"/>
-              </a:rPr>
-              <a:t>ONLY 1500~300 days?</a:t>
-            </a:r>
-            <a:endParaRPr b="0" lang="en-US" sz="1600" spc="-1" strike="noStrike">
-              <a:latin typeface="Arial"/>
-            </a:endParaRPr>
-          </a:p>
-          <a:p>
-            <a:pPr>
-              <a:lnSpc>
-                <a:spcPct val="100000"/>
-              </a:lnSpc>
-              <a:spcBef>
-                <a:spcPts val="601"/>
-              </a:spcBef>
-            </a:pPr>
-            <a:endParaRPr b="0" lang="en-US" sz="1600" spc="-1" strike="noStrike">
-              <a:latin typeface="Arial"/>
-            </a:endParaRPr>
-          </a:p>
-        </p:txBody>
-      </p:sp>
-      <p:pic>
-        <p:nvPicPr>
-          <p:cNvPr id="228" name="" descr=""/>
-          <p:cNvPicPr/>
-          <p:nvPr/>
-        </p:nvPicPr>
-        <p:blipFill>
-          <a:blip r:embed="rId1"/>
-          <a:stretch/>
-        </p:blipFill>
-        <p:spPr>
-          <a:xfrm>
-            <a:off x="1775520" y="1463040"/>
-            <a:ext cx="3066840" cy="2106360"/>
-          </a:xfrm>
-          <a:prstGeom prst="rect">
-            <a:avLst/>
-          </a:prstGeom>
-          <a:ln>
-            <a:noFill/>
-          </a:ln>
-        </p:spPr>
-      </p:pic>
+        </p:txBody>
+      </p:sp>
     </p:spTree>
   </p:cSld>
   <mc:AlternateContent>
@@ -9982,7 +9841,7 @@
         <p:spPr>
           <a:xfrm>
             <a:off x="1035000" y="759240"/>
-            <a:ext cx="7286040" cy="461880"/>
+            <a:ext cx="7283880" cy="459720"/>
           </a:xfrm>
           <a:prstGeom prst="rect">
             <a:avLst/>
@@ -10036,7 +9895,7 @@
         <p:spPr>
           <a:xfrm>
             <a:off x="8159400" y="4393440"/>
-            <a:ext cx="544320" cy="389160"/>
+            <a:ext cx="542160" cy="387000"/>
           </a:xfrm>
           <a:prstGeom prst="rect">
             <a:avLst/>
@@ -10065,7 +9924,7 @@
                 <a:tab algn="l" pos="0"/>
               </a:tabLst>
             </a:pPr>
-            <a:fld id="{30C7C2F8-B76D-4A70-AD81-9BA611D6D2A3}" type="slidenum">
+            <a:fld id="{D2B3E6FE-C2A6-4FB0-91BF-B5F6C8592CA2}" type="slidenum">
               <a:rPr b="1" lang="en" sz="1300" spc="-1" strike="noStrike">
                 <a:solidFill>
                   <a:srgbClr val="000000"/>
@@ -10090,7 +9949,7 @@
         <p:spPr>
           <a:xfrm>
             <a:off x="1519200" y="1570680"/>
-            <a:ext cx="5740200" cy="1875960"/>
+            <a:ext cx="5738040" cy="1873800"/>
           </a:xfrm>
           <a:prstGeom prst="rect">
             <a:avLst/>
@@ -10111,7 +9970,7 @@
             <a:noAutofit/>
           </a:bodyPr>
           <a:p>
-            <a:pPr marL="457200" indent="-325800">
+            <a:pPr marL="457200" indent="-323640">
               <a:lnSpc>
                 <a:spcPct val="100000"/>
               </a:lnSpc>
@@ -10139,7 +9998,7 @@
             </a:endParaRPr>
           </a:p>
           <a:p>
-            <a:pPr marL="457200" indent="-325800">
+            <a:pPr marL="457200" indent="-323640">
               <a:lnSpc>
                 <a:spcPct val="100000"/>
               </a:lnSpc>
@@ -10167,7 +10026,7 @@
             </a:endParaRPr>
           </a:p>
           <a:p>
-            <a:pPr marL="457200" indent="-325800">
+            <a:pPr marL="457200" indent="-323640">
               <a:lnSpc>
                 <a:spcPct val="100000"/>
               </a:lnSpc>
@@ -10280,14 +10139,14 @@
       </p:grpSpPr>
       <p:sp>
         <p:nvSpPr>
-          <p:cNvPr id="229" name="CustomShape 1"/>
+          <p:cNvPr id="231" name="CustomShape 1"/>
           <p:cNvSpPr/>
           <p:nvPr/>
         </p:nvSpPr>
         <p:spPr>
           <a:xfrm>
             <a:off x="1035000" y="759240"/>
-            <a:ext cx="7286040" cy="461880"/>
+            <a:ext cx="7283880" cy="459720"/>
           </a:xfrm>
           <a:prstGeom prst="rect">
             <a:avLst/>
@@ -10344,14 +10203,14 @@
       </p:sp>
       <p:sp>
         <p:nvSpPr>
-          <p:cNvPr id="230" name="CustomShape 2"/>
+          <p:cNvPr id="232" name="CustomShape 2"/>
           <p:cNvSpPr/>
           <p:nvPr/>
         </p:nvSpPr>
         <p:spPr>
           <a:xfrm>
             <a:off x="8159400" y="4393440"/>
-            <a:ext cx="544320" cy="389160"/>
+            <a:ext cx="542160" cy="387000"/>
           </a:xfrm>
           <a:prstGeom prst="rect">
             <a:avLst/>
@@ -10380,7 +10239,7 @@
                 <a:tab algn="l" pos="0"/>
               </a:tabLst>
             </a:pPr>
-            <a:fld id="{9E431BE8-66B9-4163-A753-ED5958D465E6}" type="slidenum">
+            <a:fld id="{A4A40E55-40C3-44E9-A3D3-B9F9AD915553}" type="slidenum">
               <a:rPr b="1" lang="en" sz="1300" spc="-1" strike="noStrike">
                 <a:solidFill>
                   <a:srgbClr val="000000"/>
@@ -10398,7 +10257,7 @@
       </p:sp>
       <p:pic>
         <p:nvPicPr>
-          <p:cNvPr id="231" name="Picture 2_0" descr=""/>
+          <p:cNvPr id="233" name="" descr=""/>
           <p:cNvPicPr/>
           <p:nvPr/>
         </p:nvPicPr>
@@ -10408,8 +10267,8 @@
         </p:blipFill>
         <p:spPr>
           <a:xfrm>
-            <a:off x="1899720" y="1488240"/>
-            <a:ext cx="5503320" cy="2440080"/>
+            <a:off x="1829520" y="1182600"/>
+            <a:ext cx="5482440" cy="3111840"/>
           </a:xfrm>
           <a:prstGeom prst="rect">
             <a:avLst/>
@@ -10421,14 +10280,14 @@
       </p:pic>
       <p:sp>
         <p:nvSpPr>
-          <p:cNvPr id="232" name="CustomShape 3"/>
+          <p:cNvPr id="234" name="CustomShape 3"/>
           <p:cNvSpPr/>
           <p:nvPr/>
         </p:nvSpPr>
         <p:spPr>
           <a:xfrm>
-            <a:off x="1076040" y="4114800"/>
-            <a:ext cx="7061040" cy="237240"/>
+            <a:off x="1097280" y="4297680"/>
+            <a:ext cx="7058880" cy="383040"/>
           </a:xfrm>
           <a:prstGeom prst="rect">
             <a:avLst/>
@@ -10475,7 +10334,7 @@
                 <a:latin typeface="Work Sans Regular"/>
                 <a:ea typeface="Work Sans Regular"/>
               </a:rPr>
-              <a:t>csapp</a:t>
+              <a:t>HeteroDrive: Reshaping the Storage Access Pattern of OLTP Workload Using SSD(2015),Seungryoul Maeng</a:t>
             </a:r>
             <a:endParaRPr b="0" lang="en-US" sz="1000" spc="-1" strike="noStrike">
               <a:latin typeface="Arial"/>
@@ -10515,14 +10374,14 @@
       </p:grpSpPr>
       <p:sp>
         <p:nvSpPr>
-          <p:cNvPr id="233" name="CustomShape 1"/>
+          <p:cNvPr id="235" name="CustomShape 1"/>
           <p:cNvSpPr/>
           <p:nvPr/>
         </p:nvSpPr>
         <p:spPr>
           <a:xfrm>
             <a:off x="1035000" y="759240"/>
-            <a:ext cx="7286040" cy="461880"/>
+            <a:ext cx="7283880" cy="459720"/>
           </a:xfrm>
           <a:prstGeom prst="rect">
             <a:avLst/>
@@ -10579,14 +10438,14 @@
       </p:sp>
       <p:sp>
         <p:nvSpPr>
-          <p:cNvPr id="234" name="CustomShape 2"/>
+          <p:cNvPr id="236" name="CustomShape 2"/>
           <p:cNvSpPr/>
           <p:nvPr/>
         </p:nvSpPr>
         <p:spPr>
           <a:xfrm>
             <a:off x="8159400" y="4393440"/>
-            <a:ext cx="544320" cy="389160"/>
+            <a:ext cx="542160" cy="387000"/>
           </a:xfrm>
           <a:prstGeom prst="rect">
             <a:avLst/>
@@ -10615,7 +10474,7 @@
                 <a:tab algn="l" pos="0"/>
               </a:tabLst>
             </a:pPr>
-            <a:fld id="{EBC77F15-A4F7-4A1E-80E9-28617A5E4D53}" type="slidenum">
+            <a:fld id="{2312D4F9-FD29-4B6F-95C3-93DB331B4F51}" type="slidenum">
               <a:rPr b="1" lang="en" sz="1300" spc="-1" strike="noStrike">
                 <a:solidFill>
                   <a:srgbClr val="000000"/>
@@ -10633,14 +10492,14 @@
       </p:sp>
       <p:sp>
         <p:nvSpPr>
-          <p:cNvPr id="235" name="CustomShape 3"/>
+          <p:cNvPr id="237" name="CustomShape 3"/>
           <p:cNvSpPr/>
           <p:nvPr/>
         </p:nvSpPr>
         <p:spPr>
           <a:xfrm>
-            <a:off x="1519200" y="1570680"/>
-            <a:ext cx="5609160" cy="528480"/>
+            <a:off x="5349960" y="1470960"/>
+            <a:ext cx="3190320" cy="1923840"/>
           </a:xfrm>
           <a:prstGeom prst="rect">
             <a:avLst/>
@@ -10661,7 +10520,7 @@
             <a:noAutofit/>
           </a:bodyPr>
           <a:p>
-            <a:pPr marL="457200" indent="-325800">
+            <a:pPr marL="457200" indent="-323640">
               <a:lnSpc>
                 <a:spcPct val="100000"/>
               </a:lnSpc>
@@ -10682,14 +10541,14 @@
                 <a:latin typeface="Work Sans Regular"/>
                 <a:ea typeface="Work Sans Regular"/>
               </a:rPr>
-              <a:t>Wisckey (2016)</a:t>
+              <a:t>Write by page</a:t>
             </a:r>
             <a:endParaRPr b="0" lang="en-US" sz="1600" spc="-1" strike="noStrike">
               <a:latin typeface="Arial"/>
             </a:endParaRPr>
           </a:p>
           <a:p>
-            <a:pPr marL="457200" indent="-325800">
+            <a:pPr marL="457200" indent="-323640">
               <a:lnSpc>
                 <a:spcPct val="100000"/>
               </a:lnSpc>
@@ -10710,14 +10569,14 @@
                 <a:latin typeface="Work Sans Regular"/>
                 <a:ea typeface="Work Sans Regular"/>
               </a:rPr>
-              <a:t>Separate Key-Value !</a:t>
+              <a:t>Delete by block</a:t>
             </a:r>
             <a:endParaRPr b="0" lang="en-US" sz="1600" spc="-1" strike="noStrike">
               <a:latin typeface="Arial"/>
             </a:endParaRPr>
           </a:p>
           <a:p>
-            <a:pPr marL="457200" indent="-325800">
+            <a:pPr marL="457200" indent="-323640">
               <a:lnSpc>
                 <a:spcPct val="100000"/>
               </a:lnSpc>
@@ -10738,8 +10597,87 @@
                 <a:latin typeface="Work Sans Regular"/>
                 <a:ea typeface="Work Sans Regular"/>
               </a:rPr>
-              <a:t>Remove Log</a:t>
-            </a:r>
+              <a:t>150TBW / 40GB per day =10 years</a:t>
+            </a:r>
+            <a:endParaRPr b="0" lang="en-US" sz="1600" spc="-1" strike="noStrike">
+              <a:latin typeface="Arial"/>
+            </a:endParaRPr>
+          </a:p>
+          <a:p>
+            <a:pPr marL="457200" indent="-323640">
+              <a:lnSpc>
+                <a:spcPct val="100000"/>
+              </a:lnSpc>
+              <a:spcBef>
+                <a:spcPts val="601"/>
+              </a:spcBef>
+              <a:buClr>
+                <a:srgbClr val="000000"/>
+              </a:buClr>
+              <a:buFont typeface="Work Sans Regular"/>
+              <a:buChar char="▪"/>
+            </a:pPr>
+            <a:r>
+              <a:rPr b="0" lang="en-US" sz="1600" spc="-1" strike="noStrike">
+                <a:solidFill>
+                  <a:srgbClr val="000000"/>
+                </a:solidFill>
+                <a:latin typeface="Work Sans Regular"/>
+                <a:ea typeface="Work Sans Regular"/>
+              </a:rPr>
+              <a:t>Throughput : 1~500MB/s=864 0.5~2.5TB per day</a:t>
+            </a:r>
+            <a:endParaRPr b="0" lang="en-US" sz="1600" spc="-1" strike="noStrike">
+              <a:latin typeface="Arial"/>
+            </a:endParaRPr>
+          </a:p>
+          <a:p>
+            <a:pPr marL="457200" indent="-323640">
+              <a:lnSpc>
+                <a:spcPct val="100000"/>
+              </a:lnSpc>
+              <a:spcBef>
+                <a:spcPts val="601"/>
+              </a:spcBef>
+              <a:buClr>
+                <a:srgbClr val="000000"/>
+              </a:buClr>
+              <a:buFont typeface="Work Sans Regular"/>
+              <a:buChar char="▪"/>
+            </a:pPr>
+            <a:r>
+              <a:rPr b="0" lang="en-US" sz="1600" spc="-1" strike="noStrike">
+                <a:solidFill>
+                  <a:srgbClr val="000000"/>
+                </a:solidFill>
+                <a:latin typeface="Work Sans Regular"/>
+                <a:ea typeface="Work Sans Regular"/>
+              </a:rPr>
+              <a:t>→ </a:t>
+            </a:r>
+            <a:r>
+              <a:rPr b="0" lang="en-US" sz="1600" spc="-1" strike="noStrike">
+                <a:solidFill>
+                  <a:srgbClr val="000000"/>
+                </a:solidFill>
+                <a:latin typeface="Work Sans Regular"/>
+                <a:ea typeface="Work Sans Regular"/>
+              </a:rPr>
+              <a:t>ONLY 1500~300 days?</a:t>
+            </a:r>
+            <a:endParaRPr b="0" lang="en-US" sz="1600" spc="-1" strike="noStrike">
+              <a:latin typeface="Arial"/>
+            </a:endParaRPr>
+          </a:p>
+          <a:p>
+            <a:pPr>
+              <a:lnSpc>
+                <a:spcPct val="100000"/>
+              </a:lnSpc>
+              <a:spcBef>
+                <a:spcPts val="601"/>
+              </a:spcBef>
+            </a:pPr>
             <a:endParaRPr b="0" lang="en-US" sz="1600" spc="-1" strike="noStrike">
               <a:latin typeface="Arial"/>
             </a:endParaRPr>
@@ -10748,7 +10686,7 @@
       </p:sp>
       <p:pic>
         <p:nvPicPr>
-          <p:cNvPr id="236" name="" descr=""/>
+          <p:cNvPr id="238" name="" descr=""/>
           <p:cNvPicPr/>
           <p:nvPr/>
         </p:nvPicPr>
@@ -10758,8 +10696,8 @@
         </p:blipFill>
         <p:spPr>
           <a:xfrm>
-            <a:off x="1097280" y="2646360"/>
-            <a:ext cx="3653640" cy="1464840"/>
+            <a:off x="1775520" y="1463040"/>
+            <a:ext cx="3064680" cy="2104200"/>
           </a:xfrm>
           <a:prstGeom prst="rect">
             <a:avLst/>
@@ -10769,83 +10707,6 @@
           </a:ln>
         </p:spPr>
       </p:pic>
-      <p:pic>
-        <p:nvPicPr>
-          <p:cNvPr id="237" name="" descr=""/>
-          <p:cNvPicPr/>
-          <p:nvPr/>
-        </p:nvPicPr>
-        <p:blipFill>
-          <a:blip r:embed="rId2"/>
-          <a:stretch/>
-        </p:blipFill>
-        <p:spPr>
-          <a:xfrm>
-            <a:off x="4937760" y="1737360"/>
-            <a:ext cx="3474360" cy="2282400"/>
-          </a:xfrm>
-          <a:prstGeom prst="rect">
-            <a:avLst/>
-          </a:prstGeom>
-          <a:ln>
-            <a:noFill/>
-          </a:ln>
-        </p:spPr>
-      </p:pic>
-      <p:sp>
-        <p:nvSpPr>
-          <p:cNvPr id="238" name="CustomShape 4"/>
-          <p:cNvSpPr/>
-          <p:nvPr/>
-        </p:nvSpPr>
-        <p:spPr>
-          <a:xfrm>
-            <a:off x="1188720" y="4206240"/>
-            <a:ext cx="6491160" cy="237240"/>
-          </a:xfrm>
-          <a:prstGeom prst="rect">
-            <a:avLst/>
-          </a:prstGeom>
-          <a:noFill/>
-          <a:ln>
-            <a:noFill/>
-          </a:ln>
-        </p:spPr>
-        <p:style>
-          <a:lnRef idx="0"/>
-          <a:fillRef idx="0"/>
-          <a:effectRef idx="0"/>
-          <a:fontRef idx="minor"/>
-        </p:style>
-        <p:txBody>
-          <a:bodyPr lIns="90000" rIns="90000" tIns="45000" bIns="45000">
-            <a:noAutofit/>
-          </a:bodyPr>
-          <a:p>
-            <a:pPr>
-              <a:lnSpc>
-                <a:spcPct val="100000"/>
-              </a:lnSpc>
-              <a:spcBef>
-                <a:spcPts val="601"/>
-              </a:spcBef>
-            </a:pPr>
-            <a:r>
-              <a:rPr b="0" lang="en-US" sz="1000" spc="-1" strike="noStrike">
-                <a:solidFill>
-                  <a:srgbClr val="000000"/>
-                </a:solidFill>
-                <a:latin typeface="Arial"/>
-                <a:ea typeface="DejaVu Sans"/>
-              </a:rPr>
-              <a:t>Reference : WiscKey: Separating Keys from Values in SSD-conscious Storage(2016),Lanyue Lu</a:t>
-            </a:r>
-            <a:endParaRPr b="0" lang="en-US" sz="1000" spc="-1" strike="noStrike">
-              <a:latin typeface="Arial"/>
-            </a:endParaRPr>
-          </a:p>
-        </p:txBody>
-      </p:sp>
     </p:spTree>
   </p:cSld>
   <mc:AlternateContent>
@@ -10885,7 +10746,7 @@
         <p:spPr>
           <a:xfrm>
             <a:off x="1035000" y="759240"/>
-            <a:ext cx="7286040" cy="461880"/>
+            <a:ext cx="7283880" cy="459720"/>
           </a:xfrm>
           <a:prstGeom prst="rect">
             <a:avLst/>
@@ -10915,16 +10776,26 @@
               </a:tabLst>
             </a:pPr>
             <a:r>
-              <a:rPr b="1" lang="en-US" sz="2500" spc="-1" strike="noStrike">
+              <a:rPr b="1" lang="en-US" sz="3000" spc="-1" strike="noStrike">
                 <a:solidFill>
                   <a:srgbClr val="000000"/>
                 </a:solidFill>
                 <a:latin typeface="Work Sans"/>
                 <a:ea typeface="Work Sans"/>
               </a:rPr>
-              <a:t>Related Topic 2: Distributed KV</a:t>
-            </a:r>
-            <a:endParaRPr b="0" lang="en-US" sz="2500" spc="-1" strike="noStrike">
+              <a:t>Related Topic 1: SSD-Conscious</a:t>
+            </a:r>
+            <a:r>
+              <a:rPr b="1" lang="en-US" sz="4000" spc="-1" strike="noStrike">
+                <a:solidFill>
+                  <a:srgbClr val="000000"/>
+                </a:solidFill>
+                <a:latin typeface="Work Sans"/>
+                <a:ea typeface="Work Sans"/>
+              </a:rPr>
+              <a:t> </a:t>
+            </a:r>
+            <a:endParaRPr b="0" lang="en-US" sz="4000" spc="-1" strike="noStrike">
               <a:latin typeface="Arial"/>
             </a:endParaRPr>
           </a:p>
@@ -10939,7 +10810,7 @@
         <p:spPr>
           <a:xfrm>
             <a:off x="8159400" y="4393440"/>
-            <a:ext cx="544320" cy="389160"/>
+            <a:ext cx="542160" cy="387000"/>
           </a:xfrm>
           <a:prstGeom prst="rect">
             <a:avLst/>
@@ -10968,7 +10839,7 @@
                 <a:tab algn="l" pos="0"/>
               </a:tabLst>
             </a:pPr>
-            <a:fld id="{9C4292C8-BE2D-4672-9618-8275F8A292A8}" type="slidenum">
+            <a:fld id="{D5DBDF56-1E70-4526-94A2-B487060D9836}" type="slidenum">
               <a:rPr b="1" lang="en" sz="1300" spc="-1" strike="noStrike">
                 <a:solidFill>
                   <a:srgbClr val="000000"/>
@@ -10984,16 +10855,39 @@
           </a:p>
         </p:txBody>
       </p:sp>
-      <p:sp>
-        <p:nvSpPr>
-          <p:cNvPr id="241" name="CustomShape 3"/>
+      <p:pic>
+        <p:nvPicPr>
+          <p:cNvPr id="241" name="Picture 2_0" descr=""/>
+          <p:cNvPicPr/>
+          <p:nvPr/>
+        </p:nvPicPr>
+        <p:blipFill>
+          <a:blip r:embed="rId1"/>
+          <a:stretch/>
+        </p:blipFill>
+        <p:spPr>
+          <a:xfrm>
+            <a:off x="1899720" y="1488240"/>
+            <a:ext cx="5501160" cy="2437920"/>
+          </a:xfrm>
+          <a:prstGeom prst="rect">
+            <a:avLst/>
+          </a:prstGeom>
+          <a:ln>
+            <a:noFill/>
+          </a:ln>
+        </p:spPr>
+      </p:pic>
+      <p:sp>
+        <p:nvSpPr>
+          <p:cNvPr id="242" name="CustomShape 3"/>
           <p:cNvSpPr/>
           <p:nvPr/>
         </p:nvSpPr>
         <p:spPr>
           <a:xfrm>
-            <a:off x="1519200" y="1570680"/>
-            <a:ext cx="5740200" cy="1875960"/>
+            <a:off x="1076040" y="4114800"/>
+            <a:ext cx="7058880" cy="235080"/>
           </a:xfrm>
           <a:prstGeom prst="rect">
             <a:avLst/>
@@ -11010,118 +10904,39 @@
           <a:fontRef idx="minor"/>
         </p:style>
         <p:txBody>
-          <a:bodyPr lIns="90000" rIns="90000" tIns="91440" bIns="91440">
+          <a:bodyPr lIns="90000" rIns="90000" tIns="45000" bIns="45000">
             <a:noAutofit/>
           </a:bodyPr>
           <a:p>
-            <a:pPr marL="457200" indent="-325800">
+            <a:pPr>
               <a:lnSpc>
                 <a:spcPct val="100000"/>
               </a:lnSpc>
               <a:spcBef>
                 <a:spcPts val="601"/>
               </a:spcBef>
-              <a:buClr>
-                <a:srgbClr val="000000"/>
-              </a:buClr>
-              <a:buFont typeface="Work Sans Regular"/>
-              <a:buChar char="▪"/>
-            </a:pPr>
-            <a:r>
-              <a:rPr b="0" lang="en-US" sz="1600" spc="-1" strike="noStrike">
+            </a:pPr>
+            <a:r>
+              <a:rPr b="0" lang="en-US" sz="1000" spc="-1" strike="noStrike">
+                <a:solidFill>
+                  <a:srgbClr val="000000"/>
+                </a:solidFill>
+                <a:latin typeface="Arial"/>
+                <a:ea typeface="Noto Sans CJK SC"/>
+              </a:rPr>
+              <a:t>Reference : </a:t>
+            </a:r>
+            <a:r>
+              <a:rPr b="0" lang="en-US" sz="1000" spc="-1" strike="noStrike">
                 <a:solidFill>
                   <a:srgbClr val="000000"/>
                 </a:solidFill>
                 <a:latin typeface="Work Sans Regular"/>
                 <a:ea typeface="Work Sans Regular"/>
               </a:rPr>
-              <a:t>Compaction Offloading</a:t>
-            </a:r>
-            <a:endParaRPr b="0" lang="en-US" sz="1600" spc="-1" strike="noStrike">
-              <a:latin typeface="Arial"/>
-            </a:endParaRPr>
-          </a:p>
-          <a:p>
-            <a:pPr marL="457200" indent="-325800">
-              <a:lnSpc>
-                <a:spcPct val="100000"/>
-              </a:lnSpc>
-              <a:spcBef>
-                <a:spcPts val="601"/>
-              </a:spcBef>
-              <a:buClr>
-                <a:srgbClr val="000000"/>
-              </a:buClr>
-              <a:buFont typeface="Work Sans Regular"/>
-              <a:buChar char="▪"/>
-            </a:pPr>
-            <a:r>
-              <a:rPr b="0" lang="en-US" sz="1600" spc="-1" strike="noStrike">
-                <a:solidFill>
-                  <a:srgbClr val="000000"/>
-                </a:solidFill>
-                <a:latin typeface="Work Sans Regular"/>
-                <a:ea typeface="Work Sans Regular"/>
-              </a:rPr>
-              <a:t>Compaction at Compaction Server</a:t>
-            </a:r>
-            <a:endParaRPr b="0" lang="en-US" sz="1600" spc="-1" strike="noStrike">
-              <a:latin typeface="Arial"/>
-            </a:endParaRPr>
-          </a:p>
-          <a:p>
-            <a:pPr marL="457200" indent="-325800">
-              <a:lnSpc>
-                <a:spcPct val="100000"/>
-              </a:lnSpc>
-              <a:spcBef>
-                <a:spcPts val="601"/>
-              </a:spcBef>
-              <a:buClr>
-                <a:srgbClr val="000000"/>
-              </a:buClr>
-              <a:buFont typeface="Work Sans Regular"/>
-              <a:buChar char="▪"/>
-            </a:pPr>
-            <a:r>
-              <a:rPr b="0" lang="en-US" sz="1600" spc="-1" strike="noStrike">
-                <a:solidFill>
-                  <a:srgbClr val="000000"/>
-                </a:solidFill>
-                <a:latin typeface="Work Sans Regular"/>
-                <a:ea typeface="Work Sans Regular"/>
-              </a:rPr>
-              <a:t>Read/Write at Region Server</a:t>
-            </a:r>
-            <a:endParaRPr b="0" lang="en-US" sz="1600" spc="-1" strike="noStrike">
-              <a:latin typeface="Arial"/>
-            </a:endParaRPr>
-          </a:p>
-          <a:p>
-            <a:pPr marL="457200" indent="-325800">
-              <a:lnSpc>
-                <a:spcPct val="100000"/>
-              </a:lnSpc>
-              <a:spcBef>
-                <a:spcPts val="601"/>
-              </a:spcBef>
-              <a:buClr>
-                <a:srgbClr val="000000"/>
-              </a:buClr>
-              <a:buFont typeface="Work Sans Regular"/>
-              <a:buChar char="▪"/>
-            </a:pPr>
-            <a:r>
-              <a:rPr b="0" lang="en-US" sz="1600" spc="-1" strike="noStrike">
-                <a:solidFill>
-                  <a:srgbClr val="000000"/>
-                </a:solidFill>
-                <a:latin typeface="Work Sans Regular"/>
-                <a:ea typeface="Work Sans Regular"/>
-              </a:rPr>
-              <a:t>Compaction Management in distributed Keyvalue datastores(2015)</a:t>
-            </a:r>
-            <a:endParaRPr b="0" lang="en-US" sz="1600" spc="-1" strike="noStrike">
+              <a:t>csapp</a:t>
+            </a:r>
+            <a:endParaRPr b="0" lang="en-US" sz="1000" spc="-1" strike="noStrike">
               <a:latin typeface="Arial"/>
             </a:endParaRPr>
           </a:p>
@@ -11159,14 +10974,14 @@
       </p:grpSpPr>
       <p:sp>
         <p:nvSpPr>
-          <p:cNvPr id="242" name="CustomShape 1"/>
+          <p:cNvPr id="243" name="CustomShape 1"/>
           <p:cNvSpPr/>
           <p:nvPr/>
         </p:nvSpPr>
         <p:spPr>
           <a:xfrm>
             <a:off x="1035000" y="759240"/>
-            <a:ext cx="7286040" cy="461880"/>
+            <a:ext cx="7283880" cy="459720"/>
           </a:xfrm>
           <a:prstGeom prst="rect">
             <a:avLst/>
@@ -11196,31 +11011,41 @@
               </a:tabLst>
             </a:pPr>
             <a:r>
-              <a:rPr b="1" lang="en-US" sz="2500" spc="-1" strike="noStrike">
+              <a:rPr b="1" lang="en-US" sz="3000" spc="-1" strike="noStrike">
                 <a:solidFill>
                   <a:srgbClr val="000000"/>
                 </a:solidFill>
                 <a:latin typeface="Work Sans"/>
                 <a:ea typeface="Work Sans"/>
               </a:rPr>
-              <a:t>Related Topic 2: Distributed KV</a:t>
-            </a:r>
-            <a:endParaRPr b="0" lang="en-US" sz="2500" spc="-1" strike="noStrike">
-              <a:latin typeface="Arial"/>
-            </a:endParaRPr>
-          </a:p>
-        </p:txBody>
-      </p:sp>
-      <p:sp>
-        <p:nvSpPr>
-          <p:cNvPr id="243" name="CustomShape 2"/>
+              <a:t>Related Topic 1: SSD-Conscious</a:t>
+            </a:r>
+            <a:r>
+              <a:rPr b="1" lang="en-US" sz="4000" spc="-1" strike="noStrike">
+                <a:solidFill>
+                  <a:srgbClr val="000000"/>
+                </a:solidFill>
+                <a:latin typeface="Work Sans"/>
+                <a:ea typeface="Work Sans"/>
+              </a:rPr>
+              <a:t> </a:t>
+            </a:r>
+            <a:endParaRPr b="0" lang="en-US" sz="4000" spc="-1" strike="noStrike">
+              <a:latin typeface="Arial"/>
+            </a:endParaRPr>
+          </a:p>
+        </p:txBody>
+      </p:sp>
+      <p:sp>
+        <p:nvSpPr>
+          <p:cNvPr id="244" name="CustomShape 2"/>
           <p:cNvSpPr/>
           <p:nvPr/>
         </p:nvSpPr>
         <p:spPr>
           <a:xfrm>
             <a:off x="8159400" y="4393440"/>
-            <a:ext cx="544320" cy="389160"/>
+            <a:ext cx="542160" cy="387000"/>
           </a:xfrm>
           <a:prstGeom prst="rect">
             <a:avLst/>
@@ -11249,7 +11074,7 @@
                 <a:tab algn="l" pos="0"/>
               </a:tabLst>
             </a:pPr>
-            <a:fld id="{6BD0109A-41D4-4886-BDD2-E3BCDB48BE0C}" type="slidenum">
+            <a:fld id="{DBE58CAC-1985-4E1B-B213-94DBFA3B520E}" type="slidenum">
               <a:rPr b="1" lang="en" sz="1300" spc="-1" strike="noStrike">
                 <a:solidFill>
                   <a:srgbClr val="000000"/>
@@ -11265,9 +11090,124 @@
           </a:p>
         </p:txBody>
       </p:sp>
+      <p:sp>
+        <p:nvSpPr>
+          <p:cNvPr id="245" name="CustomShape 3"/>
+          <p:cNvSpPr/>
+          <p:nvPr/>
+        </p:nvSpPr>
+        <p:spPr>
+          <a:xfrm>
+            <a:off x="1519200" y="1570680"/>
+            <a:ext cx="5607000" cy="526320"/>
+          </a:xfrm>
+          <a:prstGeom prst="rect">
+            <a:avLst/>
+          </a:prstGeom>
+          <a:noFill/>
+          <a:ln>
+            <a:noFill/>
+          </a:ln>
+        </p:spPr>
+        <p:style>
+          <a:lnRef idx="0"/>
+          <a:fillRef idx="0"/>
+          <a:effectRef idx="0"/>
+          <a:fontRef idx="minor"/>
+        </p:style>
+        <p:txBody>
+          <a:bodyPr lIns="90000" rIns="90000" tIns="91440" bIns="91440">
+            <a:noAutofit/>
+          </a:bodyPr>
+          <a:p>
+            <a:pPr marL="457200" indent="-323640">
+              <a:lnSpc>
+                <a:spcPct val="100000"/>
+              </a:lnSpc>
+              <a:spcBef>
+                <a:spcPts val="601"/>
+              </a:spcBef>
+              <a:buClr>
+                <a:srgbClr val="000000"/>
+              </a:buClr>
+              <a:buFont typeface="Work Sans Regular"/>
+              <a:buChar char="▪"/>
+            </a:pPr>
+            <a:r>
+              <a:rPr b="0" lang="en-US" sz="1600" spc="-1" strike="noStrike">
+                <a:solidFill>
+                  <a:srgbClr val="000000"/>
+                </a:solidFill>
+                <a:latin typeface="Work Sans Regular"/>
+                <a:ea typeface="Work Sans Regular"/>
+              </a:rPr>
+              <a:t>Wisckey (2016)</a:t>
+            </a:r>
+            <a:endParaRPr b="0" lang="en-US" sz="1600" spc="-1" strike="noStrike">
+              <a:latin typeface="Arial"/>
+            </a:endParaRPr>
+          </a:p>
+          <a:p>
+            <a:pPr marL="457200" indent="-323640">
+              <a:lnSpc>
+                <a:spcPct val="100000"/>
+              </a:lnSpc>
+              <a:spcBef>
+                <a:spcPts val="601"/>
+              </a:spcBef>
+              <a:buClr>
+                <a:srgbClr val="000000"/>
+              </a:buClr>
+              <a:buFont typeface="Work Sans Regular"/>
+              <a:buChar char="▪"/>
+            </a:pPr>
+            <a:r>
+              <a:rPr b="0" lang="en-US" sz="1600" spc="-1" strike="noStrike">
+                <a:solidFill>
+                  <a:srgbClr val="000000"/>
+                </a:solidFill>
+                <a:latin typeface="Work Sans Regular"/>
+                <a:ea typeface="Work Sans Regular"/>
+              </a:rPr>
+              <a:t>Separate Key-Value !</a:t>
+            </a:r>
+            <a:endParaRPr b="0" lang="en-US" sz="1600" spc="-1" strike="noStrike">
+              <a:latin typeface="Arial"/>
+            </a:endParaRPr>
+          </a:p>
+          <a:p>
+            <a:pPr marL="457200" indent="-323640">
+              <a:lnSpc>
+                <a:spcPct val="100000"/>
+              </a:lnSpc>
+              <a:spcBef>
+                <a:spcPts val="601"/>
+              </a:spcBef>
+              <a:buClr>
+                <a:srgbClr val="000000"/>
+              </a:buClr>
+              <a:buFont typeface="Work Sans Regular"/>
+              <a:buChar char="▪"/>
+            </a:pPr>
+            <a:r>
+              <a:rPr b="0" lang="en-US" sz="1600" spc="-1" strike="noStrike">
+                <a:solidFill>
+                  <a:srgbClr val="000000"/>
+                </a:solidFill>
+                <a:latin typeface="Work Sans Regular"/>
+                <a:ea typeface="Work Sans Regular"/>
+              </a:rPr>
+              <a:t>Remove Log</a:t>
+            </a:r>
+            <a:endParaRPr b="0" lang="en-US" sz="1600" spc="-1" strike="noStrike">
+              <a:latin typeface="Arial"/>
+            </a:endParaRPr>
+          </a:p>
+        </p:txBody>
+      </p:sp>
       <p:pic>
         <p:nvPicPr>
-          <p:cNvPr id="244" name="" descr=""/>
+          <p:cNvPr id="246" name="" descr=""/>
           <p:cNvPicPr/>
           <p:nvPr/>
         </p:nvPicPr>
@@ -11277,8 +11217,8 @@
         </p:blipFill>
         <p:spPr>
           <a:xfrm>
-            <a:off x="1539000" y="1221120"/>
-            <a:ext cx="6050520" cy="2926080"/>
+            <a:off x="1097280" y="2646360"/>
+            <a:ext cx="3651480" cy="1462680"/>
           </a:xfrm>
           <a:prstGeom prst="rect">
             <a:avLst/>
@@ -11288,6 +11228,83 @@
           </a:ln>
         </p:spPr>
       </p:pic>
+      <p:pic>
+        <p:nvPicPr>
+          <p:cNvPr id="247" name="" descr=""/>
+          <p:cNvPicPr/>
+          <p:nvPr/>
+        </p:nvPicPr>
+        <p:blipFill>
+          <a:blip r:embed="rId2"/>
+          <a:stretch/>
+        </p:blipFill>
+        <p:spPr>
+          <a:xfrm>
+            <a:off x="4937760" y="1737360"/>
+            <a:ext cx="3472200" cy="2280240"/>
+          </a:xfrm>
+          <a:prstGeom prst="rect">
+            <a:avLst/>
+          </a:prstGeom>
+          <a:ln>
+            <a:noFill/>
+          </a:ln>
+        </p:spPr>
+      </p:pic>
+      <p:sp>
+        <p:nvSpPr>
+          <p:cNvPr id="248" name="CustomShape 4"/>
+          <p:cNvSpPr/>
+          <p:nvPr/>
+        </p:nvSpPr>
+        <p:spPr>
+          <a:xfrm>
+            <a:off x="1188720" y="4206240"/>
+            <a:ext cx="6489000" cy="235080"/>
+          </a:xfrm>
+          <a:prstGeom prst="rect">
+            <a:avLst/>
+          </a:prstGeom>
+          <a:noFill/>
+          <a:ln>
+            <a:noFill/>
+          </a:ln>
+        </p:spPr>
+        <p:style>
+          <a:lnRef idx="0"/>
+          <a:fillRef idx="0"/>
+          <a:effectRef idx="0"/>
+          <a:fontRef idx="minor"/>
+        </p:style>
+        <p:txBody>
+          <a:bodyPr lIns="90000" rIns="90000" tIns="45000" bIns="45000">
+            <a:noAutofit/>
+          </a:bodyPr>
+          <a:p>
+            <a:pPr>
+              <a:lnSpc>
+                <a:spcPct val="100000"/>
+              </a:lnSpc>
+              <a:spcBef>
+                <a:spcPts val="601"/>
+              </a:spcBef>
+            </a:pPr>
+            <a:r>
+              <a:rPr b="0" lang="en-US" sz="1000" spc="-1" strike="noStrike">
+                <a:solidFill>
+                  <a:srgbClr val="000000"/>
+                </a:solidFill>
+                <a:latin typeface="Arial"/>
+                <a:ea typeface="DejaVu Sans"/>
+              </a:rPr>
+              <a:t>Reference : WiscKey: Separating Keys from Values in SSD-conscious Storage(2016),Lanyue Lu</a:t>
+            </a:r>
+            <a:endParaRPr b="0" lang="en-US" sz="1000" spc="-1" strike="noStrike">
+              <a:latin typeface="Arial"/>
+            </a:endParaRPr>
+          </a:p>
+        </p:txBody>
+      </p:sp>
     </p:spTree>
   </p:cSld>
   <mc:AlternateContent>
@@ -11320,14 +11337,14 @@
       </p:grpSpPr>
       <p:sp>
         <p:nvSpPr>
-          <p:cNvPr id="245" name="CustomShape 1"/>
+          <p:cNvPr id="249" name="CustomShape 1"/>
           <p:cNvSpPr/>
           <p:nvPr/>
         </p:nvSpPr>
         <p:spPr>
           <a:xfrm>
             <a:off x="1035000" y="759240"/>
-            <a:ext cx="7286040" cy="461880"/>
+            <a:ext cx="7283880" cy="459720"/>
           </a:xfrm>
           <a:prstGeom prst="rect">
             <a:avLst/>
@@ -11364,7 +11381,7 @@
                 <a:latin typeface="Work Sans"/>
                 <a:ea typeface="Work Sans"/>
               </a:rPr>
-              <a:t>Related Topic 3: Compaction Priority</a:t>
+              <a:t>Related Topic 2: Distributed KV</a:t>
             </a:r>
             <a:endParaRPr b="0" lang="en-US" sz="2500" spc="-1" strike="noStrike">
               <a:latin typeface="Arial"/>
@@ -11374,14 +11391,14 @@
       </p:sp>
       <p:sp>
         <p:nvSpPr>
-          <p:cNvPr id="246" name="CustomShape 2"/>
+          <p:cNvPr id="250" name="CustomShape 2"/>
           <p:cNvSpPr/>
           <p:nvPr/>
         </p:nvSpPr>
         <p:spPr>
           <a:xfrm>
             <a:off x="8159400" y="4393440"/>
-            <a:ext cx="544320" cy="389160"/>
+            <a:ext cx="542160" cy="387000"/>
           </a:xfrm>
           <a:prstGeom prst="rect">
             <a:avLst/>
@@ -11410,7 +11427,7 @@
                 <a:tab algn="l" pos="0"/>
               </a:tabLst>
             </a:pPr>
-            <a:fld id="{D3769473-46AC-4765-AE65-B1C40B9E7012}" type="slidenum">
+            <a:fld id="{D118E475-1B6F-42A5-A4C9-B5B0F7DC7AE7}" type="slidenum">
               <a:rPr b="1" lang="en" sz="1300" spc="-1" strike="noStrike">
                 <a:solidFill>
                   <a:srgbClr val="000000"/>
@@ -11428,14 +11445,14 @@
       </p:sp>
       <p:sp>
         <p:nvSpPr>
-          <p:cNvPr id="247" name="CustomShape 3"/>
+          <p:cNvPr id="251" name="CustomShape 3"/>
           <p:cNvSpPr/>
           <p:nvPr/>
         </p:nvSpPr>
         <p:spPr>
           <a:xfrm>
             <a:off x="1519200" y="1570680"/>
-            <a:ext cx="5740200" cy="1875960"/>
+            <a:ext cx="5738040" cy="1873800"/>
           </a:xfrm>
           <a:prstGeom prst="rect">
             <a:avLst/>
@@ -11456,7 +11473,7 @@
             <a:noAutofit/>
           </a:bodyPr>
           <a:p>
-            <a:pPr marL="457200" indent="-325800">
+            <a:pPr marL="457200" indent="-323640">
               <a:lnSpc>
                 <a:spcPct val="100000"/>
               </a:lnSpc>
@@ -11477,14 +11494,14 @@
                 <a:latin typeface="Work Sans Regular"/>
                 <a:ea typeface="Work Sans Regular"/>
               </a:rPr>
-              <a:t>Write Faster, Read Slower !</a:t>
+              <a:t>Compaction Offloading</a:t>
             </a:r>
             <a:endParaRPr b="0" lang="en-US" sz="1600" spc="-1" strike="noStrike">
               <a:latin typeface="Arial"/>
             </a:endParaRPr>
           </a:p>
           <a:p>
-            <a:pPr marL="457200" indent="-325800">
+            <a:pPr marL="457200" indent="-323640">
               <a:lnSpc>
                 <a:spcPct val="100000"/>
               </a:lnSpc>
@@ -11505,14 +11522,14 @@
                 <a:latin typeface="Work Sans Regular"/>
                 <a:ea typeface="Work Sans Regular"/>
               </a:rPr>
-              <a:t>==Flush First, Compaction Later !</a:t>
+              <a:t>Compaction at Compaction Server</a:t>
             </a:r>
             <a:endParaRPr b="0" lang="en-US" sz="1600" spc="-1" strike="noStrike">
               <a:latin typeface="Arial"/>
             </a:endParaRPr>
           </a:p>
           <a:p>
-            <a:pPr marL="457200" indent="-325800">
+            <a:pPr marL="457200" indent="-323640">
               <a:lnSpc>
                 <a:spcPct val="100000"/>
               </a:lnSpc>
@@ -11533,14 +11550,14 @@
                 <a:latin typeface="Work Sans Regular"/>
                 <a:ea typeface="Work Sans Regular"/>
               </a:rPr>
-              <a:t>Less I/O Bandwidth priority on Compaction at Peak Load time</a:t>
+              <a:t>Read/Write at Region Server</a:t>
             </a:r>
             <a:endParaRPr b="0" lang="en-US" sz="1600" spc="-1" strike="noStrike">
               <a:latin typeface="Arial"/>
             </a:endParaRPr>
           </a:p>
           <a:p>
-            <a:pPr marL="457200" indent="-325800">
+            <a:pPr marL="457200" indent="-323640">
               <a:lnSpc>
                 <a:spcPct val="100000"/>
               </a:lnSpc>
@@ -11561,7 +11578,7 @@
                 <a:latin typeface="Work Sans Regular"/>
                 <a:ea typeface="Work Sans Regular"/>
               </a:rPr>
-              <a:t>SILK: Preventing Latency Spikes in Log-Structured Merge Key-Value Stores </a:t>
+              <a:t>Compaction Management in distributed Keyvalue datastores(2015)</a:t>
             </a:r>
             <a:endParaRPr b="0" lang="en-US" sz="1600" spc="-1" strike="noStrike">
               <a:latin typeface="Arial"/>
@@ -11601,14 +11618,14 @@
       </p:grpSpPr>
       <p:sp>
         <p:nvSpPr>
-          <p:cNvPr id="248" name="CustomShape 1"/>
+          <p:cNvPr id="252" name="CustomShape 1"/>
           <p:cNvSpPr/>
           <p:nvPr/>
         </p:nvSpPr>
         <p:spPr>
           <a:xfrm>
             <a:off x="1035000" y="759240"/>
-            <a:ext cx="7286040" cy="461880"/>
+            <a:ext cx="7283880" cy="459720"/>
           </a:xfrm>
           <a:prstGeom prst="rect">
             <a:avLst/>
@@ -11638,41 +11655,31 @@
               </a:tabLst>
             </a:pPr>
             <a:r>
-              <a:rPr b="1" lang="en-US" sz="3000" spc="-1" strike="noStrike">
+              <a:rPr b="1" lang="en-US" sz="2500" spc="-1" strike="noStrike">
                 <a:solidFill>
                   <a:srgbClr val="000000"/>
                 </a:solidFill>
                 <a:latin typeface="Work Sans"/>
                 <a:ea typeface="Work Sans"/>
               </a:rPr>
-              <a:t>Related Topic 4: CSD-Conscious</a:t>
-            </a:r>
-            <a:r>
-              <a:rPr b="1" lang="en-US" sz="4000" spc="-1" strike="noStrike">
-                <a:solidFill>
-                  <a:srgbClr val="000000"/>
-                </a:solidFill>
-                <a:latin typeface="Work Sans"/>
-                <a:ea typeface="Work Sans"/>
-              </a:rPr>
-              <a:t> </a:t>
-            </a:r>
-            <a:endParaRPr b="0" lang="en-US" sz="4000" spc="-1" strike="noStrike">
-              <a:latin typeface="Arial"/>
-            </a:endParaRPr>
-          </a:p>
-        </p:txBody>
-      </p:sp>
-      <p:sp>
-        <p:nvSpPr>
-          <p:cNvPr id="249" name="CustomShape 2"/>
+              <a:t>Related Topic 2: Distributed KV</a:t>
+            </a:r>
+            <a:endParaRPr b="0" lang="en-US" sz="2500" spc="-1" strike="noStrike">
+              <a:latin typeface="Arial"/>
+            </a:endParaRPr>
+          </a:p>
+        </p:txBody>
+      </p:sp>
+      <p:sp>
+        <p:nvSpPr>
+          <p:cNvPr id="253" name="CustomShape 2"/>
           <p:cNvSpPr/>
           <p:nvPr/>
         </p:nvSpPr>
         <p:spPr>
           <a:xfrm>
             <a:off x="8159400" y="4393440"/>
-            <a:ext cx="544320" cy="389160"/>
+            <a:ext cx="542160" cy="387000"/>
           </a:xfrm>
           <a:prstGeom prst="rect">
             <a:avLst/>
@@ -11701,7 +11708,7 @@
                 <a:tab algn="l" pos="0"/>
               </a:tabLst>
             </a:pPr>
-            <a:fld id="{C8CD8B69-FB43-46C5-BAC7-7508289A540E}" type="slidenum">
+            <a:fld id="{B64FBE11-FD2A-475D-85C5-DB3422BCF1F0}" type="slidenum">
               <a:rPr b="1" lang="en" sz="1300" spc="-1" strike="noStrike">
                 <a:solidFill>
                   <a:srgbClr val="000000"/>
@@ -11717,134 +11724,29 @@
           </a:p>
         </p:txBody>
       </p:sp>
-      <p:sp>
-        <p:nvSpPr>
-          <p:cNvPr id="250" name="CustomShape 3"/>
-          <p:cNvSpPr/>
+      <p:pic>
+        <p:nvPicPr>
+          <p:cNvPr id="254" name="" descr=""/>
+          <p:cNvPicPr/>
           <p:nvPr/>
-        </p:nvSpPr>
-        <p:spPr>
-          <a:xfrm>
-            <a:off x="1519200" y="1570680"/>
-            <a:ext cx="5740200" cy="1875960"/>
-          </a:xfrm>
-          <a:prstGeom prst="rect">
-            <a:avLst/>
-          </a:prstGeom>
-          <a:noFill/>
+        </p:nvPicPr>
+        <p:blipFill>
+          <a:blip r:embed="rId1"/>
+          <a:stretch/>
+        </p:blipFill>
+        <p:spPr>
+          <a:xfrm>
+            <a:off x="1539000" y="1221120"/>
+            <a:ext cx="6048360" cy="2923920"/>
+          </a:xfrm>
+          <a:prstGeom prst="rect">
+            <a:avLst/>
+          </a:prstGeom>
           <a:ln>
             <a:noFill/>
           </a:ln>
         </p:spPr>
-        <p:style>
-          <a:lnRef idx="0"/>
-          <a:fillRef idx="0"/>
-          <a:effectRef idx="0"/>
-          <a:fontRef idx="minor"/>
-        </p:style>
-        <p:txBody>
-          <a:bodyPr lIns="90000" rIns="90000" tIns="91440" bIns="91440">
-            <a:noAutofit/>
-          </a:bodyPr>
-          <a:p>
-            <a:pPr marL="457200" indent="-325800">
-              <a:lnSpc>
-                <a:spcPct val="100000"/>
-              </a:lnSpc>
-              <a:spcBef>
-                <a:spcPts val="601"/>
-              </a:spcBef>
-              <a:buClr>
-                <a:srgbClr val="000000"/>
-              </a:buClr>
-              <a:buFont typeface="Work Sans Regular"/>
-              <a:buChar char="▪"/>
-            </a:pPr>
-            <a:r>
-              <a:rPr b="0" lang="en-US" sz="1600" spc="-1" strike="noStrike">
-                <a:solidFill>
-                  <a:srgbClr val="000000"/>
-                </a:solidFill>
-                <a:latin typeface="Work Sans Regular"/>
-                <a:ea typeface="Work Sans Regular"/>
-              </a:rPr>
-              <a:t>Computational Storage Drive</a:t>
-            </a:r>
-            <a:endParaRPr b="0" lang="en-US" sz="1600" spc="-1" strike="noStrike">
-              <a:latin typeface="Arial"/>
-            </a:endParaRPr>
-          </a:p>
-          <a:p>
-            <a:pPr marL="457200" indent="-325800">
-              <a:lnSpc>
-                <a:spcPct val="100000"/>
-              </a:lnSpc>
-              <a:spcBef>
-                <a:spcPts val="601"/>
-              </a:spcBef>
-              <a:buClr>
-                <a:srgbClr val="000000"/>
-              </a:buClr>
-              <a:buFont typeface="Work Sans Regular"/>
-              <a:buChar char="▪"/>
-            </a:pPr>
-            <a:r>
-              <a:rPr b="0" lang="en-US" sz="1600" spc="-1" strike="noStrike">
-                <a:solidFill>
-                  <a:srgbClr val="000000"/>
-                </a:solidFill>
-                <a:latin typeface="Work Sans Regular"/>
-                <a:ea typeface="Work Sans Regular"/>
-              </a:rPr>
-              <a:t>SSD With Tiny CPU</a:t>
-            </a:r>
-            <a:endParaRPr b="0" lang="en-US" sz="1600" spc="-1" strike="noStrike">
-              <a:latin typeface="Arial"/>
-            </a:endParaRPr>
-          </a:p>
-          <a:p>
-            <a:pPr marL="457200" indent="-325800">
-              <a:lnSpc>
-                <a:spcPct val="100000"/>
-              </a:lnSpc>
-              <a:spcBef>
-                <a:spcPts val="601"/>
-              </a:spcBef>
-              <a:buClr>
-                <a:srgbClr val="000000"/>
-              </a:buClr>
-              <a:buFont typeface="Work Sans Regular"/>
-              <a:buChar char="▪"/>
-            </a:pPr>
-            <a:r>
-              <a:rPr b="0" lang="en-US" sz="1600" spc="-1" strike="noStrike">
-                <a:solidFill>
-                  <a:srgbClr val="000000"/>
-                </a:solidFill>
-                <a:latin typeface="Work Sans Regular"/>
-                <a:ea typeface="Work Sans Regular"/>
-              </a:rPr>
-              <a:t>Newport CSD</a:t>
-            </a:r>
-            <a:endParaRPr b="0" lang="en-US" sz="1600" spc="-1" strike="noStrike">
-              <a:latin typeface="Arial"/>
-            </a:endParaRPr>
-          </a:p>
-          <a:p>
-            <a:pPr>
-              <a:lnSpc>
-                <a:spcPct val="100000"/>
-              </a:lnSpc>
-              <a:spcBef>
-                <a:spcPts val="601"/>
-              </a:spcBef>
-            </a:pPr>
-            <a:endParaRPr b="0" lang="en-US" sz="1600" spc="-1" strike="noStrike">
-              <a:latin typeface="Arial"/>
-            </a:endParaRPr>
-          </a:p>
-        </p:txBody>
-      </p:sp>
+      </p:pic>
     </p:spTree>
   </p:cSld>
   <mc:AlternateContent>
@@ -11877,14 +11779,14 @@
       </p:grpSpPr>
       <p:sp>
         <p:nvSpPr>
-          <p:cNvPr id="251" name="CustomShape 1"/>
+          <p:cNvPr id="255" name="CustomShape 1"/>
           <p:cNvSpPr/>
           <p:nvPr/>
         </p:nvSpPr>
         <p:spPr>
           <a:xfrm>
-            <a:off x="1035000" y="759240"/>
-            <a:ext cx="7286040" cy="461880"/>
+            <a:off x="1035000" y="1005840"/>
+            <a:ext cx="7283880" cy="459720"/>
           </a:xfrm>
           <a:prstGeom prst="rect">
             <a:avLst/>
@@ -11921,34 +11823,24 @@
                 <a:latin typeface="Work Sans"/>
                 <a:ea typeface="Work Sans"/>
               </a:rPr>
-              <a:t>Related Topic 4: CSD-Conscious</a:t>
-            </a:r>
-            <a:r>
-              <a:rPr b="1" lang="en-US" sz="4000" spc="-1" strike="noStrike">
-                <a:solidFill>
-                  <a:srgbClr val="000000"/>
-                </a:solidFill>
-                <a:latin typeface="Work Sans"/>
-                <a:ea typeface="Work Sans"/>
-              </a:rPr>
-              <a:t> </a:t>
-            </a:r>
-            <a:endParaRPr b="0" lang="en-US" sz="4000" spc="-1" strike="noStrike">
-              <a:latin typeface="Arial"/>
-            </a:endParaRPr>
-          </a:p>
-        </p:txBody>
-      </p:sp>
-      <p:sp>
-        <p:nvSpPr>
-          <p:cNvPr id="252" name="CustomShape 2"/>
+              <a:t>Related Topic 3: I/O Scheduling</a:t>
+            </a:r>
+            <a:endParaRPr b="0" lang="en-US" sz="3000" spc="-1" strike="noStrike">
+              <a:latin typeface="Arial"/>
+            </a:endParaRPr>
+          </a:p>
+        </p:txBody>
+      </p:sp>
+      <p:sp>
+        <p:nvSpPr>
+          <p:cNvPr id="256" name="CustomShape 2"/>
           <p:cNvSpPr/>
           <p:nvPr/>
         </p:nvSpPr>
         <p:spPr>
           <a:xfrm>
             <a:off x="8159400" y="4393440"/>
-            <a:ext cx="544320" cy="389160"/>
+            <a:ext cx="542160" cy="387000"/>
           </a:xfrm>
           <a:prstGeom prst="rect">
             <a:avLst/>
@@ -11977,7 +11869,7 @@
                 <a:tab algn="l" pos="0"/>
               </a:tabLst>
             </a:pPr>
-            <a:fld id="{C202FE98-2385-41B5-B431-D82C7CFBD480}" type="slidenum">
+            <a:fld id="{85A4CB51-CA7C-4CC2-84BC-D9BD4D423EE9}" type="slidenum">
               <a:rPr b="1" lang="en" sz="1300" spc="-1" strike="noStrike">
                 <a:solidFill>
                   <a:srgbClr val="000000"/>
@@ -11993,29 +11885,177 @@
           </a:p>
         </p:txBody>
       </p:sp>
-      <p:pic>
-        <p:nvPicPr>
-          <p:cNvPr id="253" name="" descr=""/>
-          <p:cNvPicPr/>
+      <p:sp>
+        <p:nvSpPr>
+          <p:cNvPr id="257" name="CustomShape 3"/>
+          <p:cNvSpPr/>
           <p:nvPr/>
-        </p:nvPicPr>
-        <p:blipFill>
-          <a:blip r:embed="rId1"/>
-          <a:stretch/>
-        </p:blipFill>
-        <p:spPr>
-          <a:xfrm>
-            <a:off x="1764720" y="1371600"/>
-            <a:ext cx="5824800" cy="3131280"/>
-          </a:xfrm>
-          <a:prstGeom prst="rect">
-            <a:avLst/>
-          </a:prstGeom>
+        </p:nvSpPr>
+        <p:spPr>
+          <a:xfrm>
+            <a:off x="1519200" y="1570680"/>
+            <a:ext cx="5738040" cy="1873800"/>
+          </a:xfrm>
+          <a:prstGeom prst="rect">
+            <a:avLst/>
+          </a:prstGeom>
+          <a:noFill/>
           <a:ln>
             <a:noFill/>
           </a:ln>
         </p:spPr>
-      </p:pic>
+        <p:style>
+          <a:lnRef idx="0"/>
+          <a:fillRef idx="0"/>
+          <a:effectRef idx="0"/>
+          <a:fontRef idx="minor"/>
+        </p:style>
+        <p:txBody>
+          <a:bodyPr lIns="90000" rIns="90000" tIns="91440" bIns="91440">
+            <a:noAutofit/>
+          </a:bodyPr>
+          <a:p>
+            <a:pPr marL="457200" indent="-323640">
+              <a:lnSpc>
+                <a:spcPct val="100000"/>
+              </a:lnSpc>
+              <a:spcBef>
+                <a:spcPts val="601"/>
+              </a:spcBef>
+              <a:buClr>
+                <a:srgbClr val="000000"/>
+              </a:buClr>
+              <a:buFont typeface="Work Sans Regular"/>
+              <a:buChar char="▪"/>
+            </a:pPr>
+            <a:r>
+              <a:rPr b="0" lang="en-US" sz="1600" spc="-1" strike="noStrike">
+                <a:solidFill>
+                  <a:srgbClr val="000000"/>
+                </a:solidFill>
+                <a:latin typeface="Work Sans Regular"/>
+                <a:ea typeface="Work Sans Regular"/>
+              </a:rPr>
+              <a:t>SILK : Preventing Latency Spikes in Log-Structured Merge Key-Value Stores(2019) </a:t>
+            </a:r>
+            <a:endParaRPr b="0" lang="en-US" sz="1600" spc="-1" strike="noStrike">
+              <a:latin typeface="Arial"/>
+            </a:endParaRPr>
+          </a:p>
+          <a:p>
+            <a:pPr marL="457200" indent="-323640">
+              <a:lnSpc>
+                <a:spcPct val="100000"/>
+              </a:lnSpc>
+              <a:spcBef>
+                <a:spcPts val="601"/>
+              </a:spcBef>
+              <a:buClr>
+                <a:srgbClr val="000000"/>
+              </a:buClr>
+              <a:buFont typeface="Work Sans Regular"/>
+              <a:buChar char="▪"/>
+            </a:pPr>
+            <a:r>
+              <a:rPr b="0" lang="en-US" sz="1600" spc="-1" strike="noStrike">
+                <a:solidFill>
+                  <a:srgbClr val="000000"/>
+                </a:solidFill>
+                <a:latin typeface="Work Sans Regular"/>
+                <a:ea typeface="Work Sans Regular"/>
+              </a:rPr>
+              <a:t>Write Faster, (Read little bit slower)</a:t>
+            </a:r>
+            <a:endParaRPr b="0" lang="en-US" sz="1600" spc="-1" strike="noStrike">
+              <a:latin typeface="Arial"/>
+            </a:endParaRPr>
+          </a:p>
+          <a:p>
+            <a:pPr marL="457200" indent="-323640">
+              <a:lnSpc>
+                <a:spcPct val="100000"/>
+              </a:lnSpc>
+              <a:spcBef>
+                <a:spcPts val="601"/>
+              </a:spcBef>
+              <a:buClr>
+                <a:srgbClr val="000000"/>
+              </a:buClr>
+              <a:buFont typeface="Work Sans Regular"/>
+              <a:buChar char="▪"/>
+            </a:pPr>
+            <a:r>
+              <a:rPr b="0" lang="en-US" sz="1600" spc="-1" strike="noStrike">
+                <a:solidFill>
+                  <a:srgbClr val="000000"/>
+                </a:solidFill>
+                <a:latin typeface="Work Sans Regular"/>
+                <a:ea typeface="Work Sans Regular"/>
+              </a:rPr>
+              <a:t>Compaction harms Latency (Slow Flush, by preempting I/O bandwidth</a:t>
+            </a:r>
+            <a:endParaRPr b="0" lang="en-US" sz="1600" spc="-1" strike="noStrike">
+              <a:latin typeface="Arial"/>
+            </a:endParaRPr>
+          </a:p>
+          <a:p>
+            <a:pPr marL="457200" indent="-323640">
+              <a:lnSpc>
+                <a:spcPct val="100000"/>
+              </a:lnSpc>
+              <a:spcBef>
+                <a:spcPts val="601"/>
+              </a:spcBef>
+              <a:buClr>
+                <a:srgbClr val="000000"/>
+              </a:buClr>
+              <a:buFont typeface="Work Sans Regular"/>
+              <a:buChar char="▪"/>
+            </a:pPr>
+            <a:r>
+              <a:rPr b="0" lang="en-US" sz="1600" spc="-1" strike="noStrike">
+                <a:solidFill>
+                  <a:srgbClr val="000000"/>
+                </a:solidFill>
+                <a:latin typeface="Work Sans Regular"/>
+                <a:ea typeface="Work Sans Regular"/>
+              </a:rPr>
+              <a:t>Compaction on lower level is more important : </a:t>
+            </a:r>
+            <a:endParaRPr b="0" lang="en-US" sz="1600" spc="-1" strike="noStrike">
+              <a:latin typeface="Arial"/>
+            </a:endParaRPr>
+          </a:p>
+          <a:p>
+            <a:pPr marL="457200" indent="-323640">
+              <a:lnSpc>
+                <a:spcPct val="100000"/>
+              </a:lnSpc>
+              <a:spcBef>
+                <a:spcPts val="601"/>
+              </a:spcBef>
+              <a:buClr>
+                <a:srgbClr val="000000"/>
+              </a:buClr>
+              <a:buFont typeface="Work Sans Regular"/>
+              <a:buChar char="▪"/>
+            </a:pPr>
+            <a:r>
+              <a:rPr b="0" lang="en-US" sz="1600" spc="-1" strike="noStrike">
+                <a:solidFill>
+                  <a:srgbClr val="000000"/>
+                </a:solidFill>
+                <a:latin typeface="Work Sans Regular"/>
+                <a:ea typeface="Work Sans Regular"/>
+              </a:rPr>
+              <a:t>If not, Flush are delayed</a:t>
+            </a:r>
+            <a:endParaRPr b="0" lang="en-US" sz="1600" spc="-1" strike="noStrike">
+              <a:latin typeface="Arial"/>
+            </a:endParaRPr>
+          </a:p>
+        </p:txBody>
+      </p:sp>
     </p:spTree>
   </p:cSld>
   <mc:AlternateContent>
@@ -12048,14 +12088,14 @@
       </p:grpSpPr>
       <p:sp>
         <p:nvSpPr>
-          <p:cNvPr id="254" name="CustomShape 1"/>
+          <p:cNvPr id="258" name="CustomShape 1"/>
           <p:cNvSpPr/>
           <p:nvPr/>
         </p:nvSpPr>
         <p:spPr>
           <a:xfrm>
-            <a:off x="1035000" y="759240"/>
-            <a:ext cx="7286040" cy="461880"/>
+            <a:off x="1035000" y="1005840"/>
+            <a:ext cx="7283880" cy="459720"/>
           </a:xfrm>
           <a:prstGeom prst="rect">
             <a:avLst/>
@@ -12092,34 +12132,24 @@
                 <a:latin typeface="Work Sans"/>
                 <a:ea typeface="Work Sans"/>
               </a:rPr>
-              <a:t>Related Topic 4: CSD-Conscious</a:t>
-            </a:r>
-            <a:r>
-              <a:rPr b="1" lang="en-US" sz="4000" spc="-1" strike="noStrike">
-                <a:solidFill>
-                  <a:srgbClr val="000000"/>
-                </a:solidFill>
-                <a:latin typeface="Work Sans"/>
-                <a:ea typeface="Work Sans"/>
-              </a:rPr>
-              <a:t> </a:t>
-            </a:r>
-            <a:endParaRPr b="0" lang="en-US" sz="4000" spc="-1" strike="noStrike">
-              <a:latin typeface="Arial"/>
-            </a:endParaRPr>
-          </a:p>
-        </p:txBody>
-      </p:sp>
-      <p:sp>
-        <p:nvSpPr>
-          <p:cNvPr id="255" name="CustomShape 2"/>
+              <a:t>Related Topic 3: I/O Scheduling</a:t>
+            </a:r>
+            <a:endParaRPr b="0" lang="en-US" sz="3000" spc="-1" strike="noStrike">
+              <a:latin typeface="Arial"/>
+            </a:endParaRPr>
+          </a:p>
+        </p:txBody>
+      </p:sp>
+      <p:sp>
+        <p:nvSpPr>
+          <p:cNvPr id="259" name="CustomShape 2"/>
           <p:cNvSpPr/>
           <p:nvPr/>
         </p:nvSpPr>
         <p:spPr>
           <a:xfrm>
             <a:off x="8159400" y="4393440"/>
-            <a:ext cx="544320" cy="389160"/>
+            <a:ext cx="542160" cy="387000"/>
           </a:xfrm>
           <a:prstGeom prst="rect">
             <a:avLst/>
@@ -12148,7 +12178,7 @@
                 <a:tab algn="l" pos="0"/>
               </a:tabLst>
             </a:pPr>
-            <a:fld id="{20DACD93-5433-4973-BCCB-E723D2EC1F12}" type="slidenum">
+            <a:fld id="{2BF2E696-C91A-4127-BF4E-37CD172D9AED}" type="slidenum">
               <a:rPr b="1" lang="en" sz="1300" spc="-1" strike="noStrike">
                 <a:solidFill>
                   <a:srgbClr val="000000"/>
@@ -12164,218 +12194,29 @@
           </a:p>
         </p:txBody>
       </p:sp>
-      <p:sp>
-        <p:nvSpPr>
-          <p:cNvPr id="256" name="CustomShape 3"/>
-          <p:cNvSpPr/>
+      <p:pic>
+        <p:nvPicPr>
+          <p:cNvPr id="260" name="" descr=""/>
+          <p:cNvPicPr/>
           <p:nvPr/>
-        </p:nvSpPr>
-        <p:spPr>
-          <a:xfrm>
-            <a:off x="1519200" y="1570680"/>
-            <a:ext cx="5740200" cy="1875960"/>
-          </a:xfrm>
-          <a:prstGeom prst="rect">
-            <a:avLst/>
-          </a:prstGeom>
-          <a:noFill/>
+        </p:nvPicPr>
+        <p:blipFill>
+          <a:blip r:embed="rId1"/>
+          <a:stretch/>
+        </p:blipFill>
+        <p:spPr>
+          <a:xfrm>
+            <a:off x="2468880" y="1528560"/>
+            <a:ext cx="4108320" cy="2950560"/>
+          </a:xfrm>
+          <a:prstGeom prst="rect">
+            <a:avLst/>
+          </a:prstGeom>
           <a:ln>
             <a:noFill/>
           </a:ln>
         </p:spPr>
-        <p:style>
-          <a:lnRef idx="0"/>
-          <a:fillRef idx="0"/>
-          <a:effectRef idx="0"/>
-          <a:fontRef idx="minor"/>
-        </p:style>
-        <p:txBody>
-          <a:bodyPr lIns="90000" rIns="90000" tIns="91440" bIns="91440">
-            <a:noAutofit/>
-          </a:bodyPr>
-          <a:p>
-            <a:pPr marL="457200" indent="-325800">
-              <a:lnSpc>
-                <a:spcPct val="100000"/>
-              </a:lnSpc>
-              <a:spcBef>
-                <a:spcPts val="601"/>
-              </a:spcBef>
-              <a:buClr>
-                <a:srgbClr val="000000"/>
-              </a:buClr>
-              <a:buFont typeface="Work Sans Regular"/>
-              <a:buChar char="▪"/>
-            </a:pPr>
-            <a:r>
-              <a:rPr b="0" lang="en-US" sz="1600" spc="-1" strike="noStrike">
-                <a:solidFill>
-                  <a:srgbClr val="000000"/>
-                </a:solidFill>
-                <a:latin typeface="Work Sans Regular"/>
-                <a:ea typeface="Work Sans Regular"/>
-              </a:rPr>
-              <a:t>Read/Write at Host</a:t>
-            </a:r>
-            <a:endParaRPr b="0" lang="en-US" sz="1600" spc="-1" strike="noStrike">
-              <a:latin typeface="Arial"/>
-            </a:endParaRPr>
-          </a:p>
-          <a:p>
-            <a:pPr marL="457200" indent="-325800">
-              <a:lnSpc>
-                <a:spcPct val="100000"/>
-              </a:lnSpc>
-              <a:spcBef>
-                <a:spcPts val="601"/>
-              </a:spcBef>
-              <a:buClr>
-                <a:srgbClr val="000000"/>
-              </a:buClr>
-              <a:buFont typeface="Work Sans Regular"/>
-              <a:buChar char="▪"/>
-            </a:pPr>
-            <a:r>
-              <a:rPr b="0" lang="en-US" sz="1600" spc="-1" strike="noStrike">
-                <a:solidFill>
-                  <a:srgbClr val="000000"/>
-                </a:solidFill>
-                <a:latin typeface="Work Sans Regular"/>
-                <a:ea typeface="Work Sans Regular"/>
-              </a:rPr>
-              <a:t>Compaction at CSD : alleviate I/O Bandwidth</a:t>
-            </a:r>
-            <a:endParaRPr b="0" lang="en-US" sz="1600" spc="-1" strike="noStrike">
-              <a:latin typeface="Arial"/>
-            </a:endParaRPr>
-          </a:p>
-          <a:p>
-            <a:pPr marL="457200" indent="-325800">
-              <a:lnSpc>
-                <a:spcPct val="100000"/>
-              </a:lnSpc>
-              <a:spcBef>
-                <a:spcPts val="601"/>
-              </a:spcBef>
-              <a:buClr>
-                <a:srgbClr val="000000"/>
-              </a:buClr>
-              <a:buFont typeface="Work Sans Regular"/>
-              <a:buChar char="▪"/>
-            </a:pPr>
-            <a:r>
-              <a:rPr b="0" lang="en-US" sz="1600" spc="-1" strike="noStrike">
-                <a:solidFill>
-                  <a:srgbClr val="000000"/>
-                </a:solidFill>
-                <a:latin typeface="Work Sans Regular"/>
-                <a:ea typeface="Work Sans Regular"/>
-              </a:rPr>
-              <a:t>I/O Bandwidth is limited resource </a:t>
-            </a:r>
-            <a:endParaRPr b="0" lang="en-US" sz="1600" spc="-1" strike="noStrike">
-              <a:latin typeface="Arial"/>
-            </a:endParaRPr>
-          </a:p>
-          <a:p>
-            <a:pPr marL="457200" indent="-325800">
-              <a:lnSpc>
-                <a:spcPct val="100000"/>
-              </a:lnSpc>
-              <a:spcBef>
-                <a:spcPts val="601"/>
-              </a:spcBef>
-              <a:buClr>
-                <a:srgbClr val="000000"/>
-              </a:buClr>
-              <a:buFont typeface="Work Sans Regular"/>
-              <a:buChar char="▪"/>
-            </a:pPr>
-            <a:r>
-              <a:rPr b="0" lang="en-US" sz="1600" spc="-1" strike="noStrike">
-                <a:solidFill>
-                  <a:srgbClr val="000000"/>
-                </a:solidFill>
-                <a:latin typeface="Work Sans Regular"/>
-                <a:ea typeface="Work Sans Regular"/>
-              </a:rPr>
-              <a:t>Asyncronous Compaction : Write – optimized</a:t>
-            </a:r>
-            <a:endParaRPr b="0" lang="en-US" sz="1600" spc="-1" strike="noStrike">
-              <a:latin typeface="Arial"/>
-            </a:endParaRPr>
-          </a:p>
-          <a:p>
-            <a:pPr marL="457200" indent="-325800">
-              <a:lnSpc>
-                <a:spcPct val="100000"/>
-              </a:lnSpc>
-              <a:spcBef>
-                <a:spcPts val="601"/>
-              </a:spcBef>
-              <a:buClr>
-                <a:srgbClr val="000000"/>
-              </a:buClr>
-              <a:buFont typeface="Work Sans Regular"/>
-              <a:buChar char="▪"/>
-            </a:pPr>
-            <a:r>
-              <a:rPr b="0" lang="en-US" sz="1600" spc="-1" strike="noStrike">
-                <a:solidFill>
-                  <a:srgbClr val="000000"/>
-                </a:solidFill>
-                <a:latin typeface="Work Sans Regular"/>
-                <a:ea typeface="Work Sans Regular"/>
-              </a:rPr>
-              <a:t>Frequent Write, less Read</a:t>
-            </a:r>
-            <a:endParaRPr b="0" lang="en-US" sz="1600" spc="-1" strike="noStrike">
-              <a:latin typeface="Arial"/>
-            </a:endParaRPr>
-          </a:p>
-          <a:p>
-            <a:pPr marL="457200" indent="-325800">
-              <a:lnSpc>
-                <a:spcPct val="100000"/>
-              </a:lnSpc>
-              <a:spcBef>
-                <a:spcPts val="601"/>
-              </a:spcBef>
-              <a:buClr>
-                <a:srgbClr val="000000"/>
-              </a:buClr>
-              <a:buFont typeface="Work Sans Regular"/>
-              <a:buChar char="▪"/>
-            </a:pPr>
-            <a:r>
-              <a:rPr b="0" lang="en-US" sz="1600" spc="-1" strike="noStrike">
-                <a:solidFill>
-                  <a:srgbClr val="000000"/>
-                </a:solidFill>
-                <a:latin typeface="Work Sans Regular"/>
-                <a:ea typeface="Work Sans Regular"/>
-              </a:rPr>
-              <a:t>Block Chain</a:t>
-            </a:r>
-            <a:endParaRPr b="0" lang="en-US" sz="1600" spc="-1" strike="noStrike">
-              <a:latin typeface="Arial"/>
-            </a:endParaRPr>
-          </a:p>
-          <a:p>
-            <a:pPr>
-              <a:lnSpc>
-                <a:spcPct val="100000"/>
-              </a:lnSpc>
-              <a:spcBef>
-                <a:spcPts val="601"/>
-              </a:spcBef>
-            </a:pPr>
-            <a:endParaRPr b="0" lang="en-US" sz="1600" spc="-1" strike="noStrike">
-              <a:latin typeface="Arial"/>
-            </a:endParaRPr>
-          </a:p>
-        </p:txBody>
-      </p:sp>
+      </p:pic>
     </p:spTree>
   </p:cSld>
   <mc:AlternateContent>
@@ -12408,14 +12249,14 @@
       </p:grpSpPr>
       <p:sp>
         <p:nvSpPr>
-          <p:cNvPr id="257" name="CustomShape 1"/>
+          <p:cNvPr id="261" name="CustomShape 1"/>
           <p:cNvSpPr/>
           <p:nvPr/>
         </p:nvSpPr>
         <p:spPr>
           <a:xfrm>
-            <a:off x="1035000" y="759240"/>
-            <a:ext cx="7286040" cy="461880"/>
+            <a:off x="1035000" y="1005840"/>
+            <a:ext cx="7283880" cy="459720"/>
           </a:xfrm>
           <a:prstGeom prst="rect">
             <a:avLst/>
@@ -12452,34 +12293,24 @@
                 <a:latin typeface="Work Sans"/>
                 <a:ea typeface="Work Sans"/>
               </a:rPr>
-              <a:t>Related Topic 4: CSD-Conscious</a:t>
-            </a:r>
-            <a:r>
-              <a:rPr b="1" lang="en-US" sz="4000" spc="-1" strike="noStrike">
-                <a:solidFill>
-                  <a:srgbClr val="000000"/>
-                </a:solidFill>
-                <a:latin typeface="Work Sans"/>
-                <a:ea typeface="Work Sans"/>
-              </a:rPr>
-              <a:t> </a:t>
-            </a:r>
-            <a:endParaRPr b="0" lang="en-US" sz="4000" spc="-1" strike="noStrike">
-              <a:latin typeface="Arial"/>
-            </a:endParaRPr>
-          </a:p>
-        </p:txBody>
-      </p:sp>
-      <p:sp>
-        <p:nvSpPr>
-          <p:cNvPr id="258" name="CustomShape 2"/>
+              <a:t>Related Topic 3: I/O Scheduling</a:t>
+            </a:r>
+            <a:endParaRPr b="0" lang="en-US" sz="3000" spc="-1" strike="noStrike">
+              <a:latin typeface="Arial"/>
+            </a:endParaRPr>
+          </a:p>
+        </p:txBody>
+      </p:sp>
+      <p:sp>
+        <p:nvSpPr>
+          <p:cNvPr id="262" name="CustomShape 2"/>
           <p:cNvSpPr/>
           <p:nvPr/>
         </p:nvSpPr>
         <p:spPr>
           <a:xfrm>
             <a:off x="8159400" y="4393440"/>
-            <a:ext cx="544320" cy="389160"/>
+            <a:ext cx="542160" cy="387000"/>
           </a:xfrm>
           <a:prstGeom prst="rect">
             <a:avLst/>
@@ -12508,7 +12339,7 @@
                 <a:tab algn="l" pos="0"/>
               </a:tabLst>
             </a:pPr>
-            <a:fld id="{324C1AF8-2E5D-4EBE-82D4-F0C7D41C8420}" type="slidenum">
+            <a:fld id="{2631134C-DC8E-44D5-A71B-58244C1CA1D7}" type="slidenum">
               <a:rPr b="1" lang="en" sz="1300" spc="-1" strike="noStrike">
                 <a:solidFill>
                   <a:srgbClr val="000000"/>
@@ -12524,29 +12355,149 @@
           </a:p>
         </p:txBody>
       </p:sp>
-      <p:pic>
-        <p:nvPicPr>
-          <p:cNvPr id="259" name="" descr=""/>
-          <p:cNvPicPr/>
+      <p:sp>
+        <p:nvSpPr>
+          <p:cNvPr id="263" name="CustomShape 3"/>
+          <p:cNvSpPr/>
           <p:nvPr/>
-        </p:nvPicPr>
-        <p:blipFill>
-          <a:blip r:embed="rId1"/>
-          <a:stretch/>
-        </p:blipFill>
-        <p:spPr>
-          <a:xfrm>
-            <a:off x="1490040" y="1138680"/>
-            <a:ext cx="6190920" cy="3433320"/>
-          </a:xfrm>
-          <a:prstGeom prst="rect">
-            <a:avLst/>
-          </a:prstGeom>
+        </p:nvSpPr>
+        <p:spPr>
+          <a:xfrm>
+            <a:off x="1519200" y="1684080"/>
+            <a:ext cx="5738040" cy="1873800"/>
+          </a:xfrm>
+          <a:prstGeom prst="rect">
+            <a:avLst/>
+          </a:prstGeom>
+          <a:noFill/>
           <a:ln>
             <a:noFill/>
           </a:ln>
         </p:spPr>
-      </p:pic>
+        <p:style>
+          <a:lnRef idx="0"/>
+          <a:fillRef idx="0"/>
+          <a:effectRef idx="0"/>
+          <a:fontRef idx="minor"/>
+        </p:style>
+        <p:txBody>
+          <a:bodyPr lIns="90000" rIns="90000" tIns="91440" bIns="91440">
+            <a:noAutofit/>
+          </a:bodyPr>
+          <a:p>
+            <a:pPr marL="457200" indent="-323640">
+              <a:lnSpc>
+                <a:spcPct val="100000"/>
+              </a:lnSpc>
+              <a:spcBef>
+                <a:spcPts val="601"/>
+              </a:spcBef>
+              <a:buClr>
+                <a:srgbClr val="000000"/>
+              </a:buClr>
+              <a:buFont typeface="Work Sans Regular"/>
+              <a:buChar char="▪"/>
+            </a:pPr>
+            <a:r>
+              <a:rPr b="0" lang="en-US" sz="1600" spc="-1" strike="noStrike">
+                <a:solidFill>
+                  <a:srgbClr val="000000"/>
+                </a:solidFill>
+                <a:latin typeface="Work Sans Regular"/>
+                <a:ea typeface="Work Sans Regular"/>
+              </a:rPr>
+              <a:t>Priority Scheduling : </a:t>
+            </a:r>
+            <a:endParaRPr b="0" lang="en-US" sz="1600" spc="-1" strike="noStrike">
+              <a:latin typeface="Arial"/>
+            </a:endParaRPr>
+          </a:p>
+          <a:p>
+            <a:pPr marL="457200" indent="-323640">
+              <a:lnSpc>
+                <a:spcPct val="100000"/>
+              </a:lnSpc>
+              <a:spcBef>
+                <a:spcPts val="601"/>
+              </a:spcBef>
+              <a:buClr>
+                <a:srgbClr val="000000"/>
+              </a:buClr>
+              <a:buFont typeface="Work Sans Regular"/>
+              <a:buChar char="▪"/>
+            </a:pPr>
+            <a:r>
+              <a:rPr b="0" lang="en-US" sz="1600" spc="-1" strike="noStrike">
+                <a:solidFill>
+                  <a:srgbClr val="000000"/>
+                </a:solidFill>
+                <a:latin typeface="Work Sans Regular"/>
+                <a:ea typeface="Work Sans Regular"/>
+              </a:rPr>
+              <a:t>1. FLUSH</a:t>
+            </a:r>
+            <a:endParaRPr b="0" lang="en-US" sz="1600" spc="-1" strike="noStrike">
+              <a:latin typeface="Arial"/>
+            </a:endParaRPr>
+          </a:p>
+          <a:p>
+            <a:pPr marL="457200" indent="-323640">
+              <a:lnSpc>
+                <a:spcPct val="100000"/>
+              </a:lnSpc>
+              <a:spcBef>
+                <a:spcPts val="601"/>
+              </a:spcBef>
+              <a:buClr>
+                <a:srgbClr val="000000"/>
+              </a:buClr>
+              <a:buFont typeface="Work Sans Regular"/>
+              <a:buChar char="▪"/>
+            </a:pPr>
+            <a:r>
+              <a:rPr b="0" lang="en-US" sz="1600" spc="-1" strike="noStrike">
+                <a:solidFill>
+                  <a:srgbClr val="000000"/>
+                </a:solidFill>
+                <a:latin typeface="Work Sans Regular"/>
+                <a:ea typeface="Work Sans Regular"/>
+              </a:rPr>
+              <a:t>2. L0→L1 Compaction</a:t>
+            </a:r>
+            <a:endParaRPr b="0" lang="en-US" sz="1600" spc="-1" strike="noStrike">
+              <a:latin typeface="Arial"/>
+            </a:endParaRPr>
+          </a:p>
+          <a:p>
+            <a:pPr marL="457200" indent="-323640">
+              <a:lnSpc>
+                <a:spcPct val="100000"/>
+              </a:lnSpc>
+              <a:spcBef>
+                <a:spcPts val="601"/>
+              </a:spcBef>
+              <a:buClr>
+                <a:srgbClr val="000000"/>
+              </a:buClr>
+              <a:buFont typeface="Work Sans Regular"/>
+              <a:buChar char="▪"/>
+            </a:pPr>
+            <a:r>
+              <a:rPr b="0" lang="en-US" sz="1600" spc="-1" strike="noStrike">
+                <a:solidFill>
+                  <a:srgbClr val="000000"/>
+                </a:solidFill>
+                <a:latin typeface="Work Sans Regular"/>
+                <a:ea typeface="Work Sans Regular"/>
+              </a:rPr>
+              <a:t>3. Ln(n&gt;0) level Compaction</a:t>
+            </a:r>
+            <a:endParaRPr b="0" lang="en-US" sz="1600" spc="-1" strike="noStrike">
+              <a:latin typeface="Arial"/>
+            </a:endParaRPr>
+          </a:p>
+        </p:txBody>
+      </p:sp>
     </p:spTree>
   </p:cSld>
   <mc:AlternateContent>
@@ -12579,14 +12530,14 @@
       </p:grpSpPr>
       <p:sp>
         <p:nvSpPr>
-          <p:cNvPr id="260" name="CustomShape 1"/>
+          <p:cNvPr id="264" name="CustomShape 1"/>
           <p:cNvSpPr/>
           <p:nvPr/>
         </p:nvSpPr>
         <p:spPr>
           <a:xfrm>
-            <a:off x="1035000" y="759240"/>
-            <a:ext cx="7286040" cy="461880"/>
+            <a:off x="1035000" y="1005840"/>
+            <a:ext cx="7283880" cy="459720"/>
           </a:xfrm>
           <a:prstGeom prst="rect">
             <a:avLst/>
@@ -12623,34 +12574,24 @@
                 <a:latin typeface="Work Sans"/>
                 <a:ea typeface="Work Sans"/>
               </a:rPr>
-              <a:t>Related Topic 4: CSD-Conscious</a:t>
-            </a:r>
-            <a:r>
-              <a:rPr b="1" lang="en-US" sz="4000" spc="-1" strike="noStrike">
-                <a:solidFill>
-                  <a:srgbClr val="000000"/>
-                </a:solidFill>
-                <a:latin typeface="Work Sans"/>
-                <a:ea typeface="Work Sans"/>
-              </a:rPr>
-              <a:t> </a:t>
-            </a:r>
-            <a:endParaRPr b="0" lang="en-US" sz="4000" spc="-1" strike="noStrike">
-              <a:latin typeface="Arial"/>
-            </a:endParaRPr>
-          </a:p>
-        </p:txBody>
-      </p:sp>
-      <p:sp>
-        <p:nvSpPr>
-          <p:cNvPr id="261" name="CustomShape 2"/>
+              <a:t>Related Topic 3: I/O Scheduling</a:t>
+            </a:r>
+            <a:endParaRPr b="0" lang="en-US" sz="3000" spc="-1" strike="noStrike">
+              <a:latin typeface="Arial"/>
+            </a:endParaRPr>
+          </a:p>
+        </p:txBody>
+      </p:sp>
+      <p:sp>
+        <p:nvSpPr>
+          <p:cNvPr id="265" name="CustomShape 2"/>
           <p:cNvSpPr/>
           <p:nvPr/>
         </p:nvSpPr>
         <p:spPr>
           <a:xfrm>
             <a:off x="8159400" y="4393440"/>
-            <a:ext cx="544320" cy="389160"/>
+            <a:ext cx="542160" cy="387000"/>
           </a:xfrm>
           <a:prstGeom prst="rect">
             <a:avLst/>
@@ -12679,7 +12620,7 @@
                 <a:tab algn="l" pos="0"/>
               </a:tabLst>
             </a:pPr>
-            <a:fld id="{C9A91FCE-E839-4768-B9CA-D49C9E9C26C6}" type="slidenum">
+            <a:fld id="{E6751516-8FF5-49F6-B232-5E8704D38FA2}" type="slidenum">
               <a:rPr b="1" lang="en" sz="1300" spc="-1" strike="noStrike">
                 <a:solidFill>
                   <a:srgbClr val="000000"/>
@@ -12697,7 +12638,7 @@
       </p:sp>
       <p:pic>
         <p:nvPicPr>
-          <p:cNvPr id="262" name="" descr=""/>
+          <p:cNvPr id="266" name="" descr=""/>
           <p:cNvPicPr/>
           <p:nvPr/>
         </p:nvPicPr>
@@ -12707,8 +12648,8 @@
         </p:blipFill>
         <p:spPr>
           <a:xfrm>
-            <a:off x="2011320" y="1005840"/>
-            <a:ext cx="4755240" cy="3749040"/>
+            <a:off x="2468880" y="1465560"/>
+            <a:ext cx="4237200" cy="3196440"/>
           </a:xfrm>
           <a:prstGeom prst="rect">
             <a:avLst/>
@@ -12757,7 +12698,7 @@
         <p:spPr>
           <a:xfrm>
             <a:off x="1035000" y="759240"/>
-            <a:ext cx="7286040" cy="461880"/>
+            <a:ext cx="7283880" cy="459720"/>
           </a:xfrm>
           <a:prstGeom prst="rect">
             <a:avLst/>
@@ -12811,7 +12752,7 @@
         <p:spPr>
           <a:xfrm>
             <a:off x="8159400" y="4393440"/>
-            <a:ext cx="544320" cy="389160"/>
+            <a:ext cx="542160" cy="387000"/>
           </a:xfrm>
           <a:prstGeom prst="rect">
             <a:avLst/>
@@ -12840,7 +12781,7 @@
                 <a:tab algn="l" pos="0"/>
               </a:tabLst>
             </a:pPr>
-            <a:fld id="{81879B00-3FAB-4285-A0C7-AE0CB360E5E1}" type="slidenum">
+            <a:fld id="{A5D2652C-79CD-4749-96D6-C5A903077C5F}" type="slidenum">
               <a:rPr b="1" lang="en" sz="1300" spc="-1" strike="noStrike">
                 <a:solidFill>
                   <a:srgbClr val="000000"/>
@@ -12865,7 +12806,7 @@
         <p:spPr>
           <a:xfrm>
             <a:off x="5577840" y="1762920"/>
-            <a:ext cx="2778840" cy="1800720"/>
+            <a:ext cx="2776680" cy="1798560"/>
           </a:xfrm>
           <a:prstGeom prst="rect">
             <a:avLst/>
@@ -12886,7 +12827,7 @@
             <a:noAutofit/>
           </a:bodyPr>
           <a:p>
-            <a:pPr marL="457200" indent="-325800">
+            <a:pPr marL="457200" indent="-323640">
               <a:lnSpc>
                 <a:spcPct val="100000"/>
               </a:lnSpc>
@@ -12914,7 +12855,7 @@
             </a:endParaRPr>
           </a:p>
           <a:p>
-            <a:pPr marL="457200" indent="-325800">
+            <a:pPr marL="457200" indent="-323640">
               <a:lnSpc>
                 <a:spcPct val="100000"/>
               </a:lnSpc>
@@ -12982,7 +12923,2201 @@
         <p:spPr>
           <a:xfrm>
             <a:off x="822960" y="1463040"/>
-            <a:ext cx="4362120" cy="2740680"/>
+            <a:ext cx="4359960" cy="2738520"/>
+          </a:xfrm>
+          <a:prstGeom prst="rect">
+            <a:avLst/>
+          </a:prstGeom>
+          <a:ln>
+            <a:noFill/>
+          </a:ln>
+        </p:spPr>
+      </p:pic>
+    </p:spTree>
+  </p:cSld>
+  <mc:AlternateContent>
+    <mc:Choice Requires="p14">
+      <p:transition spd="slow" p14:dur="2000"/>
+    </mc:Choice>
+    <mc:Fallback>
+      <p:transition spd="slow"/>
+    </mc:Fallback>
+  </mc:AlternateContent>
+</p:sld>
+</file>
+
+<file path=ppt/slides/slide30.xml><?xml version="1.0" encoding="utf-8"?>
+<p:sld xmlns:a="http://schemas.openxmlformats.org/drawingml/2006/main" xmlns:p="http://schemas.openxmlformats.org/presentationml/2006/main" xmlns:r="http://schemas.openxmlformats.org/officeDocument/2006/relationships" xmlns:p14="http://schemas.microsoft.com/office/powerpoint/2010/main" xmlns:p15="http://schemas.microsoft.com/office/powerpoint/2012/main" xmlns:mc="http://schemas.openxmlformats.org/markup-compatibility/2006">
+  <p:cSld>
+    <p:spTree>
+      <p:nvGrpSpPr>
+        <p:cNvPr id="1" name=""/>
+        <p:cNvGrpSpPr/>
+        <p:nvPr/>
+      </p:nvGrpSpPr>
+      <p:grpSpPr>
+        <a:xfrm>
+          <a:off x="0" y="0"/>
+          <a:ext cx="0" cy="0"/>
+          <a:chOff x="0" y="0"/>
+          <a:chExt cx="0" cy="0"/>
+        </a:xfrm>
+      </p:grpSpPr>
+      <p:sp>
+        <p:nvSpPr>
+          <p:cNvPr id="267" name="CustomShape 1"/>
+          <p:cNvSpPr/>
+          <p:nvPr/>
+        </p:nvSpPr>
+        <p:spPr>
+          <a:xfrm>
+            <a:off x="1035000" y="1005840"/>
+            <a:ext cx="7283880" cy="459720"/>
+          </a:xfrm>
+          <a:prstGeom prst="rect">
+            <a:avLst/>
+          </a:prstGeom>
+          <a:noFill/>
+          <a:ln>
+            <a:noFill/>
+          </a:ln>
+        </p:spPr>
+        <p:style>
+          <a:lnRef idx="0"/>
+          <a:fillRef idx="0"/>
+          <a:effectRef idx="0"/>
+          <a:fontRef idx="minor"/>
+        </p:style>
+        <p:txBody>
+          <a:bodyPr lIns="90000" rIns="90000" tIns="91440" bIns="91440" anchor="b">
+            <a:noAutofit/>
+          </a:bodyPr>
+          <a:p>
+            <a:pPr>
+              <a:lnSpc>
+                <a:spcPct val="100000"/>
+              </a:lnSpc>
+              <a:tabLst>
+                <a:tab algn="l" pos="0"/>
+              </a:tabLst>
+            </a:pPr>
+            <a:r>
+              <a:rPr b="1" lang="en-US" sz="3000" spc="-1" strike="noStrike">
+                <a:solidFill>
+                  <a:srgbClr val="000000"/>
+                </a:solidFill>
+                <a:latin typeface="Work Sans"/>
+                <a:ea typeface="Work Sans"/>
+              </a:rPr>
+              <a:t>Related Topic 3: I/O Scheduling</a:t>
+            </a:r>
+            <a:endParaRPr b="0" lang="en-US" sz="3000" spc="-1" strike="noStrike">
+              <a:latin typeface="Arial"/>
+            </a:endParaRPr>
+          </a:p>
+        </p:txBody>
+      </p:sp>
+      <p:sp>
+        <p:nvSpPr>
+          <p:cNvPr id="268" name="CustomShape 2"/>
+          <p:cNvSpPr/>
+          <p:nvPr/>
+        </p:nvSpPr>
+        <p:spPr>
+          <a:xfrm>
+            <a:off x="8159400" y="4393440"/>
+            <a:ext cx="542160" cy="387000"/>
+          </a:xfrm>
+          <a:prstGeom prst="rect">
+            <a:avLst/>
+          </a:prstGeom>
+          <a:noFill/>
+          <a:ln>
+            <a:noFill/>
+          </a:ln>
+        </p:spPr>
+        <p:style>
+          <a:lnRef idx="0"/>
+          <a:fillRef idx="0"/>
+          <a:effectRef idx="0"/>
+          <a:fontRef idx="minor"/>
+        </p:style>
+        <p:txBody>
+          <a:bodyPr lIns="90000" rIns="90000" tIns="91440" bIns="91440" anchor="ctr">
+            <a:noAutofit/>
+          </a:bodyPr>
+          <a:p>
+            <a:pPr algn="r">
+              <a:lnSpc>
+                <a:spcPct val="100000"/>
+              </a:lnSpc>
+              <a:tabLst>
+                <a:tab algn="l" pos="0"/>
+              </a:tabLst>
+            </a:pPr>
+            <a:fld id="{6A769BAD-E5AB-4F76-AD81-4C174D2342E8}" type="slidenum">
+              <a:rPr b="1" lang="en" sz="1300" spc="-1" strike="noStrike">
+                <a:solidFill>
+                  <a:srgbClr val="000000"/>
+                </a:solidFill>
+                <a:latin typeface="Work Sans"/>
+                <a:ea typeface="Work Sans"/>
+              </a:rPr>
+              <a:t>&lt;number&gt;</a:t>
+            </a:fld>
+            <a:endParaRPr b="0" lang="en-US" sz="1300" spc="-1" strike="noStrike">
+              <a:latin typeface="Arial"/>
+            </a:endParaRPr>
+          </a:p>
+        </p:txBody>
+      </p:sp>
+      <p:sp>
+        <p:nvSpPr>
+          <p:cNvPr id="269" name="CustomShape 3"/>
+          <p:cNvSpPr/>
+          <p:nvPr/>
+        </p:nvSpPr>
+        <p:spPr>
+          <a:xfrm>
+            <a:off x="1519200" y="1684080"/>
+            <a:ext cx="5738040" cy="1873800"/>
+          </a:xfrm>
+          <a:prstGeom prst="rect">
+            <a:avLst/>
+          </a:prstGeom>
+          <a:noFill/>
+          <a:ln>
+            <a:noFill/>
+          </a:ln>
+        </p:spPr>
+        <p:style>
+          <a:lnRef idx="0"/>
+          <a:fillRef idx="0"/>
+          <a:effectRef idx="0"/>
+          <a:fontRef idx="minor"/>
+        </p:style>
+        <p:txBody>
+          <a:bodyPr lIns="90000" rIns="90000" tIns="91440" bIns="91440">
+            <a:noAutofit/>
+          </a:bodyPr>
+          <a:p>
+            <a:pPr marL="457200" indent="-323640">
+              <a:lnSpc>
+                <a:spcPct val="100000"/>
+              </a:lnSpc>
+              <a:spcBef>
+                <a:spcPts val="601"/>
+              </a:spcBef>
+              <a:buClr>
+                <a:srgbClr val="000000"/>
+              </a:buClr>
+              <a:buFont typeface="Work Sans Regular"/>
+              <a:buChar char="▪"/>
+            </a:pPr>
+            <a:r>
+              <a:rPr b="0" lang="en-US" sz="1600" spc="-1" strike="noStrike">
+                <a:solidFill>
+                  <a:srgbClr val="000000"/>
+                </a:solidFill>
+                <a:latin typeface="Work Sans Regular"/>
+                <a:ea typeface="Work Sans Regular"/>
+              </a:rPr>
+              <a:t>Rate Limitor</a:t>
+            </a:r>
+            <a:endParaRPr b="0" lang="en-US" sz="1600" spc="-1" strike="noStrike">
+              <a:latin typeface="Arial"/>
+            </a:endParaRPr>
+          </a:p>
+          <a:p>
+            <a:pPr marL="457200" indent="-323640">
+              <a:lnSpc>
+                <a:spcPct val="100000"/>
+              </a:lnSpc>
+              <a:spcBef>
+                <a:spcPts val="601"/>
+              </a:spcBef>
+              <a:buClr>
+                <a:srgbClr val="000000"/>
+              </a:buClr>
+              <a:buFont typeface="Work Sans Regular"/>
+              <a:buChar char="▪"/>
+            </a:pPr>
+            <a:r>
+              <a:rPr b="0" lang="en-US" sz="1600" spc="-1" strike="noStrike">
+                <a:solidFill>
+                  <a:srgbClr val="000000"/>
+                </a:solidFill>
+                <a:latin typeface="Work Sans Regular"/>
+                <a:ea typeface="Work Sans Regular"/>
+              </a:rPr>
+              <a:t>I/O Bandwidth</a:t>
+            </a:r>
+            <a:endParaRPr b="0" lang="en-US" sz="1600" spc="-1" strike="noStrike">
+              <a:latin typeface="Arial"/>
+            </a:endParaRPr>
+          </a:p>
+          <a:p>
+            <a:pPr marL="457200" indent="-323640">
+              <a:lnSpc>
+                <a:spcPct val="100000"/>
+              </a:lnSpc>
+              <a:spcBef>
+                <a:spcPts val="601"/>
+              </a:spcBef>
+              <a:buClr>
+                <a:srgbClr val="000000"/>
+              </a:buClr>
+              <a:buFont typeface="Work Sans Regular"/>
+              <a:buChar char="▪"/>
+            </a:pPr>
+            <a:r>
+              <a:rPr b="0" lang="en-US" sz="1600" spc="-1" strike="noStrike">
+                <a:solidFill>
+                  <a:srgbClr val="000000"/>
+                </a:solidFill>
+                <a:latin typeface="Work Sans Regular"/>
+                <a:ea typeface="Work Sans Regular"/>
+              </a:rPr>
+              <a:t>User operation first</a:t>
+            </a:r>
+            <a:endParaRPr b="0" lang="en-US" sz="1600" spc="-1" strike="noStrike">
+              <a:latin typeface="Arial"/>
+            </a:endParaRPr>
+          </a:p>
+          <a:p>
+            <a:pPr marL="457200" indent="-323640">
+              <a:lnSpc>
+                <a:spcPct val="100000"/>
+              </a:lnSpc>
+              <a:spcBef>
+                <a:spcPts val="601"/>
+              </a:spcBef>
+              <a:buClr>
+                <a:srgbClr val="000000"/>
+              </a:buClr>
+              <a:buFont typeface="Work Sans Regular"/>
+              <a:buChar char="▪"/>
+            </a:pPr>
+            <a:r>
+              <a:rPr b="0" lang="en-US" sz="1600" spc="-1" strike="noStrike">
+                <a:solidFill>
+                  <a:srgbClr val="000000"/>
+                </a:solidFill>
+                <a:latin typeface="Work Sans Regular"/>
+                <a:ea typeface="Work Sans Regular"/>
+              </a:rPr>
+              <a:t>Limit I/O for Internal Operation : </a:t>
+            </a:r>
+            <a:endParaRPr b="0" lang="en-US" sz="1600" spc="-1" strike="noStrike">
+              <a:latin typeface="Arial"/>
+            </a:endParaRPr>
+          </a:p>
+          <a:p>
+            <a:pPr marL="457200" indent="-323640">
+              <a:lnSpc>
+                <a:spcPct val="100000"/>
+              </a:lnSpc>
+              <a:spcBef>
+                <a:spcPts val="601"/>
+              </a:spcBef>
+              <a:buClr>
+                <a:srgbClr val="000000"/>
+              </a:buClr>
+              <a:buFont typeface="Work Sans Regular"/>
+              <a:buChar char="▪"/>
+            </a:pPr>
+            <a:r>
+              <a:rPr b="0" lang="en-US" sz="1600" spc="-1" strike="noStrike">
+                <a:solidFill>
+                  <a:srgbClr val="000000"/>
+                </a:solidFill>
+                <a:latin typeface="Work Sans Regular"/>
+                <a:ea typeface="Work Sans Regular"/>
+              </a:rPr>
+              <a:t>Ln Compaction (n&gt;0) </a:t>
+            </a:r>
+            <a:endParaRPr b="0" lang="en-US" sz="1600" spc="-1" strike="noStrike">
+              <a:latin typeface="Arial"/>
+            </a:endParaRPr>
+          </a:p>
+        </p:txBody>
+      </p:sp>
+      <p:pic>
+        <p:nvPicPr>
+          <p:cNvPr id="270" name="" descr=""/>
+          <p:cNvPicPr/>
+          <p:nvPr/>
+        </p:nvPicPr>
+        <p:blipFill>
+          <a:blip r:embed="rId1"/>
+          <a:stretch/>
+        </p:blipFill>
+        <p:spPr>
+          <a:xfrm>
+            <a:off x="6035040" y="1729080"/>
+            <a:ext cx="2424240" cy="1828800"/>
+          </a:xfrm>
+          <a:prstGeom prst="rect">
+            <a:avLst/>
+          </a:prstGeom>
+          <a:ln>
+            <a:noFill/>
+          </a:ln>
+        </p:spPr>
+      </p:pic>
+    </p:spTree>
+  </p:cSld>
+  <mc:AlternateContent>
+    <mc:Choice Requires="p14">
+      <p:transition spd="slow" p14:dur="2000"/>
+    </mc:Choice>
+    <mc:Fallback>
+      <p:transition spd="slow"/>
+    </mc:Fallback>
+  </mc:AlternateContent>
+</p:sld>
+</file>
+
+<file path=ppt/slides/slide31.xml><?xml version="1.0" encoding="utf-8"?>
+<p:sld xmlns:a="http://schemas.openxmlformats.org/drawingml/2006/main" xmlns:p="http://schemas.openxmlformats.org/presentationml/2006/main" xmlns:r="http://schemas.openxmlformats.org/officeDocument/2006/relationships" xmlns:p14="http://schemas.microsoft.com/office/powerpoint/2010/main" xmlns:p15="http://schemas.microsoft.com/office/powerpoint/2012/main" xmlns:mc="http://schemas.openxmlformats.org/markup-compatibility/2006">
+  <p:cSld>
+    <p:spTree>
+      <p:nvGrpSpPr>
+        <p:cNvPr id="1" name=""/>
+        <p:cNvGrpSpPr/>
+        <p:nvPr/>
+      </p:nvGrpSpPr>
+      <p:grpSpPr>
+        <a:xfrm>
+          <a:off x="0" y="0"/>
+          <a:ext cx="0" cy="0"/>
+          <a:chOff x="0" y="0"/>
+          <a:chExt cx="0" cy="0"/>
+        </a:xfrm>
+      </p:grpSpPr>
+      <p:sp>
+        <p:nvSpPr>
+          <p:cNvPr id="271" name="CustomShape 1"/>
+          <p:cNvSpPr/>
+          <p:nvPr/>
+        </p:nvSpPr>
+        <p:spPr>
+          <a:xfrm>
+            <a:off x="1035000" y="1005840"/>
+            <a:ext cx="7283880" cy="459720"/>
+          </a:xfrm>
+          <a:prstGeom prst="rect">
+            <a:avLst/>
+          </a:prstGeom>
+          <a:noFill/>
+          <a:ln>
+            <a:noFill/>
+          </a:ln>
+        </p:spPr>
+        <p:style>
+          <a:lnRef idx="0"/>
+          <a:fillRef idx="0"/>
+          <a:effectRef idx="0"/>
+          <a:fontRef idx="minor"/>
+        </p:style>
+        <p:txBody>
+          <a:bodyPr lIns="90000" rIns="90000" tIns="91440" bIns="91440" anchor="b">
+            <a:noAutofit/>
+          </a:bodyPr>
+          <a:p>
+            <a:pPr>
+              <a:lnSpc>
+                <a:spcPct val="100000"/>
+              </a:lnSpc>
+              <a:tabLst>
+                <a:tab algn="l" pos="0"/>
+              </a:tabLst>
+            </a:pPr>
+            <a:r>
+              <a:rPr b="1" lang="en-US" sz="3000" spc="-1" strike="noStrike">
+                <a:solidFill>
+                  <a:srgbClr val="000000"/>
+                </a:solidFill>
+                <a:latin typeface="Work Sans"/>
+                <a:ea typeface="Work Sans"/>
+              </a:rPr>
+              <a:t>Related Topic 3: I/O Scheduling</a:t>
+            </a:r>
+            <a:endParaRPr b="0" lang="en-US" sz="3000" spc="-1" strike="noStrike">
+              <a:latin typeface="Arial"/>
+            </a:endParaRPr>
+          </a:p>
+        </p:txBody>
+      </p:sp>
+      <p:sp>
+        <p:nvSpPr>
+          <p:cNvPr id="272" name="CustomShape 2"/>
+          <p:cNvSpPr/>
+          <p:nvPr/>
+        </p:nvSpPr>
+        <p:spPr>
+          <a:xfrm>
+            <a:off x="8159400" y="4393440"/>
+            <a:ext cx="542160" cy="387000"/>
+          </a:xfrm>
+          <a:prstGeom prst="rect">
+            <a:avLst/>
+          </a:prstGeom>
+          <a:noFill/>
+          <a:ln>
+            <a:noFill/>
+          </a:ln>
+        </p:spPr>
+        <p:style>
+          <a:lnRef idx="0"/>
+          <a:fillRef idx="0"/>
+          <a:effectRef idx="0"/>
+          <a:fontRef idx="minor"/>
+        </p:style>
+        <p:txBody>
+          <a:bodyPr lIns="90000" rIns="90000" tIns="91440" bIns="91440" anchor="ctr">
+            <a:noAutofit/>
+          </a:bodyPr>
+          <a:p>
+            <a:pPr algn="r">
+              <a:lnSpc>
+                <a:spcPct val="100000"/>
+              </a:lnSpc>
+              <a:tabLst>
+                <a:tab algn="l" pos="0"/>
+              </a:tabLst>
+            </a:pPr>
+            <a:fld id="{95FFAAC0-7976-45A2-87AF-2A11C0F6281D}" type="slidenum">
+              <a:rPr b="1" lang="en" sz="1300" spc="-1" strike="noStrike">
+                <a:solidFill>
+                  <a:srgbClr val="000000"/>
+                </a:solidFill>
+                <a:latin typeface="Work Sans"/>
+                <a:ea typeface="Work Sans"/>
+              </a:rPr>
+              <a:t>&lt;number&gt;</a:t>
+            </a:fld>
+            <a:endParaRPr b="0" lang="en-US" sz="1300" spc="-1" strike="noStrike">
+              <a:latin typeface="Arial"/>
+            </a:endParaRPr>
+          </a:p>
+        </p:txBody>
+      </p:sp>
+      <p:sp>
+        <p:nvSpPr>
+          <p:cNvPr id="273" name="CustomShape 3"/>
+          <p:cNvSpPr/>
+          <p:nvPr/>
+        </p:nvSpPr>
+        <p:spPr>
+          <a:xfrm>
+            <a:off x="1519200" y="1684080"/>
+            <a:ext cx="5738040" cy="1873800"/>
+          </a:xfrm>
+          <a:prstGeom prst="rect">
+            <a:avLst/>
+          </a:prstGeom>
+          <a:noFill/>
+          <a:ln>
+            <a:noFill/>
+          </a:ln>
+        </p:spPr>
+        <p:style>
+          <a:lnRef idx="0"/>
+          <a:fillRef idx="0"/>
+          <a:effectRef idx="0"/>
+          <a:fontRef idx="minor"/>
+        </p:style>
+        <p:txBody>
+          <a:bodyPr lIns="90000" rIns="90000" tIns="91440" bIns="91440">
+            <a:noAutofit/>
+          </a:bodyPr>
+          <a:p>
+            <a:pPr marL="457200" indent="-323640">
+              <a:lnSpc>
+                <a:spcPct val="100000"/>
+              </a:lnSpc>
+              <a:spcBef>
+                <a:spcPts val="601"/>
+              </a:spcBef>
+              <a:buClr>
+                <a:srgbClr val="000000"/>
+              </a:buClr>
+              <a:buFont typeface="Work Sans Regular"/>
+              <a:buChar char="▪"/>
+            </a:pPr>
+            <a:r>
+              <a:rPr b="0" lang="en-US" sz="1600" spc="-1" strike="noStrike">
+                <a:solidFill>
+                  <a:srgbClr val="000000"/>
+                </a:solidFill>
+                <a:latin typeface="Work Sans Regular"/>
+                <a:ea typeface="Work Sans Regular"/>
+              </a:rPr>
+              <a:t>Rate Limitor</a:t>
+            </a:r>
+            <a:endParaRPr b="0" lang="en-US" sz="1600" spc="-1" strike="noStrike">
+              <a:latin typeface="Arial"/>
+            </a:endParaRPr>
+          </a:p>
+          <a:p>
+            <a:pPr marL="457200" indent="-323640">
+              <a:lnSpc>
+                <a:spcPct val="100000"/>
+              </a:lnSpc>
+              <a:spcBef>
+                <a:spcPts val="601"/>
+              </a:spcBef>
+              <a:buClr>
+                <a:srgbClr val="000000"/>
+              </a:buClr>
+              <a:buFont typeface="Work Sans Regular"/>
+              <a:buChar char="▪"/>
+            </a:pPr>
+            <a:r>
+              <a:rPr b="0" lang="en-US" sz="1600" spc="-1" strike="noStrike">
+                <a:solidFill>
+                  <a:srgbClr val="000000"/>
+                </a:solidFill>
+                <a:latin typeface="Work Sans Regular"/>
+                <a:ea typeface="Work Sans Regular"/>
+              </a:rPr>
+              <a:t>I/O Bandwidth</a:t>
+            </a:r>
+            <a:endParaRPr b="0" lang="en-US" sz="1600" spc="-1" strike="noStrike">
+              <a:latin typeface="Arial"/>
+            </a:endParaRPr>
+          </a:p>
+          <a:p>
+            <a:pPr marL="457200" indent="-323640">
+              <a:lnSpc>
+                <a:spcPct val="100000"/>
+              </a:lnSpc>
+              <a:spcBef>
+                <a:spcPts val="601"/>
+              </a:spcBef>
+              <a:buClr>
+                <a:srgbClr val="000000"/>
+              </a:buClr>
+              <a:buFont typeface="Work Sans Regular"/>
+              <a:buChar char="▪"/>
+            </a:pPr>
+            <a:r>
+              <a:rPr b="0" lang="en-US" sz="1600" spc="-1" strike="noStrike">
+                <a:solidFill>
+                  <a:srgbClr val="000000"/>
+                </a:solidFill>
+                <a:latin typeface="Work Sans Regular"/>
+                <a:ea typeface="Work Sans Regular"/>
+              </a:rPr>
+              <a:t>User operation first</a:t>
+            </a:r>
+            <a:endParaRPr b="0" lang="en-US" sz="1600" spc="-1" strike="noStrike">
+              <a:latin typeface="Arial"/>
+            </a:endParaRPr>
+          </a:p>
+          <a:p>
+            <a:pPr marL="457200" indent="-323640">
+              <a:lnSpc>
+                <a:spcPct val="100000"/>
+              </a:lnSpc>
+              <a:spcBef>
+                <a:spcPts val="601"/>
+              </a:spcBef>
+              <a:buClr>
+                <a:srgbClr val="000000"/>
+              </a:buClr>
+              <a:buFont typeface="Work Sans Regular"/>
+              <a:buChar char="▪"/>
+            </a:pPr>
+            <a:r>
+              <a:rPr b="0" lang="en-US" sz="1600" spc="-1" strike="noStrike">
+                <a:solidFill>
+                  <a:srgbClr val="000000"/>
+                </a:solidFill>
+                <a:latin typeface="Work Sans Regular"/>
+                <a:ea typeface="Work Sans Regular"/>
+              </a:rPr>
+              <a:t>Limit I/O for Internal Operation : Ln Compaction (n&gt;0) </a:t>
+            </a:r>
+            <a:endParaRPr b="0" lang="en-US" sz="1600" spc="-1" strike="noStrike">
+              <a:latin typeface="Arial"/>
+            </a:endParaRPr>
+          </a:p>
+        </p:txBody>
+      </p:sp>
+      <p:pic>
+        <p:nvPicPr>
+          <p:cNvPr id="274" name="" descr=""/>
+          <p:cNvPicPr/>
+          <p:nvPr/>
+        </p:nvPicPr>
+        <p:blipFill>
+          <a:blip r:embed="rId1"/>
+          <a:stretch/>
+        </p:blipFill>
+        <p:spPr>
+          <a:xfrm>
+            <a:off x="731520" y="2377440"/>
+            <a:ext cx="7767360" cy="1920240"/>
+          </a:xfrm>
+          <a:prstGeom prst="rect">
+            <a:avLst/>
+          </a:prstGeom>
+          <a:ln>
+            <a:noFill/>
+          </a:ln>
+        </p:spPr>
+      </p:pic>
+    </p:spTree>
+  </p:cSld>
+  <mc:AlternateContent>
+    <mc:Choice Requires="p14">
+      <p:transition spd="slow" p14:dur="2000"/>
+    </mc:Choice>
+    <mc:Fallback>
+      <p:transition spd="slow"/>
+    </mc:Fallback>
+  </mc:AlternateContent>
+</p:sld>
+</file>
+
+<file path=ppt/slides/slide32.xml><?xml version="1.0" encoding="utf-8"?>
+<p:sld xmlns:a="http://schemas.openxmlformats.org/drawingml/2006/main" xmlns:p="http://schemas.openxmlformats.org/presentationml/2006/main" xmlns:r="http://schemas.openxmlformats.org/officeDocument/2006/relationships" xmlns:p14="http://schemas.microsoft.com/office/powerpoint/2010/main" xmlns:p15="http://schemas.microsoft.com/office/powerpoint/2012/main" xmlns:mc="http://schemas.openxmlformats.org/markup-compatibility/2006">
+  <p:cSld>
+    <p:spTree>
+      <p:nvGrpSpPr>
+        <p:cNvPr id="1" name=""/>
+        <p:cNvGrpSpPr/>
+        <p:nvPr/>
+      </p:nvGrpSpPr>
+      <p:grpSpPr>
+        <a:xfrm>
+          <a:off x="0" y="0"/>
+          <a:ext cx="0" cy="0"/>
+          <a:chOff x="0" y="0"/>
+          <a:chExt cx="0" cy="0"/>
+        </a:xfrm>
+      </p:grpSpPr>
+      <p:sp>
+        <p:nvSpPr>
+          <p:cNvPr id="275" name="CustomShape 1"/>
+          <p:cNvSpPr/>
+          <p:nvPr/>
+        </p:nvSpPr>
+        <p:spPr>
+          <a:xfrm>
+            <a:off x="1035000" y="1005840"/>
+            <a:ext cx="7283880" cy="459720"/>
+          </a:xfrm>
+          <a:prstGeom prst="rect">
+            <a:avLst/>
+          </a:prstGeom>
+          <a:noFill/>
+          <a:ln>
+            <a:noFill/>
+          </a:ln>
+        </p:spPr>
+        <p:style>
+          <a:lnRef idx="0"/>
+          <a:fillRef idx="0"/>
+          <a:effectRef idx="0"/>
+          <a:fontRef idx="minor"/>
+        </p:style>
+        <p:txBody>
+          <a:bodyPr lIns="90000" rIns="90000" tIns="91440" bIns="91440" anchor="b">
+            <a:noAutofit/>
+          </a:bodyPr>
+          <a:p>
+            <a:pPr>
+              <a:lnSpc>
+                <a:spcPct val="100000"/>
+              </a:lnSpc>
+              <a:tabLst>
+                <a:tab algn="l" pos="0"/>
+              </a:tabLst>
+            </a:pPr>
+            <a:r>
+              <a:rPr b="1" lang="en-US" sz="3000" spc="-1" strike="noStrike">
+                <a:solidFill>
+                  <a:srgbClr val="000000"/>
+                </a:solidFill>
+                <a:latin typeface="Work Sans"/>
+                <a:ea typeface="Work Sans"/>
+              </a:rPr>
+              <a:t>Related Topic 3: I/O Scheduling</a:t>
+            </a:r>
+            <a:endParaRPr b="0" lang="en-US" sz="3000" spc="-1" strike="noStrike">
+              <a:latin typeface="Arial"/>
+            </a:endParaRPr>
+          </a:p>
+        </p:txBody>
+      </p:sp>
+      <p:sp>
+        <p:nvSpPr>
+          <p:cNvPr id="276" name="CustomShape 2"/>
+          <p:cNvSpPr/>
+          <p:nvPr/>
+        </p:nvSpPr>
+        <p:spPr>
+          <a:xfrm>
+            <a:off x="8159400" y="4393440"/>
+            <a:ext cx="542160" cy="387000"/>
+          </a:xfrm>
+          <a:prstGeom prst="rect">
+            <a:avLst/>
+          </a:prstGeom>
+          <a:noFill/>
+          <a:ln>
+            <a:noFill/>
+          </a:ln>
+        </p:spPr>
+        <p:style>
+          <a:lnRef idx="0"/>
+          <a:fillRef idx="0"/>
+          <a:effectRef idx="0"/>
+          <a:fontRef idx="minor"/>
+        </p:style>
+        <p:txBody>
+          <a:bodyPr lIns="90000" rIns="90000" tIns="91440" bIns="91440" anchor="ctr">
+            <a:noAutofit/>
+          </a:bodyPr>
+          <a:p>
+            <a:pPr algn="r">
+              <a:lnSpc>
+                <a:spcPct val="100000"/>
+              </a:lnSpc>
+              <a:tabLst>
+                <a:tab algn="l" pos="0"/>
+              </a:tabLst>
+            </a:pPr>
+            <a:fld id="{B0307857-2D8C-40D1-ACB2-6475216E9E00}" type="slidenum">
+              <a:rPr b="1" lang="en" sz="1300" spc="-1" strike="noStrike">
+                <a:solidFill>
+                  <a:srgbClr val="000000"/>
+                </a:solidFill>
+                <a:latin typeface="Work Sans"/>
+                <a:ea typeface="Work Sans"/>
+              </a:rPr>
+              <a:t>&lt;number&gt;</a:t>
+            </a:fld>
+            <a:endParaRPr b="0" lang="en-US" sz="1300" spc="-1" strike="noStrike">
+              <a:latin typeface="Arial"/>
+            </a:endParaRPr>
+          </a:p>
+        </p:txBody>
+      </p:sp>
+      <p:sp>
+        <p:nvSpPr>
+          <p:cNvPr id="277" name="CustomShape 3"/>
+          <p:cNvSpPr/>
+          <p:nvPr/>
+        </p:nvSpPr>
+        <p:spPr>
+          <a:xfrm>
+            <a:off x="1519200" y="1684080"/>
+            <a:ext cx="5738040" cy="1873800"/>
+          </a:xfrm>
+          <a:prstGeom prst="rect">
+            <a:avLst/>
+          </a:prstGeom>
+          <a:noFill/>
+          <a:ln>
+            <a:noFill/>
+          </a:ln>
+        </p:spPr>
+        <p:style>
+          <a:lnRef idx="0"/>
+          <a:fillRef idx="0"/>
+          <a:effectRef idx="0"/>
+          <a:fontRef idx="minor"/>
+        </p:style>
+        <p:txBody>
+          <a:bodyPr lIns="90000" rIns="90000" tIns="91440" bIns="91440">
+            <a:noAutofit/>
+          </a:bodyPr>
+          <a:p>
+            <a:pPr marL="457200" indent="-323640">
+              <a:lnSpc>
+                <a:spcPct val="100000"/>
+              </a:lnSpc>
+              <a:spcBef>
+                <a:spcPts val="601"/>
+              </a:spcBef>
+              <a:buClr>
+                <a:srgbClr val="000000"/>
+              </a:buClr>
+              <a:buFont typeface="Work Sans Regular"/>
+              <a:buChar char="▪"/>
+            </a:pPr>
+            <a:r>
+              <a:rPr b="0" lang="en-US" sz="1600" spc="-1" strike="noStrike">
+                <a:solidFill>
+                  <a:srgbClr val="000000"/>
+                </a:solidFill>
+                <a:latin typeface="Work Sans Regular"/>
+                <a:ea typeface="Work Sans Regular"/>
+              </a:rPr>
+              <a:t>Dynamic I/O Throttling</a:t>
+            </a:r>
+            <a:endParaRPr b="0" lang="en-US" sz="1600" spc="-1" strike="noStrike">
+              <a:latin typeface="Arial"/>
+            </a:endParaRPr>
+          </a:p>
+          <a:p>
+            <a:pPr marL="457200" indent="-323640">
+              <a:lnSpc>
+                <a:spcPct val="100000"/>
+              </a:lnSpc>
+              <a:spcBef>
+                <a:spcPts val="601"/>
+              </a:spcBef>
+              <a:buClr>
+                <a:srgbClr val="000000"/>
+              </a:buClr>
+              <a:buFont typeface="Work Sans Regular"/>
+              <a:buChar char="▪"/>
+            </a:pPr>
+            <a:r>
+              <a:rPr b="0" lang="en-US" sz="1600" spc="-1" strike="noStrike">
+                <a:solidFill>
+                  <a:srgbClr val="000000"/>
+                </a:solidFill>
+                <a:latin typeface="Work Sans Regular"/>
+                <a:ea typeface="Work Sans Regular"/>
+              </a:rPr>
+              <a:t>Rate Limitor to Ln(n&gt;0) Compaction</a:t>
+            </a:r>
+            <a:endParaRPr b="0" lang="en-US" sz="1600" spc="-1" strike="noStrike">
+              <a:latin typeface="Arial"/>
+            </a:endParaRPr>
+          </a:p>
+        </p:txBody>
+      </p:sp>
+      <p:pic>
+        <p:nvPicPr>
+          <p:cNvPr id="278" name="" descr=""/>
+          <p:cNvPicPr/>
+          <p:nvPr/>
+        </p:nvPicPr>
+        <p:blipFill>
+          <a:blip r:embed="rId1"/>
+          <a:stretch/>
+        </p:blipFill>
+        <p:spPr>
+          <a:xfrm>
+            <a:off x="5760720" y="2377440"/>
+            <a:ext cx="2755080" cy="2144520"/>
+          </a:xfrm>
+          <a:prstGeom prst="rect">
+            <a:avLst/>
+          </a:prstGeom>
+          <a:ln>
+            <a:noFill/>
+          </a:ln>
+        </p:spPr>
+      </p:pic>
+    </p:spTree>
+  </p:cSld>
+  <mc:AlternateContent>
+    <mc:Choice Requires="p14">
+      <p:transition spd="slow" p14:dur="2000"/>
+    </mc:Choice>
+    <mc:Fallback>
+      <p:transition spd="slow"/>
+    </mc:Fallback>
+  </mc:AlternateContent>
+</p:sld>
+</file>
+
+<file path=ppt/slides/slide33.xml><?xml version="1.0" encoding="utf-8"?>
+<p:sld xmlns:a="http://schemas.openxmlformats.org/drawingml/2006/main" xmlns:p="http://schemas.openxmlformats.org/presentationml/2006/main" xmlns:r="http://schemas.openxmlformats.org/officeDocument/2006/relationships" xmlns:p14="http://schemas.microsoft.com/office/powerpoint/2010/main" xmlns:p15="http://schemas.microsoft.com/office/powerpoint/2012/main" xmlns:mc="http://schemas.openxmlformats.org/markup-compatibility/2006">
+  <p:cSld>
+    <p:spTree>
+      <p:nvGrpSpPr>
+        <p:cNvPr id="1" name=""/>
+        <p:cNvGrpSpPr/>
+        <p:nvPr/>
+      </p:nvGrpSpPr>
+      <p:grpSpPr>
+        <a:xfrm>
+          <a:off x="0" y="0"/>
+          <a:ext cx="0" cy="0"/>
+          <a:chOff x="0" y="0"/>
+          <a:chExt cx="0" cy="0"/>
+        </a:xfrm>
+      </p:grpSpPr>
+      <p:sp>
+        <p:nvSpPr>
+          <p:cNvPr id="279" name="CustomShape 1"/>
+          <p:cNvSpPr/>
+          <p:nvPr/>
+        </p:nvSpPr>
+        <p:spPr>
+          <a:xfrm>
+            <a:off x="1035000" y="1005840"/>
+            <a:ext cx="7283880" cy="459720"/>
+          </a:xfrm>
+          <a:prstGeom prst="rect">
+            <a:avLst/>
+          </a:prstGeom>
+          <a:noFill/>
+          <a:ln>
+            <a:noFill/>
+          </a:ln>
+        </p:spPr>
+        <p:style>
+          <a:lnRef idx="0"/>
+          <a:fillRef idx="0"/>
+          <a:effectRef idx="0"/>
+          <a:fontRef idx="minor"/>
+        </p:style>
+        <p:txBody>
+          <a:bodyPr lIns="90000" rIns="90000" tIns="91440" bIns="91440" anchor="b">
+            <a:noAutofit/>
+          </a:bodyPr>
+          <a:p>
+            <a:pPr>
+              <a:lnSpc>
+                <a:spcPct val="100000"/>
+              </a:lnSpc>
+              <a:tabLst>
+                <a:tab algn="l" pos="0"/>
+              </a:tabLst>
+            </a:pPr>
+            <a:r>
+              <a:rPr b="1" lang="en-US" sz="3000" spc="-1" strike="noStrike">
+                <a:solidFill>
+                  <a:srgbClr val="000000"/>
+                </a:solidFill>
+                <a:latin typeface="Work Sans"/>
+                <a:ea typeface="Work Sans"/>
+              </a:rPr>
+              <a:t>Related Topic 3: I/O Scheduling</a:t>
+            </a:r>
+            <a:endParaRPr b="0" lang="en-US" sz="3000" spc="-1" strike="noStrike">
+              <a:latin typeface="Arial"/>
+            </a:endParaRPr>
+          </a:p>
+        </p:txBody>
+      </p:sp>
+      <p:sp>
+        <p:nvSpPr>
+          <p:cNvPr id="280" name="CustomShape 2"/>
+          <p:cNvSpPr/>
+          <p:nvPr/>
+        </p:nvSpPr>
+        <p:spPr>
+          <a:xfrm>
+            <a:off x="8159400" y="4393440"/>
+            <a:ext cx="542160" cy="387000"/>
+          </a:xfrm>
+          <a:prstGeom prst="rect">
+            <a:avLst/>
+          </a:prstGeom>
+          <a:noFill/>
+          <a:ln>
+            <a:noFill/>
+          </a:ln>
+        </p:spPr>
+        <p:style>
+          <a:lnRef idx="0"/>
+          <a:fillRef idx="0"/>
+          <a:effectRef idx="0"/>
+          <a:fontRef idx="minor"/>
+        </p:style>
+        <p:txBody>
+          <a:bodyPr lIns="90000" rIns="90000" tIns="91440" bIns="91440" anchor="ctr">
+            <a:noAutofit/>
+          </a:bodyPr>
+          <a:p>
+            <a:pPr algn="r">
+              <a:lnSpc>
+                <a:spcPct val="100000"/>
+              </a:lnSpc>
+              <a:tabLst>
+                <a:tab algn="l" pos="0"/>
+              </a:tabLst>
+            </a:pPr>
+            <a:fld id="{B47AE733-6680-45E1-B191-940E858D2519}" type="slidenum">
+              <a:rPr b="1" lang="en" sz="1300" spc="-1" strike="noStrike">
+                <a:solidFill>
+                  <a:srgbClr val="000000"/>
+                </a:solidFill>
+                <a:latin typeface="Work Sans"/>
+                <a:ea typeface="Work Sans"/>
+              </a:rPr>
+              <a:t>&lt;number&gt;</a:t>
+            </a:fld>
+            <a:endParaRPr b="0" lang="en-US" sz="1300" spc="-1" strike="noStrike">
+              <a:latin typeface="Arial"/>
+            </a:endParaRPr>
+          </a:p>
+        </p:txBody>
+      </p:sp>
+      <p:pic>
+        <p:nvPicPr>
+          <p:cNvPr id="281" name="" descr=""/>
+          <p:cNvPicPr/>
+          <p:nvPr/>
+        </p:nvPicPr>
+        <p:blipFill>
+          <a:blip r:embed="rId1"/>
+          <a:stretch/>
+        </p:blipFill>
+        <p:spPr>
+          <a:xfrm>
+            <a:off x="2194560" y="1645920"/>
+            <a:ext cx="4090680" cy="2651400"/>
+          </a:xfrm>
+          <a:prstGeom prst="rect">
+            <a:avLst/>
+          </a:prstGeom>
+          <a:ln>
+            <a:noFill/>
+          </a:ln>
+        </p:spPr>
+      </p:pic>
+    </p:spTree>
+  </p:cSld>
+  <mc:AlternateContent>
+    <mc:Choice Requires="p14">
+      <p:transition spd="slow" p14:dur="2000"/>
+    </mc:Choice>
+    <mc:Fallback>
+      <p:transition spd="slow"/>
+    </mc:Fallback>
+  </mc:AlternateContent>
+</p:sld>
+</file>
+
+<file path=ppt/slides/slide34.xml><?xml version="1.0" encoding="utf-8"?>
+<p:sld xmlns:a="http://schemas.openxmlformats.org/drawingml/2006/main" xmlns:p="http://schemas.openxmlformats.org/presentationml/2006/main" xmlns:r="http://schemas.openxmlformats.org/officeDocument/2006/relationships" xmlns:p14="http://schemas.microsoft.com/office/powerpoint/2010/main" xmlns:p15="http://schemas.microsoft.com/office/powerpoint/2012/main" xmlns:mc="http://schemas.openxmlformats.org/markup-compatibility/2006">
+  <p:cSld>
+    <p:spTree>
+      <p:nvGrpSpPr>
+        <p:cNvPr id="1" name=""/>
+        <p:cNvGrpSpPr/>
+        <p:nvPr/>
+      </p:nvGrpSpPr>
+      <p:grpSpPr>
+        <a:xfrm>
+          <a:off x="0" y="0"/>
+          <a:ext cx="0" cy="0"/>
+          <a:chOff x="0" y="0"/>
+          <a:chExt cx="0" cy="0"/>
+        </a:xfrm>
+      </p:grpSpPr>
+      <p:sp>
+        <p:nvSpPr>
+          <p:cNvPr id="282" name="CustomShape 1"/>
+          <p:cNvSpPr/>
+          <p:nvPr/>
+        </p:nvSpPr>
+        <p:spPr>
+          <a:xfrm>
+            <a:off x="1035000" y="759240"/>
+            <a:ext cx="7283880" cy="459720"/>
+          </a:xfrm>
+          <a:prstGeom prst="rect">
+            <a:avLst/>
+          </a:prstGeom>
+          <a:noFill/>
+          <a:ln>
+            <a:noFill/>
+          </a:ln>
+        </p:spPr>
+        <p:style>
+          <a:lnRef idx="0"/>
+          <a:fillRef idx="0"/>
+          <a:effectRef idx="0"/>
+          <a:fontRef idx="minor"/>
+        </p:style>
+        <p:txBody>
+          <a:bodyPr lIns="90000" rIns="90000" tIns="91440" bIns="91440" anchor="b">
+            <a:noAutofit/>
+          </a:bodyPr>
+          <a:p>
+            <a:pPr>
+              <a:lnSpc>
+                <a:spcPct val="100000"/>
+              </a:lnSpc>
+              <a:tabLst>
+                <a:tab algn="l" pos="0"/>
+              </a:tabLst>
+            </a:pPr>
+            <a:r>
+              <a:rPr b="1" lang="en-US" sz="3000" spc="-1" strike="noStrike">
+                <a:solidFill>
+                  <a:srgbClr val="000000"/>
+                </a:solidFill>
+                <a:latin typeface="Work Sans"/>
+                <a:ea typeface="Work Sans"/>
+              </a:rPr>
+              <a:t>Related Topic 4: CSD-Conscious</a:t>
+            </a:r>
+            <a:r>
+              <a:rPr b="1" lang="en-US" sz="4000" spc="-1" strike="noStrike">
+                <a:solidFill>
+                  <a:srgbClr val="000000"/>
+                </a:solidFill>
+                <a:latin typeface="Work Sans"/>
+                <a:ea typeface="Work Sans"/>
+              </a:rPr>
+              <a:t> </a:t>
+            </a:r>
+            <a:endParaRPr b="0" lang="en-US" sz="4000" spc="-1" strike="noStrike">
+              <a:latin typeface="Arial"/>
+            </a:endParaRPr>
+          </a:p>
+        </p:txBody>
+      </p:sp>
+      <p:sp>
+        <p:nvSpPr>
+          <p:cNvPr id="283" name="CustomShape 2"/>
+          <p:cNvSpPr/>
+          <p:nvPr/>
+        </p:nvSpPr>
+        <p:spPr>
+          <a:xfrm>
+            <a:off x="8159400" y="4393440"/>
+            <a:ext cx="542160" cy="387000"/>
+          </a:xfrm>
+          <a:prstGeom prst="rect">
+            <a:avLst/>
+          </a:prstGeom>
+          <a:noFill/>
+          <a:ln>
+            <a:noFill/>
+          </a:ln>
+        </p:spPr>
+        <p:style>
+          <a:lnRef idx="0"/>
+          <a:fillRef idx="0"/>
+          <a:effectRef idx="0"/>
+          <a:fontRef idx="minor"/>
+        </p:style>
+        <p:txBody>
+          <a:bodyPr lIns="90000" rIns="90000" tIns="91440" bIns="91440" anchor="ctr">
+            <a:noAutofit/>
+          </a:bodyPr>
+          <a:p>
+            <a:pPr algn="r">
+              <a:lnSpc>
+                <a:spcPct val="100000"/>
+              </a:lnSpc>
+              <a:tabLst>
+                <a:tab algn="l" pos="0"/>
+              </a:tabLst>
+            </a:pPr>
+            <a:fld id="{8259B316-F9A0-4DFB-B0DB-487DE96818A5}" type="slidenum">
+              <a:rPr b="1" lang="en" sz="1300" spc="-1" strike="noStrike">
+                <a:solidFill>
+                  <a:srgbClr val="000000"/>
+                </a:solidFill>
+                <a:latin typeface="Work Sans"/>
+                <a:ea typeface="Work Sans"/>
+              </a:rPr>
+              <a:t>&lt;number&gt;</a:t>
+            </a:fld>
+            <a:endParaRPr b="0" lang="en-US" sz="1300" spc="-1" strike="noStrike">
+              <a:latin typeface="Arial"/>
+            </a:endParaRPr>
+          </a:p>
+        </p:txBody>
+      </p:sp>
+      <p:sp>
+        <p:nvSpPr>
+          <p:cNvPr id="284" name="CustomShape 3"/>
+          <p:cNvSpPr/>
+          <p:nvPr/>
+        </p:nvSpPr>
+        <p:spPr>
+          <a:xfrm>
+            <a:off x="1519200" y="1570680"/>
+            <a:ext cx="5738040" cy="1873800"/>
+          </a:xfrm>
+          <a:prstGeom prst="rect">
+            <a:avLst/>
+          </a:prstGeom>
+          <a:noFill/>
+          <a:ln>
+            <a:noFill/>
+          </a:ln>
+        </p:spPr>
+        <p:style>
+          <a:lnRef idx="0"/>
+          <a:fillRef idx="0"/>
+          <a:effectRef idx="0"/>
+          <a:fontRef idx="minor"/>
+        </p:style>
+        <p:txBody>
+          <a:bodyPr lIns="90000" rIns="90000" tIns="91440" bIns="91440">
+            <a:noAutofit/>
+          </a:bodyPr>
+          <a:p>
+            <a:pPr marL="457200" indent="-323640">
+              <a:lnSpc>
+                <a:spcPct val="100000"/>
+              </a:lnSpc>
+              <a:spcBef>
+                <a:spcPts val="601"/>
+              </a:spcBef>
+              <a:buClr>
+                <a:srgbClr val="000000"/>
+              </a:buClr>
+              <a:buFont typeface="Work Sans Regular"/>
+              <a:buChar char="▪"/>
+            </a:pPr>
+            <a:r>
+              <a:rPr b="0" lang="en-US" sz="1600" spc="-1" strike="noStrike">
+                <a:solidFill>
+                  <a:srgbClr val="000000"/>
+                </a:solidFill>
+                <a:latin typeface="Work Sans Regular"/>
+                <a:ea typeface="Work Sans Regular"/>
+              </a:rPr>
+              <a:t>Computational Storage Drive</a:t>
+            </a:r>
+            <a:endParaRPr b="0" lang="en-US" sz="1600" spc="-1" strike="noStrike">
+              <a:latin typeface="Arial"/>
+            </a:endParaRPr>
+          </a:p>
+          <a:p>
+            <a:pPr marL="457200" indent="-323640">
+              <a:lnSpc>
+                <a:spcPct val="100000"/>
+              </a:lnSpc>
+              <a:spcBef>
+                <a:spcPts val="601"/>
+              </a:spcBef>
+              <a:buClr>
+                <a:srgbClr val="000000"/>
+              </a:buClr>
+              <a:buFont typeface="Work Sans Regular"/>
+              <a:buChar char="▪"/>
+            </a:pPr>
+            <a:r>
+              <a:rPr b="0" lang="en-US" sz="1600" spc="-1" strike="noStrike">
+                <a:solidFill>
+                  <a:srgbClr val="000000"/>
+                </a:solidFill>
+                <a:latin typeface="Work Sans Regular"/>
+                <a:ea typeface="Work Sans Regular"/>
+              </a:rPr>
+              <a:t>SSD With Tiny CPU</a:t>
+            </a:r>
+            <a:endParaRPr b="0" lang="en-US" sz="1600" spc="-1" strike="noStrike">
+              <a:latin typeface="Arial"/>
+            </a:endParaRPr>
+          </a:p>
+          <a:p>
+            <a:pPr marL="457200" indent="-323640">
+              <a:lnSpc>
+                <a:spcPct val="100000"/>
+              </a:lnSpc>
+              <a:spcBef>
+                <a:spcPts val="601"/>
+              </a:spcBef>
+              <a:buClr>
+                <a:srgbClr val="000000"/>
+              </a:buClr>
+              <a:buFont typeface="Work Sans Regular"/>
+              <a:buChar char="▪"/>
+            </a:pPr>
+            <a:r>
+              <a:rPr b="0" lang="en-US" sz="1600" spc="-1" strike="noStrike">
+                <a:solidFill>
+                  <a:srgbClr val="000000"/>
+                </a:solidFill>
+                <a:latin typeface="Work Sans Regular"/>
+                <a:ea typeface="Work Sans Regular"/>
+              </a:rPr>
+              <a:t>Newport CSD</a:t>
+            </a:r>
+            <a:endParaRPr b="0" lang="en-US" sz="1600" spc="-1" strike="noStrike">
+              <a:latin typeface="Arial"/>
+            </a:endParaRPr>
+          </a:p>
+          <a:p>
+            <a:pPr>
+              <a:lnSpc>
+                <a:spcPct val="100000"/>
+              </a:lnSpc>
+              <a:spcBef>
+                <a:spcPts val="601"/>
+              </a:spcBef>
+            </a:pPr>
+            <a:endParaRPr b="0" lang="en-US" sz="1600" spc="-1" strike="noStrike">
+              <a:latin typeface="Arial"/>
+            </a:endParaRPr>
+          </a:p>
+        </p:txBody>
+      </p:sp>
+    </p:spTree>
+  </p:cSld>
+  <mc:AlternateContent>
+    <mc:Choice Requires="p14">
+      <p:transition spd="slow" p14:dur="2000"/>
+    </mc:Choice>
+    <mc:Fallback>
+      <p:transition spd="slow"/>
+    </mc:Fallback>
+  </mc:AlternateContent>
+</p:sld>
+</file>
+
+<file path=ppt/slides/slide35.xml><?xml version="1.0" encoding="utf-8"?>
+<p:sld xmlns:a="http://schemas.openxmlformats.org/drawingml/2006/main" xmlns:p="http://schemas.openxmlformats.org/presentationml/2006/main" xmlns:r="http://schemas.openxmlformats.org/officeDocument/2006/relationships" xmlns:p14="http://schemas.microsoft.com/office/powerpoint/2010/main" xmlns:p15="http://schemas.microsoft.com/office/powerpoint/2012/main" xmlns:mc="http://schemas.openxmlformats.org/markup-compatibility/2006">
+  <p:cSld>
+    <p:spTree>
+      <p:nvGrpSpPr>
+        <p:cNvPr id="1" name=""/>
+        <p:cNvGrpSpPr/>
+        <p:nvPr/>
+      </p:nvGrpSpPr>
+      <p:grpSpPr>
+        <a:xfrm>
+          <a:off x="0" y="0"/>
+          <a:ext cx="0" cy="0"/>
+          <a:chOff x="0" y="0"/>
+          <a:chExt cx="0" cy="0"/>
+        </a:xfrm>
+      </p:grpSpPr>
+      <p:sp>
+        <p:nvSpPr>
+          <p:cNvPr id="285" name="CustomShape 1"/>
+          <p:cNvSpPr/>
+          <p:nvPr/>
+        </p:nvSpPr>
+        <p:spPr>
+          <a:xfrm>
+            <a:off x="1035000" y="759240"/>
+            <a:ext cx="7283880" cy="459720"/>
+          </a:xfrm>
+          <a:prstGeom prst="rect">
+            <a:avLst/>
+          </a:prstGeom>
+          <a:noFill/>
+          <a:ln>
+            <a:noFill/>
+          </a:ln>
+        </p:spPr>
+        <p:style>
+          <a:lnRef idx="0"/>
+          <a:fillRef idx="0"/>
+          <a:effectRef idx="0"/>
+          <a:fontRef idx="minor"/>
+        </p:style>
+        <p:txBody>
+          <a:bodyPr lIns="90000" rIns="90000" tIns="91440" bIns="91440" anchor="b">
+            <a:noAutofit/>
+          </a:bodyPr>
+          <a:p>
+            <a:pPr>
+              <a:lnSpc>
+                <a:spcPct val="100000"/>
+              </a:lnSpc>
+              <a:tabLst>
+                <a:tab algn="l" pos="0"/>
+              </a:tabLst>
+            </a:pPr>
+            <a:r>
+              <a:rPr b="1" lang="en-US" sz="3000" spc="-1" strike="noStrike">
+                <a:solidFill>
+                  <a:srgbClr val="000000"/>
+                </a:solidFill>
+                <a:latin typeface="Work Sans"/>
+                <a:ea typeface="Work Sans"/>
+              </a:rPr>
+              <a:t>Related Topic 4: CSD-Conscious</a:t>
+            </a:r>
+            <a:r>
+              <a:rPr b="1" lang="en-US" sz="4000" spc="-1" strike="noStrike">
+                <a:solidFill>
+                  <a:srgbClr val="000000"/>
+                </a:solidFill>
+                <a:latin typeface="Work Sans"/>
+                <a:ea typeface="Work Sans"/>
+              </a:rPr>
+              <a:t> </a:t>
+            </a:r>
+            <a:endParaRPr b="0" lang="en-US" sz="4000" spc="-1" strike="noStrike">
+              <a:latin typeface="Arial"/>
+            </a:endParaRPr>
+          </a:p>
+        </p:txBody>
+      </p:sp>
+      <p:sp>
+        <p:nvSpPr>
+          <p:cNvPr id="286" name="CustomShape 2"/>
+          <p:cNvSpPr/>
+          <p:nvPr/>
+        </p:nvSpPr>
+        <p:spPr>
+          <a:xfrm>
+            <a:off x="8159400" y="4393440"/>
+            <a:ext cx="542160" cy="387000"/>
+          </a:xfrm>
+          <a:prstGeom prst="rect">
+            <a:avLst/>
+          </a:prstGeom>
+          <a:noFill/>
+          <a:ln>
+            <a:noFill/>
+          </a:ln>
+        </p:spPr>
+        <p:style>
+          <a:lnRef idx="0"/>
+          <a:fillRef idx="0"/>
+          <a:effectRef idx="0"/>
+          <a:fontRef idx="minor"/>
+        </p:style>
+        <p:txBody>
+          <a:bodyPr lIns="90000" rIns="90000" tIns="91440" bIns="91440" anchor="ctr">
+            <a:noAutofit/>
+          </a:bodyPr>
+          <a:p>
+            <a:pPr algn="r">
+              <a:lnSpc>
+                <a:spcPct val="100000"/>
+              </a:lnSpc>
+              <a:tabLst>
+                <a:tab algn="l" pos="0"/>
+              </a:tabLst>
+            </a:pPr>
+            <a:fld id="{F9D068FE-D310-431E-9598-03A4BC825A86}" type="slidenum">
+              <a:rPr b="1" lang="en" sz="1300" spc="-1" strike="noStrike">
+                <a:solidFill>
+                  <a:srgbClr val="000000"/>
+                </a:solidFill>
+                <a:latin typeface="Work Sans"/>
+                <a:ea typeface="Work Sans"/>
+              </a:rPr>
+              <a:t>&lt;number&gt;</a:t>
+            </a:fld>
+            <a:endParaRPr b="0" lang="en-US" sz="1300" spc="-1" strike="noStrike">
+              <a:latin typeface="Arial"/>
+            </a:endParaRPr>
+          </a:p>
+        </p:txBody>
+      </p:sp>
+      <p:pic>
+        <p:nvPicPr>
+          <p:cNvPr id="287" name="" descr=""/>
+          <p:cNvPicPr/>
+          <p:nvPr/>
+        </p:nvPicPr>
+        <p:blipFill>
+          <a:blip r:embed="rId1"/>
+          <a:stretch/>
+        </p:blipFill>
+        <p:spPr>
+          <a:xfrm>
+            <a:off x="1764720" y="1371600"/>
+            <a:ext cx="5822640" cy="3129120"/>
+          </a:xfrm>
+          <a:prstGeom prst="rect">
+            <a:avLst/>
+          </a:prstGeom>
+          <a:ln>
+            <a:noFill/>
+          </a:ln>
+        </p:spPr>
+      </p:pic>
+    </p:spTree>
+  </p:cSld>
+  <mc:AlternateContent>
+    <mc:Choice Requires="p14">
+      <p:transition spd="slow" p14:dur="2000"/>
+    </mc:Choice>
+    <mc:Fallback>
+      <p:transition spd="slow"/>
+    </mc:Fallback>
+  </mc:AlternateContent>
+</p:sld>
+</file>
+
+<file path=ppt/slides/slide36.xml><?xml version="1.0" encoding="utf-8"?>
+<p:sld xmlns:a="http://schemas.openxmlformats.org/drawingml/2006/main" xmlns:p="http://schemas.openxmlformats.org/presentationml/2006/main" xmlns:r="http://schemas.openxmlformats.org/officeDocument/2006/relationships" xmlns:p14="http://schemas.microsoft.com/office/powerpoint/2010/main" xmlns:p15="http://schemas.microsoft.com/office/powerpoint/2012/main" xmlns:mc="http://schemas.openxmlformats.org/markup-compatibility/2006">
+  <p:cSld>
+    <p:spTree>
+      <p:nvGrpSpPr>
+        <p:cNvPr id="1" name=""/>
+        <p:cNvGrpSpPr/>
+        <p:nvPr/>
+      </p:nvGrpSpPr>
+      <p:grpSpPr>
+        <a:xfrm>
+          <a:off x="0" y="0"/>
+          <a:ext cx="0" cy="0"/>
+          <a:chOff x="0" y="0"/>
+          <a:chExt cx="0" cy="0"/>
+        </a:xfrm>
+      </p:grpSpPr>
+      <p:sp>
+        <p:nvSpPr>
+          <p:cNvPr id="288" name="CustomShape 1"/>
+          <p:cNvSpPr/>
+          <p:nvPr/>
+        </p:nvSpPr>
+        <p:spPr>
+          <a:xfrm>
+            <a:off x="1035000" y="759240"/>
+            <a:ext cx="7283880" cy="459720"/>
+          </a:xfrm>
+          <a:prstGeom prst="rect">
+            <a:avLst/>
+          </a:prstGeom>
+          <a:noFill/>
+          <a:ln>
+            <a:noFill/>
+          </a:ln>
+        </p:spPr>
+        <p:style>
+          <a:lnRef idx="0"/>
+          <a:fillRef idx="0"/>
+          <a:effectRef idx="0"/>
+          <a:fontRef idx="minor"/>
+        </p:style>
+        <p:txBody>
+          <a:bodyPr lIns="90000" rIns="90000" tIns="91440" bIns="91440" anchor="b">
+            <a:noAutofit/>
+          </a:bodyPr>
+          <a:p>
+            <a:pPr>
+              <a:lnSpc>
+                <a:spcPct val="100000"/>
+              </a:lnSpc>
+              <a:tabLst>
+                <a:tab algn="l" pos="0"/>
+              </a:tabLst>
+            </a:pPr>
+            <a:r>
+              <a:rPr b="1" lang="en-US" sz="3000" spc="-1" strike="noStrike">
+                <a:solidFill>
+                  <a:srgbClr val="000000"/>
+                </a:solidFill>
+                <a:latin typeface="Work Sans"/>
+                <a:ea typeface="Work Sans"/>
+              </a:rPr>
+              <a:t>Related Topic 4: CSD-Conscious</a:t>
+            </a:r>
+            <a:r>
+              <a:rPr b="1" lang="en-US" sz="4000" spc="-1" strike="noStrike">
+                <a:solidFill>
+                  <a:srgbClr val="000000"/>
+                </a:solidFill>
+                <a:latin typeface="Work Sans"/>
+                <a:ea typeface="Work Sans"/>
+              </a:rPr>
+              <a:t> </a:t>
+            </a:r>
+            <a:endParaRPr b="0" lang="en-US" sz="4000" spc="-1" strike="noStrike">
+              <a:latin typeface="Arial"/>
+            </a:endParaRPr>
+          </a:p>
+        </p:txBody>
+      </p:sp>
+      <p:sp>
+        <p:nvSpPr>
+          <p:cNvPr id="289" name="CustomShape 2"/>
+          <p:cNvSpPr/>
+          <p:nvPr/>
+        </p:nvSpPr>
+        <p:spPr>
+          <a:xfrm>
+            <a:off x="8159400" y="4393440"/>
+            <a:ext cx="542160" cy="387000"/>
+          </a:xfrm>
+          <a:prstGeom prst="rect">
+            <a:avLst/>
+          </a:prstGeom>
+          <a:noFill/>
+          <a:ln>
+            <a:noFill/>
+          </a:ln>
+        </p:spPr>
+        <p:style>
+          <a:lnRef idx="0"/>
+          <a:fillRef idx="0"/>
+          <a:effectRef idx="0"/>
+          <a:fontRef idx="minor"/>
+        </p:style>
+        <p:txBody>
+          <a:bodyPr lIns="90000" rIns="90000" tIns="91440" bIns="91440" anchor="ctr">
+            <a:noAutofit/>
+          </a:bodyPr>
+          <a:p>
+            <a:pPr algn="r">
+              <a:lnSpc>
+                <a:spcPct val="100000"/>
+              </a:lnSpc>
+              <a:tabLst>
+                <a:tab algn="l" pos="0"/>
+              </a:tabLst>
+            </a:pPr>
+            <a:fld id="{DF7E2302-BF9F-4E68-A6BD-56AE61203E6B}" type="slidenum">
+              <a:rPr b="1" lang="en" sz="1300" spc="-1" strike="noStrike">
+                <a:solidFill>
+                  <a:srgbClr val="000000"/>
+                </a:solidFill>
+                <a:latin typeface="Work Sans"/>
+                <a:ea typeface="Work Sans"/>
+              </a:rPr>
+              <a:t>&lt;number&gt;</a:t>
+            </a:fld>
+            <a:endParaRPr b="0" lang="en-US" sz="1300" spc="-1" strike="noStrike">
+              <a:latin typeface="Arial"/>
+            </a:endParaRPr>
+          </a:p>
+        </p:txBody>
+      </p:sp>
+      <p:sp>
+        <p:nvSpPr>
+          <p:cNvPr id="290" name="CustomShape 3"/>
+          <p:cNvSpPr/>
+          <p:nvPr/>
+        </p:nvSpPr>
+        <p:spPr>
+          <a:xfrm>
+            <a:off x="1519200" y="1570680"/>
+            <a:ext cx="5738040" cy="1873800"/>
+          </a:xfrm>
+          <a:prstGeom prst="rect">
+            <a:avLst/>
+          </a:prstGeom>
+          <a:noFill/>
+          <a:ln>
+            <a:noFill/>
+          </a:ln>
+        </p:spPr>
+        <p:style>
+          <a:lnRef idx="0"/>
+          <a:fillRef idx="0"/>
+          <a:effectRef idx="0"/>
+          <a:fontRef idx="minor"/>
+        </p:style>
+        <p:txBody>
+          <a:bodyPr lIns="90000" rIns="90000" tIns="91440" bIns="91440">
+            <a:noAutofit/>
+          </a:bodyPr>
+          <a:p>
+            <a:pPr marL="457200" indent="-323640">
+              <a:lnSpc>
+                <a:spcPct val="100000"/>
+              </a:lnSpc>
+              <a:spcBef>
+                <a:spcPts val="601"/>
+              </a:spcBef>
+              <a:buClr>
+                <a:srgbClr val="000000"/>
+              </a:buClr>
+              <a:buFont typeface="Work Sans Regular"/>
+              <a:buChar char="▪"/>
+            </a:pPr>
+            <a:r>
+              <a:rPr b="0" lang="en-US" sz="1600" spc="-1" strike="noStrike">
+                <a:solidFill>
+                  <a:srgbClr val="000000"/>
+                </a:solidFill>
+                <a:latin typeface="Work Sans Regular"/>
+                <a:ea typeface="Work Sans Regular"/>
+              </a:rPr>
+              <a:t>Read/Write at Host</a:t>
+            </a:r>
+            <a:endParaRPr b="0" lang="en-US" sz="1600" spc="-1" strike="noStrike">
+              <a:latin typeface="Arial"/>
+            </a:endParaRPr>
+          </a:p>
+          <a:p>
+            <a:pPr marL="457200" indent="-323640">
+              <a:lnSpc>
+                <a:spcPct val="100000"/>
+              </a:lnSpc>
+              <a:spcBef>
+                <a:spcPts val="601"/>
+              </a:spcBef>
+              <a:buClr>
+                <a:srgbClr val="000000"/>
+              </a:buClr>
+              <a:buFont typeface="Work Sans Regular"/>
+              <a:buChar char="▪"/>
+            </a:pPr>
+            <a:r>
+              <a:rPr b="0" lang="en-US" sz="1600" spc="-1" strike="noStrike">
+                <a:solidFill>
+                  <a:srgbClr val="000000"/>
+                </a:solidFill>
+                <a:latin typeface="Work Sans Regular"/>
+                <a:ea typeface="Work Sans Regular"/>
+              </a:rPr>
+              <a:t>Compaction at CSD : alleviate I/O Bandwidth</a:t>
+            </a:r>
+            <a:endParaRPr b="0" lang="en-US" sz="1600" spc="-1" strike="noStrike">
+              <a:latin typeface="Arial"/>
+            </a:endParaRPr>
+          </a:p>
+          <a:p>
+            <a:pPr marL="457200" indent="-323640">
+              <a:lnSpc>
+                <a:spcPct val="100000"/>
+              </a:lnSpc>
+              <a:spcBef>
+                <a:spcPts val="601"/>
+              </a:spcBef>
+              <a:buClr>
+                <a:srgbClr val="000000"/>
+              </a:buClr>
+              <a:buFont typeface="Work Sans Regular"/>
+              <a:buChar char="▪"/>
+            </a:pPr>
+            <a:r>
+              <a:rPr b="0" lang="en-US" sz="1600" spc="-1" strike="noStrike">
+                <a:solidFill>
+                  <a:srgbClr val="000000"/>
+                </a:solidFill>
+                <a:latin typeface="Work Sans Regular"/>
+                <a:ea typeface="Work Sans Regular"/>
+              </a:rPr>
+              <a:t>I/O Bandwidth is limited resource </a:t>
+            </a:r>
+            <a:endParaRPr b="0" lang="en-US" sz="1600" spc="-1" strike="noStrike">
+              <a:latin typeface="Arial"/>
+            </a:endParaRPr>
+          </a:p>
+          <a:p>
+            <a:pPr marL="457200" indent="-323640">
+              <a:lnSpc>
+                <a:spcPct val="100000"/>
+              </a:lnSpc>
+              <a:spcBef>
+                <a:spcPts val="601"/>
+              </a:spcBef>
+              <a:buClr>
+                <a:srgbClr val="000000"/>
+              </a:buClr>
+              <a:buFont typeface="Work Sans Regular"/>
+              <a:buChar char="▪"/>
+            </a:pPr>
+            <a:r>
+              <a:rPr b="0" lang="en-US" sz="1600" spc="-1" strike="noStrike">
+                <a:solidFill>
+                  <a:srgbClr val="000000"/>
+                </a:solidFill>
+                <a:latin typeface="Work Sans Regular"/>
+                <a:ea typeface="Work Sans Regular"/>
+              </a:rPr>
+              <a:t>Asyncronous Compaction : Write – optimized</a:t>
+            </a:r>
+            <a:endParaRPr b="0" lang="en-US" sz="1600" spc="-1" strike="noStrike">
+              <a:latin typeface="Arial"/>
+            </a:endParaRPr>
+          </a:p>
+          <a:p>
+            <a:pPr marL="457200" indent="-323640">
+              <a:lnSpc>
+                <a:spcPct val="100000"/>
+              </a:lnSpc>
+              <a:spcBef>
+                <a:spcPts val="601"/>
+              </a:spcBef>
+              <a:buClr>
+                <a:srgbClr val="000000"/>
+              </a:buClr>
+              <a:buFont typeface="Work Sans Regular"/>
+              <a:buChar char="▪"/>
+            </a:pPr>
+            <a:r>
+              <a:rPr b="0" lang="en-US" sz="1600" spc="-1" strike="noStrike">
+                <a:solidFill>
+                  <a:srgbClr val="000000"/>
+                </a:solidFill>
+                <a:latin typeface="Work Sans Regular"/>
+                <a:ea typeface="Work Sans Regular"/>
+              </a:rPr>
+              <a:t>Frequent Write, less Read</a:t>
+            </a:r>
+            <a:endParaRPr b="0" lang="en-US" sz="1600" spc="-1" strike="noStrike">
+              <a:latin typeface="Arial"/>
+            </a:endParaRPr>
+          </a:p>
+          <a:p>
+            <a:pPr marL="457200" indent="-323640">
+              <a:lnSpc>
+                <a:spcPct val="100000"/>
+              </a:lnSpc>
+              <a:spcBef>
+                <a:spcPts val="601"/>
+              </a:spcBef>
+              <a:buClr>
+                <a:srgbClr val="000000"/>
+              </a:buClr>
+              <a:buFont typeface="Work Sans Regular"/>
+              <a:buChar char="▪"/>
+            </a:pPr>
+            <a:r>
+              <a:rPr b="0" lang="en-US" sz="1600" spc="-1" strike="noStrike">
+                <a:solidFill>
+                  <a:srgbClr val="000000"/>
+                </a:solidFill>
+                <a:latin typeface="Work Sans Regular"/>
+                <a:ea typeface="Work Sans Regular"/>
+              </a:rPr>
+              <a:t>Block Chain</a:t>
+            </a:r>
+            <a:endParaRPr b="0" lang="en-US" sz="1600" spc="-1" strike="noStrike">
+              <a:latin typeface="Arial"/>
+            </a:endParaRPr>
+          </a:p>
+          <a:p>
+            <a:pPr>
+              <a:lnSpc>
+                <a:spcPct val="100000"/>
+              </a:lnSpc>
+              <a:spcBef>
+                <a:spcPts val="601"/>
+              </a:spcBef>
+            </a:pPr>
+            <a:endParaRPr b="0" lang="en-US" sz="1600" spc="-1" strike="noStrike">
+              <a:latin typeface="Arial"/>
+            </a:endParaRPr>
+          </a:p>
+        </p:txBody>
+      </p:sp>
+    </p:spTree>
+  </p:cSld>
+  <mc:AlternateContent>
+    <mc:Choice Requires="p14">
+      <p:transition spd="slow" p14:dur="2000"/>
+    </mc:Choice>
+    <mc:Fallback>
+      <p:transition spd="slow"/>
+    </mc:Fallback>
+  </mc:AlternateContent>
+</p:sld>
+</file>
+
+<file path=ppt/slides/slide37.xml><?xml version="1.0" encoding="utf-8"?>
+<p:sld xmlns:a="http://schemas.openxmlformats.org/drawingml/2006/main" xmlns:p="http://schemas.openxmlformats.org/presentationml/2006/main" xmlns:r="http://schemas.openxmlformats.org/officeDocument/2006/relationships" xmlns:p14="http://schemas.microsoft.com/office/powerpoint/2010/main" xmlns:p15="http://schemas.microsoft.com/office/powerpoint/2012/main" xmlns:mc="http://schemas.openxmlformats.org/markup-compatibility/2006">
+  <p:cSld>
+    <p:spTree>
+      <p:nvGrpSpPr>
+        <p:cNvPr id="1" name=""/>
+        <p:cNvGrpSpPr/>
+        <p:nvPr/>
+      </p:nvGrpSpPr>
+      <p:grpSpPr>
+        <a:xfrm>
+          <a:off x="0" y="0"/>
+          <a:ext cx="0" cy="0"/>
+          <a:chOff x="0" y="0"/>
+          <a:chExt cx="0" cy="0"/>
+        </a:xfrm>
+      </p:grpSpPr>
+      <p:sp>
+        <p:nvSpPr>
+          <p:cNvPr id="291" name="CustomShape 1"/>
+          <p:cNvSpPr/>
+          <p:nvPr/>
+        </p:nvSpPr>
+        <p:spPr>
+          <a:xfrm>
+            <a:off x="1035000" y="759240"/>
+            <a:ext cx="7283880" cy="459720"/>
+          </a:xfrm>
+          <a:prstGeom prst="rect">
+            <a:avLst/>
+          </a:prstGeom>
+          <a:noFill/>
+          <a:ln>
+            <a:noFill/>
+          </a:ln>
+        </p:spPr>
+        <p:style>
+          <a:lnRef idx="0"/>
+          <a:fillRef idx="0"/>
+          <a:effectRef idx="0"/>
+          <a:fontRef idx="minor"/>
+        </p:style>
+        <p:txBody>
+          <a:bodyPr lIns="90000" rIns="90000" tIns="91440" bIns="91440" anchor="b">
+            <a:noAutofit/>
+          </a:bodyPr>
+          <a:p>
+            <a:pPr>
+              <a:lnSpc>
+                <a:spcPct val="100000"/>
+              </a:lnSpc>
+              <a:tabLst>
+                <a:tab algn="l" pos="0"/>
+              </a:tabLst>
+            </a:pPr>
+            <a:r>
+              <a:rPr b="1" lang="en-US" sz="3000" spc="-1" strike="noStrike">
+                <a:solidFill>
+                  <a:srgbClr val="000000"/>
+                </a:solidFill>
+                <a:latin typeface="Work Sans"/>
+                <a:ea typeface="Work Sans"/>
+              </a:rPr>
+              <a:t>Related Topic 4: CSD-Conscious</a:t>
+            </a:r>
+            <a:r>
+              <a:rPr b="1" lang="en-US" sz="4000" spc="-1" strike="noStrike">
+                <a:solidFill>
+                  <a:srgbClr val="000000"/>
+                </a:solidFill>
+                <a:latin typeface="Work Sans"/>
+                <a:ea typeface="Work Sans"/>
+              </a:rPr>
+              <a:t> </a:t>
+            </a:r>
+            <a:endParaRPr b="0" lang="en-US" sz="4000" spc="-1" strike="noStrike">
+              <a:latin typeface="Arial"/>
+            </a:endParaRPr>
+          </a:p>
+        </p:txBody>
+      </p:sp>
+      <p:sp>
+        <p:nvSpPr>
+          <p:cNvPr id="292" name="CustomShape 2"/>
+          <p:cNvSpPr/>
+          <p:nvPr/>
+        </p:nvSpPr>
+        <p:spPr>
+          <a:xfrm>
+            <a:off x="8159400" y="4393440"/>
+            <a:ext cx="542160" cy="387000"/>
+          </a:xfrm>
+          <a:prstGeom prst="rect">
+            <a:avLst/>
+          </a:prstGeom>
+          <a:noFill/>
+          <a:ln>
+            <a:noFill/>
+          </a:ln>
+        </p:spPr>
+        <p:style>
+          <a:lnRef idx="0"/>
+          <a:fillRef idx="0"/>
+          <a:effectRef idx="0"/>
+          <a:fontRef idx="minor"/>
+        </p:style>
+        <p:txBody>
+          <a:bodyPr lIns="90000" rIns="90000" tIns="91440" bIns="91440" anchor="ctr">
+            <a:noAutofit/>
+          </a:bodyPr>
+          <a:p>
+            <a:pPr algn="r">
+              <a:lnSpc>
+                <a:spcPct val="100000"/>
+              </a:lnSpc>
+              <a:tabLst>
+                <a:tab algn="l" pos="0"/>
+              </a:tabLst>
+            </a:pPr>
+            <a:fld id="{084A9AA6-B068-4C0C-98CB-AB4867690C9B}" type="slidenum">
+              <a:rPr b="1" lang="en" sz="1300" spc="-1" strike="noStrike">
+                <a:solidFill>
+                  <a:srgbClr val="000000"/>
+                </a:solidFill>
+                <a:latin typeface="Work Sans"/>
+                <a:ea typeface="Work Sans"/>
+              </a:rPr>
+              <a:t>&lt;number&gt;</a:t>
+            </a:fld>
+            <a:endParaRPr b="0" lang="en-US" sz="1300" spc="-1" strike="noStrike">
+              <a:latin typeface="Arial"/>
+            </a:endParaRPr>
+          </a:p>
+        </p:txBody>
+      </p:sp>
+      <p:pic>
+        <p:nvPicPr>
+          <p:cNvPr id="293" name="" descr=""/>
+          <p:cNvPicPr/>
+          <p:nvPr/>
+        </p:nvPicPr>
+        <p:blipFill>
+          <a:blip r:embed="rId1"/>
+          <a:stretch/>
+        </p:blipFill>
+        <p:spPr>
+          <a:xfrm>
+            <a:off x="1490040" y="1138680"/>
+            <a:ext cx="6188760" cy="3431160"/>
+          </a:xfrm>
+          <a:prstGeom prst="rect">
+            <a:avLst/>
+          </a:prstGeom>
+          <a:ln>
+            <a:noFill/>
+          </a:ln>
+        </p:spPr>
+      </p:pic>
+    </p:spTree>
+  </p:cSld>
+  <mc:AlternateContent>
+    <mc:Choice Requires="p14">
+      <p:transition spd="slow" p14:dur="2000"/>
+    </mc:Choice>
+    <mc:Fallback>
+      <p:transition spd="slow"/>
+    </mc:Fallback>
+  </mc:AlternateContent>
+</p:sld>
+</file>
+
+<file path=ppt/slides/slide38.xml><?xml version="1.0" encoding="utf-8"?>
+<p:sld xmlns:a="http://schemas.openxmlformats.org/drawingml/2006/main" xmlns:p="http://schemas.openxmlformats.org/presentationml/2006/main" xmlns:r="http://schemas.openxmlformats.org/officeDocument/2006/relationships" xmlns:p14="http://schemas.microsoft.com/office/powerpoint/2010/main" xmlns:p15="http://schemas.microsoft.com/office/powerpoint/2012/main" xmlns:mc="http://schemas.openxmlformats.org/markup-compatibility/2006">
+  <p:cSld>
+    <p:spTree>
+      <p:nvGrpSpPr>
+        <p:cNvPr id="1" name=""/>
+        <p:cNvGrpSpPr/>
+        <p:nvPr/>
+      </p:nvGrpSpPr>
+      <p:grpSpPr>
+        <a:xfrm>
+          <a:off x="0" y="0"/>
+          <a:ext cx="0" cy="0"/>
+          <a:chOff x="0" y="0"/>
+          <a:chExt cx="0" cy="0"/>
+        </a:xfrm>
+      </p:grpSpPr>
+      <p:sp>
+        <p:nvSpPr>
+          <p:cNvPr id="294" name="CustomShape 1"/>
+          <p:cNvSpPr/>
+          <p:nvPr/>
+        </p:nvSpPr>
+        <p:spPr>
+          <a:xfrm>
+            <a:off x="1035000" y="759240"/>
+            <a:ext cx="7283880" cy="459720"/>
+          </a:xfrm>
+          <a:prstGeom prst="rect">
+            <a:avLst/>
+          </a:prstGeom>
+          <a:noFill/>
+          <a:ln>
+            <a:noFill/>
+          </a:ln>
+        </p:spPr>
+        <p:style>
+          <a:lnRef idx="0"/>
+          <a:fillRef idx="0"/>
+          <a:effectRef idx="0"/>
+          <a:fontRef idx="minor"/>
+        </p:style>
+        <p:txBody>
+          <a:bodyPr lIns="90000" rIns="90000" tIns="91440" bIns="91440" anchor="b">
+            <a:noAutofit/>
+          </a:bodyPr>
+          <a:p>
+            <a:pPr>
+              <a:lnSpc>
+                <a:spcPct val="100000"/>
+              </a:lnSpc>
+              <a:tabLst>
+                <a:tab algn="l" pos="0"/>
+              </a:tabLst>
+            </a:pPr>
+            <a:r>
+              <a:rPr b="1" lang="en-US" sz="3000" spc="-1" strike="noStrike">
+                <a:solidFill>
+                  <a:srgbClr val="000000"/>
+                </a:solidFill>
+                <a:latin typeface="Work Sans"/>
+                <a:ea typeface="Work Sans"/>
+              </a:rPr>
+              <a:t>Related Topic 4: CSD-Conscious</a:t>
+            </a:r>
+            <a:r>
+              <a:rPr b="1" lang="en-US" sz="4000" spc="-1" strike="noStrike">
+                <a:solidFill>
+                  <a:srgbClr val="000000"/>
+                </a:solidFill>
+                <a:latin typeface="Work Sans"/>
+                <a:ea typeface="Work Sans"/>
+              </a:rPr>
+              <a:t> </a:t>
+            </a:r>
+            <a:endParaRPr b="0" lang="en-US" sz="4000" spc="-1" strike="noStrike">
+              <a:latin typeface="Arial"/>
+            </a:endParaRPr>
+          </a:p>
+        </p:txBody>
+      </p:sp>
+      <p:sp>
+        <p:nvSpPr>
+          <p:cNvPr id="295" name="CustomShape 2"/>
+          <p:cNvSpPr/>
+          <p:nvPr/>
+        </p:nvSpPr>
+        <p:spPr>
+          <a:xfrm>
+            <a:off x="8159400" y="4393440"/>
+            <a:ext cx="542160" cy="387000"/>
+          </a:xfrm>
+          <a:prstGeom prst="rect">
+            <a:avLst/>
+          </a:prstGeom>
+          <a:noFill/>
+          <a:ln>
+            <a:noFill/>
+          </a:ln>
+        </p:spPr>
+        <p:style>
+          <a:lnRef idx="0"/>
+          <a:fillRef idx="0"/>
+          <a:effectRef idx="0"/>
+          <a:fontRef idx="minor"/>
+        </p:style>
+        <p:txBody>
+          <a:bodyPr lIns="90000" rIns="90000" tIns="91440" bIns="91440" anchor="ctr">
+            <a:noAutofit/>
+          </a:bodyPr>
+          <a:p>
+            <a:pPr algn="r">
+              <a:lnSpc>
+                <a:spcPct val="100000"/>
+              </a:lnSpc>
+              <a:tabLst>
+                <a:tab algn="l" pos="0"/>
+              </a:tabLst>
+            </a:pPr>
+            <a:fld id="{98182816-436A-4052-9F40-E504E65B1FDB}" type="slidenum">
+              <a:rPr b="1" lang="en" sz="1300" spc="-1" strike="noStrike">
+                <a:solidFill>
+                  <a:srgbClr val="000000"/>
+                </a:solidFill>
+                <a:latin typeface="Work Sans"/>
+                <a:ea typeface="Work Sans"/>
+              </a:rPr>
+              <a:t>&lt;number&gt;</a:t>
+            </a:fld>
+            <a:endParaRPr b="0" lang="en-US" sz="1300" spc="-1" strike="noStrike">
+              <a:latin typeface="Arial"/>
+            </a:endParaRPr>
+          </a:p>
+        </p:txBody>
+      </p:sp>
+      <p:pic>
+        <p:nvPicPr>
+          <p:cNvPr id="296" name="" descr=""/>
+          <p:cNvPicPr/>
+          <p:nvPr/>
+        </p:nvPicPr>
+        <p:blipFill>
+          <a:blip r:embed="rId1"/>
+          <a:stretch/>
+        </p:blipFill>
+        <p:spPr>
+          <a:xfrm>
+            <a:off x="2011320" y="1005840"/>
+            <a:ext cx="4753080" cy="3746880"/>
           </a:xfrm>
           <a:prstGeom prst="rect">
             <a:avLst/>
@@ -13031,7 +15166,7 @@
         <p:spPr>
           <a:xfrm>
             <a:off x="1035000" y="759240"/>
-            <a:ext cx="7286040" cy="461880"/>
+            <a:ext cx="7283880" cy="459720"/>
           </a:xfrm>
           <a:prstGeom prst="rect">
             <a:avLst/>
@@ -13085,7 +15220,7 @@
         <p:spPr>
           <a:xfrm>
             <a:off x="8159400" y="4393440"/>
-            <a:ext cx="544320" cy="389160"/>
+            <a:ext cx="542160" cy="387000"/>
           </a:xfrm>
           <a:prstGeom prst="rect">
             <a:avLst/>
@@ -13114,7 +15249,7 @@
                 <a:tab algn="l" pos="0"/>
               </a:tabLst>
             </a:pPr>
-            <a:fld id="{8EF72F2E-C0CE-43E6-8C55-FAC3CDE39B04}" type="slidenum">
+            <a:fld id="{5B62215B-CC13-49B6-B47A-120541A0C202}" type="slidenum">
               <a:rPr b="1" lang="en" sz="1300" spc="-1" strike="noStrike">
                 <a:solidFill>
                   <a:srgbClr val="000000"/>
@@ -13139,7 +15274,7 @@
         <p:spPr>
           <a:xfrm>
             <a:off x="1519200" y="1570680"/>
-            <a:ext cx="5740200" cy="1875960"/>
+            <a:ext cx="5738040" cy="1873800"/>
           </a:xfrm>
           <a:prstGeom prst="rect">
             <a:avLst/>
@@ -13160,7 +15295,7 @@
             <a:noAutofit/>
           </a:bodyPr>
           <a:p>
-            <a:pPr marL="457200" indent="-325800">
+            <a:pPr marL="457200" indent="-323640">
               <a:lnSpc>
                 <a:spcPct val="100000"/>
               </a:lnSpc>
@@ -13188,7 +15323,7 @@
             </a:endParaRPr>
           </a:p>
           <a:p>
-            <a:pPr marL="457200" indent="-325800">
+            <a:pPr marL="457200" indent="-323640">
               <a:lnSpc>
                 <a:spcPct val="100000"/>
               </a:lnSpc>
@@ -13216,7 +15351,7 @@
             </a:endParaRPr>
           </a:p>
           <a:p>
-            <a:pPr marL="457200" indent="-325800">
+            <a:pPr marL="457200" indent="-323640">
               <a:lnSpc>
                 <a:spcPct val="100000"/>
               </a:lnSpc>
@@ -13244,7 +15379,7 @@
             </a:endParaRPr>
           </a:p>
           <a:p>
-            <a:pPr marL="457200" indent="-325800">
+            <a:pPr marL="457200" indent="-323640">
               <a:lnSpc>
                 <a:spcPct val="100000"/>
               </a:lnSpc>
@@ -13265,7 +15400,7 @@
                 <a:latin typeface="Work Sans Regular"/>
                 <a:ea typeface="Work Sans Regular"/>
               </a:rPr>
-              <a:t>Rocksdb(facebook),DynamoDB(Amazon), LevelDB(Google)</a:t>
+              <a:t>Rocksdb(facebook),DynamoDB(Amazon), LevelDB(Google), Berkeley DB</a:t>
             </a:r>
             <a:endParaRPr b="0" lang="en-US" sz="1600" spc="-1" strike="noStrike">
               <a:latin typeface="Arial"/>
@@ -13351,7 +15486,7 @@
         <p:spPr>
           <a:xfrm>
             <a:off x="1035000" y="759240"/>
-            <a:ext cx="7286040" cy="461880"/>
+            <a:ext cx="7283880" cy="459720"/>
           </a:xfrm>
           <a:prstGeom prst="rect">
             <a:avLst/>
@@ -13405,7 +15540,7 @@
         <p:spPr>
           <a:xfrm>
             <a:off x="8159400" y="4393440"/>
-            <a:ext cx="544320" cy="389160"/>
+            <a:ext cx="542160" cy="387000"/>
           </a:xfrm>
           <a:prstGeom prst="rect">
             <a:avLst/>
@@ -13434,7 +15569,7 @@
                 <a:tab algn="l" pos="0"/>
               </a:tabLst>
             </a:pPr>
-            <a:fld id="{3336DF90-B247-4E47-9465-B18196B7DC94}" type="slidenum">
+            <a:fld id="{5F34F1A0-8B2F-46F1-9D06-72C9DB531691}" type="slidenum">
               <a:rPr b="1" lang="en" sz="1300" spc="-1" strike="noStrike">
                 <a:solidFill>
                   <a:srgbClr val="000000"/>
@@ -13459,7 +15594,7 @@
         <p:spPr>
           <a:xfrm>
             <a:off x="4480560" y="1463040"/>
-            <a:ext cx="3837240" cy="2282760"/>
+            <a:ext cx="3835080" cy="2280600"/>
           </a:xfrm>
           <a:prstGeom prst="rect">
             <a:avLst/>
@@ -13571,8 +15706,8 @@
         </p:blipFill>
         <p:spPr>
           <a:xfrm>
-            <a:off x="1316160" y="1573560"/>
-            <a:ext cx="6808320" cy="2720880"/>
+            <a:off x="1748880" y="1084320"/>
+            <a:ext cx="4194720" cy="3579120"/>
           </a:xfrm>
           <a:prstGeom prst="rect">
             <a:avLst/>
@@ -13582,6 +15717,42 @@
           </a:ln>
         </p:spPr>
       </p:pic>
+      <p:sp>
+        <p:nvSpPr>
+          <p:cNvPr id="175" name="TextShape 4"/>
+          <p:cNvSpPr txBox="1"/>
+          <p:nvPr/>
+        </p:nvSpPr>
+        <p:spPr>
+          <a:xfrm>
+            <a:off x="5852160" y="2552040"/>
+            <a:ext cx="2657160" cy="374040"/>
+          </a:xfrm>
+          <a:prstGeom prst="rect">
+            <a:avLst/>
+          </a:prstGeom>
+          <a:noFill/>
+          <a:ln>
+            <a:noFill/>
+          </a:ln>
+        </p:spPr>
+        <p:txBody>
+          <a:bodyPr lIns="90000" rIns="90000" tIns="45000" bIns="45000">
+            <a:noAutofit/>
+          </a:bodyPr>
+          <a:p>
+            <a:r>
+              <a:rPr b="0" lang="en-US" sz="1000" spc="-1" strike="noStrike">
+                <a:latin typeface="Arial"/>
+              </a:rPr>
+              <a:t>SQL vs NoSQL: A Performance Comparison (2017, Ruihan Wang</a:t>
+            </a:r>
+            <a:endParaRPr b="0" lang="en-US" sz="1000" spc="-1" strike="noStrike">
+              <a:latin typeface="Arial"/>
+            </a:endParaRPr>
+          </a:p>
+        </p:txBody>
+      </p:sp>
     </p:spTree>
   </p:cSld>
   <mc:AlternateContent>
@@ -13614,14 +15785,14 @@
       </p:grpSpPr>
       <p:sp>
         <p:nvSpPr>
-          <p:cNvPr id="175" name="CustomShape 1"/>
+          <p:cNvPr id="176" name="CustomShape 1"/>
           <p:cNvSpPr/>
           <p:nvPr/>
         </p:nvSpPr>
         <p:spPr>
           <a:xfrm>
-            <a:off x="1005840" y="2286000"/>
-            <a:ext cx="7286040" cy="461880"/>
+            <a:off x="1035000" y="759240"/>
+            <a:ext cx="7283880" cy="459720"/>
           </a:xfrm>
           <a:prstGeom prst="rect">
             <a:avLst/>
@@ -13658,7 +15829,7 @@
                 <a:latin typeface="Work Sans"/>
                 <a:ea typeface="Work Sans"/>
               </a:rPr>
-              <a:t>CS Review</a:t>
+              <a:t>Why Key-Value Store ?</a:t>
             </a:r>
             <a:endParaRPr b="0" lang="en-US" sz="4000" spc="-1" strike="noStrike">
               <a:latin typeface="Arial"/>
@@ -13668,14 +15839,14 @@
       </p:sp>
       <p:sp>
         <p:nvSpPr>
-          <p:cNvPr id="176" name="CustomShape 2"/>
+          <p:cNvPr id="177" name="CustomShape 2"/>
           <p:cNvSpPr/>
           <p:nvPr/>
         </p:nvSpPr>
         <p:spPr>
           <a:xfrm>
             <a:off x="8159400" y="4393440"/>
-            <a:ext cx="544320" cy="389160"/>
+            <a:ext cx="542160" cy="387000"/>
           </a:xfrm>
           <a:prstGeom prst="rect">
             <a:avLst/>
@@ -13704,7 +15875,7 @@
                 <a:tab algn="l" pos="0"/>
               </a:tabLst>
             </a:pPr>
-            <a:fld id="{6A1C3D63-56AA-4BAD-A7EF-8063A60CB9DD}" type="slidenum">
+            <a:fld id="{386DE381-1324-4B0B-949D-C69607566274}" type="slidenum">
               <a:rPr b="1" lang="en" sz="1300" spc="-1" strike="noStrike">
                 <a:solidFill>
                   <a:srgbClr val="000000"/>
@@ -13722,14 +15893,14 @@
       </p:sp>
       <p:sp>
         <p:nvSpPr>
-          <p:cNvPr id="177" name="CustomShape 3"/>
+          <p:cNvPr id="178" name="CustomShape 3"/>
           <p:cNvSpPr/>
           <p:nvPr/>
         </p:nvSpPr>
         <p:spPr>
           <a:xfrm>
             <a:off x="4480560" y="1463040"/>
-            <a:ext cx="3837240" cy="2282760"/>
+            <a:ext cx="3835080" cy="2280600"/>
           </a:xfrm>
           <a:prstGeom prst="rect">
             <a:avLst/>
@@ -13824,6 +15995,65 @@
               </a:spcBef>
             </a:pPr>
             <a:endParaRPr b="0" lang="en-US" sz="1800" spc="-1" strike="noStrike">
+              <a:latin typeface="Arial"/>
+            </a:endParaRPr>
+          </a:p>
+        </p:txBody>
+      </p:sp>
+      <p:pic>
+        <p:nvPicPr>
+          <p:cNvPr id="179" name="" descr=""/>
+          <p:cNvPicPr/>
+          <p:nvPr/>
+        </p:nvPicPr>
+        <p:blipFill>
+          <a:blip r:embed="rId1"/>
+          <a:stretch/>
+        </p:blipFill>
+        <p:spPr>
+          <a:xfrm>
+            <a:off x="1554480" y="1097280"/>
+            <a:ext cx="4754880" cy="3385080"/>
+          </a:xfrm>
+          <a:prstGeom prst="rect">
+            <a:avLst/>
+          </a:prstGeom>
+          <a:ln>
+            <a:noFill/>
+          </a:ln>
+        </p:spPr>
+      </p:pic>
+      <p:sp>
+        <p:nvSpPr>
+          <p:cNvPr id="180" name="TextShape 4"/>
+          <p:cNvSpPr txBox="1"/>
+          <p:nvPr/>
+        </p:nvSpPr>
+        <p:spPr>
+          <a:xfrm>
+            <a:off x="5852520" y="2552400"/>
+            <a:ext cx="2657160" cy="374040"/>
+          </a:xfrm>
+          <a:prstGeom prst="rect">
+            <a:avLst/>
+          </a:prstGeom>
+          <a:noFill/>
+          <a:ln>
+            <a:noFill/>
+          </a:ln>
+        </p:spPr>
+        <p:txBody>
+          <a:bodyPr lIns="90000" rIns="90000" tIns="45000" bIns="45000">
+            <a:noAutofit/>
+          </a:bodyPr>
+          <a:p>
+            <a:r>
+              <a:rPr b="0" lang="en-US" sz="1000" spc="-1" strike="noStrike">
+                <a:latin typeface="Arial"/>
+              </a:rPr>
+              <a:t>SQL vs NoSQL: A Performance Comparison (2017, Ruihan Wang</a:t>
+            </a:r>
+            <a:endParaRPr b="0" lang="en-US" sz="1000" spc="-1" strike="noStrike">
               <a:latin typeface="Arial"/>
             </a:endParaRPr>
           </a:p>
@@ -13861,14 +16091,14 @@
       </p:grpSpPr>
       <p:sp>
         <p:nvSpPr>
-          <p:cNvPr id="178" name="CustomShape 1"/>
+          <p:cNvPr id="181" name="CustomShape 1"/>
           <p:cNvSpPr/>
           <p:nvPr/>
         </p:nvSpPr>
         <p:spPr>
           <a:xfrm>
             <a:off x="1035000" y="759240"/>
-            <a:ext cx="7286040" cy="461880"/>
+            <a:ext cx="7283880" cy="459720"/>
           </a:xfrm>
           <a:prstGeom prst="rect">
             <a:avLst/>
@@ -13905,7 +16135,7 @@
                 <a:latin typeface="Work Sans"/>
                 <a:ea typeface="Work Sans"/>
               </a:rPr>
-              <a:t>Memory Hierarchy</a:t>
+              <a:t>Why Key-Value Store ?</a:t>
             </a:r>
             <a:endParaRPr b="0" lang="en-US" sz="4000" spc="-1" strike="noStrike">
               <a:latin typeface="Arial"/>
@@ -13915,14 +16145,14 @@
       </p:sp>
       <p:sp>
         <p:nvSpPr>
-          <p:cNvPr id="179" name="CustomShape 2"/>
+          <p:cNvPr id="182" name="CustomShape 2"/>
           <p:cNvSpPr/>
           <p:nvPr/>
         </p:nvSpPr>
         <p:spPr>
           <a:xfrm>
             <a:off x="8159400" y="4393440"/>
-            <a:ext cx="544320" cy="389160"/>
+            <a:ext cx="542160" cy="387000"/>
           </a:xfrm>
           <a:prstGeom prst="rect">
             <a:avLst/>
@@ -13951,7 +16181,7 @@
                 <a:tab algn="l" pos="0"/>
               </a:tabLst>
             </a:pPr>
-            <a:fld id="{76E6D818-D809-4C6F-A50D-1D117A0B972E}" type="slidenum">
+            <a:fld id="{E8987B14-31BA-4810-B6FC-2807631AF308}" type="slidenum">
               <a:rPr b="1" lang="en" sz="1300" spc="-1" strike="noStrike">
                 <a:solidFill>
                   <a:srgbClr val="000000"/>
@@ -13969,14 +16199,14 @@
       </p:sp>
       <p:sp>
         <p:nvSpPr>
-          <p:cNvPr id="180" name="CustomShape 3"/>
+          <p:cNvPr id="183" name="CustomShape 3"/>
           <p:cNvSpPr/>
           <p:nvPr/>
         </p:nvSpPr>
         <p:spPr>
           <a:xfrm>
-            <a:off x="1519200" y="1570680"/>
-            <a:ext cx="5740200" cy="1875960"/>
+            <a:off x="4480560" y="1463040"/>
+            <a:ext cx="3835080" cy="2280600"/>
           </a:xfrm>
           <a:prstGeom prst="rect">
             <a:avLst/>
@@ -13992,40 +16222,100 @@
           <a:effectRef idx="0"/>
           <a:fontRef idx="minor"/>
         </p:style>
-      </p:sp>
-      <p:pic>
-        <p:nvPicPr>
-          <p:cNvPr id="181" name="" descr=""/>
-          <p:cNvPicPr/>
-          <p:nvPr/>
-        </p:nvPicPr>
-        <p:blipFill>
-          <a:blip r:embed="rId1"/>
-          <a:stretch/>
-        </p:blipFill>
-        <p:spPr>
-          <a:xfrm>
-            <a:off x="1828800" y="1289880"/>
-            <a:ext cx="5088240" cy="3097800"/>
-          </a:xfrm>
-          <a:prstGeom prst="rect">
-            <a:avLst/>
-          </a:prstGeom>
-          <a:ln>
-            <a:noFill/>
-          </a:ln>
-        </p:spPr>
-      </p:pic>
-      <p:sp>
-        <p:nvSpPr>
-          <p:cNvPr id="182" name="CustomShape 4"/>
+        <p:txBody>
+          <a:bodyPr lIns="90000" rIns="90000" tIns="91440" bIns="91440">
+            <a:noAutofit/>
+          </a:bodyPr>
+          <a:p>
+            <a:pPr>
+              <a:lnSpc>
+                <a:spcPct val="100000"/>
+              </a:lnSpc>
+              <a:spcBef>
+                <a:spcPts val="601"/>
+              </a:spcBef>
+            </a:pPr>
+            <a:endParaRPr b="0" lang="en-US" sz="1800" spc="-1" strike="noStrike">
+              <a:latin typeface="Arial"/>
+            </a:endParaRPr>
+          </a:p>
+          <a:p>
+            <a:pPr>
+              <a:lnSpc>
+                <a:spcPct val="100000"/>
+              </a:lnSpc>
+              <a:spcBef>
+                <a:spcPts val="601"/>
+              </a:spcBef>
+            </a:pPr>
+            <a:endParaRPr b="0" lang="en-US" sz="1800" spc="-1" strike="noStrike">
+              <a:latin typeface="Arial"/>
+            </a:endParaRPr>
+          </a:p>
+          <a:p>
+            <a:pPr>
+              <a:lnSpc>
+                <a:spcPct val="100000"/>
+              </a:lnSpc>
+              <a:spcBef>
+                <a:spcPts val="601"/>
+              </a:spcBef>
+            </a:pPr>
+            <a:endParaRPr b="0" lang="en-US" sz="1800" spc="-1" strike="noStrike">
+              <a:latin typeface="Arial"/>
+            </a:endParaRPr>
+          </a:p>
+          <a:p>
+            <a:pPr>
+              <a:lnSpc>
+                <a:spcPct val="100000"/>
+              </a:lnSpc>
+              <a:spcBef>
+                <a:spcPts val="601"/>
+              </a:spcBef>
+            </a:pPr>
+            <a:endParaRPr b="0" lang="en-US" sz="1800" spc="-1" strike="noStrike">
+              <a:latin typeface="Arial"/>
+            </a:endParaRPr>
+          </a:p>
+          <a:p>
+            <a:pPr>
+              <a:lnSpc>
+                <a:spcPct val="100000"/>
+              </a:lnSpc>
+              <a:spcBef>
+                <a:spcPts val="601"/>
+              </a:spcBef>
+            </a:pPr>
+            <a:endParaRPr b="0" lang="en-US" sz="1800" spc="-1" strike="noStrike">
+              <a:latin typeface="Arial"/>
+            </a:endParaRPr>
+          </a:p>
+          <a:p>
+            <a:pPr>
+              <a:lnSpc>
+                <a:spcPct val="100000"/>
+              </a:lnSpc>
+              <a:spcBef>
+                <a:spcPts val="601"/>
+              </a:spcBef>
+            </a:pPr>
+            <a:endParaRPr b="0" lang="en-US" sz="1800" spc="-1" strike="noStrike">
+              <a:latin typeface="Arial"/>
+            </a:endParaRPr>
+          </a:p>
+        </p:txBody>
+      </p:sp>
+      <p:sp>
+        <p:nvSpPr>
+          <p:cNvPr id="184" name="CustomShape 4"/>
           <p:cNvSpPr/>
           <p:nvPr/>
         </p:nvSpPr>
         <p:spPr>
           <a:xfrm>
-            <a:off x="5486400" y="4206240"/>
-            <a:ext cx="2376360" cy="273240"/>
+            <a:off x="1519200" y="1570680"/>
+            <a:ext cx="5738040" cy="1873800"/>
           </a:xfrm>
           <a:prstGeom prst="rect">
             <a:avLst/>
@@ -14042,26 +16332,142 @@
           <a:fontRef idx="minor"/>
         </p:style>
         <p:txBody>
-          <a:bodyPr lIns="90000" rIns="90000" tIns="45000" bIns="45000">
+          <a:bodyPr lIns="90000" rIns="90000" tIns="91440" bIns="91440">
             <a:noAutofit/>
           </a:bodyPr>
           <a:p>
-            <a:pPr>
-              <a:lnSpc>
-                <a:spcPct val="100000"/>
-              </a:lnSpc>
-            </a:pPr>
-            <a:r>
-              <a:rPr b="0" lang="en-US" sz="1200" spc="-1" strike="noStrike">
+            <a:pPr marL="457200" indent="-323640">
+              <a:lnSpc>
+                <a:spcPct val="100000"/>
+              </a:lnSpc>
+              <a:spcBef>
+                <a:spcPts val="601"/>
+              </a:spcBef>
+              <a:buClr>
+                <a:srgbClr val="000000"/>
+              </a:buClr>
+              <a:buFont typeface="Work Sans Regular"/>
+              <a:buChar char="▪"/>
+            </a:pPr>
+            <a:r>
+              <a:rPr b="0" lang="en-US" sz="1600" spc="-1" strike="noStrike">
                 <a:solidFill>
                   <a:srgbClr val="000000"/>
                 </a:solidFill>
-                <a:latin typeface="Arial"/>
-                <a:ea typeface="DejaVu Sans"/>
-              </a:rPr>
-              <a:t>Reference : csapp</a:t>
-            </a:r>
-            <a:endParaRPr b="0" lang="en-US" sz="1200" spc="-1" strike="noStrike">
+                <a:latin typeface="Work Sans Regular"/>
+                <a:ea typeface="Work Sans Regular"/>
+              </a:rPr>
+              <a:t>I7-4790 CPU 3.60Ghz Quad Core</a:t>
+            </a:r>
+            <a:endParaRPr b="0" lang="en-US" sz="1600" spc="-1" strike="noStrike">
+              <a:latin typeface="Arial"/>
+            </a:endParaRPr>
+          </a:p>
+          <a:p>
+            <a:pPr marL="457200" indent="-323640">
+              <a:lnSpc>
+                <a:spcPct val="100000"/>
+              </a:lnSpc>
+              <a:spcBef>
+                <a:spcPts val="601"/>
+              </a:spcBef>
+              <a:buClr>
+                <a:srgbClr val="000000"/>
+              </a:buClr>
+              <a:buFont typeface="Work Sans Regular"/>
+              <a:buChar char="▪"/>
+            </a:pPr>
+            <a:r>
+              <a:rPr b="0" lang="en-US" sz="1600" spc="-1" strike="noStrike">
+                <a:solidFill>
+                  <a:srgbClr val="000000"/>
+                </a:solidFill>
+                <a:latin typeface="Work Sans Regular"/>
+                <a:ea typeface="Work Sans Regular"/>
+              </a:rPr>
+              <a:t>16GB Dram, Samsung SSD 970 EVO 250GB</a:t>
+            </a:r>
+            <a:endParaRPr b="0" lang="en-US" sz="1600" spc="-1" strike="noStrike">
+              <a:latin typeface="Arial"/>
+            </a:endParaRPr>
+          </a:p>
+          <a:p>
+            <a:pPr marL="457200" indent="-323640">
+              <a:lnSpc>
+                <a:spcPct val="100000"/>
+              </a:lnSpc>
+              <a:spcBef>
+                <a:spcPts val="601"/>
+              </a:spcBef>
+              <a:buClr>
+                <a:srgbClr val="000000"/>
+              </a:buClr>
+              <a:buFont typeface="Work Sans Regular"/>
+              <a:buChar char="▪"/>
+            </a:pPr>
+            <a:r>
+              <a:rPr b="0" lang="en-US" sz="1600" spc="-1" strike="noStrike">
+                <a:solidFill>
+                  <a:srgbClr val="000000"/>
+                </a:solidFill>
+                <a:latin typeface="Work Sans Regular"/>
+                <a:ea typeface="Work Sans Regular"/>
+              </a:rPr>
+              <a:t>196.8MB/s</a:t>
+            </a:r>
+            <a:endParaRPr b="0" lang="en-US" sz="1600" spc="-1" strike="noStrike">
+              <a:latin typeface="Arial"/>
+            </a:endParaRPr>
+          </a:p>
+          <a:p>
+            <a:pPr>
+              <a:lnSpc>
+                <a:spcPct val="100000"/>
+              </a:lnSpc>
+              <a:spcBef>
+                <a:spcPts val="601"/>
+              </a:spcBef>
+            </a:pPr>
+            <a:endParaRPr b="0" lang="en-US" sz="1600" spc="-1" strike="noStrike">
+              <a:latin typeface="Arial"/>
+            </a:endParaRPr>
+          </a:p>
+          <a:p>
+            <a:pPr>
+              <a:lnSpc>
+                <a:spcPct val="100000"/>
+              </a:lnSpc>
+              <a:spcBef>
+                <a:spcPts val="601"/>
+              </a:spcBef>
+            </a:pPr>
+            <a:endParaRPr b="0" lang="en-US" sz="1600" spc="-1" strike="noStrike">
+              <a:latin typeface="Arial"/>
+            </a:endParaRPr>
+          </a:p>
+          <a:p>
+            <a:pPr>
+              <a:lnSpc>
+                <a:spcPct val="100000"/>
+              </a:lnSpc>
+              <a:spcBef>
+                <a:spcPts val="601"/>
+              </a:spcBef>
+            </a:pPr>
+            <a:endParaRPr b="0" lang="en-US" sz="1600" spc="-1" strike="noStrike">
+              <a:latin typeface="Arial"/>
+            </a:endParaRPr>
+          </a:p>
+          <a:p>
+            <a:pPr>
+              <a:lnSpc>
+                <a:spcPct val="100000"/>
+              </a:lnSpc>
+              <a:spcBef>
+                <a:spcPts val="601"/>
+              </a:spcBef>
+            </a:pPr>
+            <a:endParaRPr b="0" lang="en-US" sz="1600" spc="-1" strike="noStrike">
               <a:latin typeface="Arial"/>
             </a:endParaRPr>
           </a:p>
@@ -14099,14 +16505,14 @@
       </p:grpSpPr>
       <p:sp>
         <p:nvSpPr>
-          <p:cNvPr id="183" name="CustomShape 1"/>
+          <p:cNvPr id="185" name="CustomShape 1"/>
           <p:cNvSpPr/>
           <p:nvPr/>
         </p:nvSpPr>
         <p:spPr>
           <a:xfrm>
-            <a:off x="1035000" y="759240"/>
-            <a:ext cx="7286040" cy="461880"/>
+            <a:off x="1005840" y="2286000"/>
+            <a:ext cx="7283880" cy="459720"/>
           </a:xfrm>
           <a:prstGeom prst="rect">
             <a:avLst/>
@@ -14143,7 +16549,7 @@
                 <a:latin typeface="Work Sans"/>
                 <a:ea typeface="Work Sans"/>
               </a:rPr>
-              <a:t>Memory Hierarchy</a:t>
+              <a:t>CS Review</a:t>
             </a:r>
             <a:endParaRPr b="0" lang="en-US" sz="4000" spc="-1" strike="noStrike">
               <a:latin typeface="Arial"/>
@@ -14153,14 +16559,14 @@
       </p:sp>
       <p:sp>
         <p:nvSpPr>
-          <p:cNvPr id="184" name="CustomShape 2"/>
+          <p:cNvPr id="186" name="CustomShape 2"/>
           <p:cNvSpPr/>
           <p:nvPr/>
         </p:nvSpPr>
         <p:spPr>
           <a:xfrm>
             <a:off x="8159400" y="4393440"/>
-            <a:ext cx="544320" cy="389160"/>
+            <a:ext cx="542160" cy="387000"/>
           </a:xfrm>
           <a:prstGeom prst="rect">
             <a:avLst/>
@@ -14189,7 +16595,7 @@
                 <a:tab algn="l" pos="0"/>
               </a:tabLst>
             </a:pPr>
-            <a:fld id="{6F3FBB62-6780-4A60-A705-E617B4AEA0F0}" type="slidenum">
+            <a:fld id="{224A848A-70AA-4E76-8BD9-05EDB01377F1}" type="slidenum">
               <a:rPr b="1" lang="en" sz="1300" spc="-1" strike="noStrike">
                 <a:solidFill>
                   <a:srgbClr val="000000"/>
@@ -14207,14 +16613,14 @@
       </p:sp>
       <p:sp>
         <p:nvSpPr>
-          <p:cNvPr id="185" name="CustomShape 3"/>
+          <p:cNvPr id="187" name="CustomShape 3"/>
           <p:cNvSpPr/>
           <p:nvPr/>
         </p:nvSpPr>
         <p:spPr>
           <a:xfrm>
-            <a:off x="1519200" y="1570680"/>
-            <a:ext cx="5740200" cy="1875960"/>
+            <a:off x="4480560" y="1463040"/>
+            <a:ext cx="3835080" cy="2280600"/>
           </a:xfrm>
           <a:prstGeom prst="rect">
             <a:avLst/>
@@ -14230,57 +16636,8 @@
           <a:effectRef idx="0"/>
           <a:fontRef idx="minor"/>
         </p:style>
-      </p:sp>
-      <p:pic>
-        <p:nvPicPr>
-          <p:cNvPr id="186" name="" descr=""/>
-          <p:cNvPicPr/>
-          <p:nvPr/>
-        </p:nvPicPr>
-        <p:blipFill>
-          <a:blip r:embed="rId1"/>
-          <a:stretch/>
-        </p:blipFill>
-        <p:spPr>
-          <a:xfrm>
-            <a:off x="1737360" y="1645920"/>
-            <a:ext cx="5302080" cy="2423520"/>
-          </a:xfrm>
-          <a:prstGeom prst="rect">
-            <a:avLst/>
-          </a:prstGeom>
-          <a:ln>
-            <a:noFill/>
-          </a:ln>
-        </p:spPr>
-      </p:pic>
-      <p:sp>
-        <p:nvSpPr>
-          <p:cNvPr id="187" name="CustomShape 4"/>
-          <p:cNvSpPr/>
-          <p:nvPr/>
-        </p:nvSpPr>
-        <p:spPr>
-          <a:xfrm>
-            <a:off x="5212080" y="4023360"/>
-            <a:ext cx="2376360" cy="273240"/>
-          </a:xfrm>
-          <a:prstGeom prst="rect">
-            <a:avLst/>
-          </a:prstGeom>
-          <a:noFill/>
-          <a:ln>
-            <a:noFill/>
-          </a:ln>
-        </p:spPr>
-        <p:style>
-          <a:lnRef idx="0"/>
-          <a:fillRef idx="0"/>
-          <a:effectRef idx="0"/>
-          <a:fontRef idx="minor"/>
-        </p:style>
-        <p:txBody>
-          <a:bodyPr lIns="90000" rIns="90000" tIns="45000" bIns="45000">
+        <p:txBody>
+          <a:bodyPr lIns="90000" rIns="90000" tIns="91440" bIns="91440">
             <a:noAutofit/>
           </a:bodyPr>
           <a:p>
@@ -14288,18 +16645,76 @@
               <a:lnSpc>
                 <a:spcPct val="100000"/>
               </a:lnSpc>
-            </a:pPr>
-            <a:r>
-              <a:rPr b="0" lang="en-US" sz="1200" spc="-1" strike="noStrike">
-                <a:solidFill>
-                  <a:srgbClr val="000000"/>
-                </a:solidFill>
-                <a:latin typeface="Arial"/>
-                <a:ea typeface="DejaVu Sans"/>
-              </a:rPr>
-              <a:t>Reference : csapp</a:t>
-            </a:r>
-            <a:endParaRPr b="0" lang="en-US" sz="1200" spc="-1" strike="noStrike">
+              <a:spcBef>
+                <a:spcPts val="601"/>
+              </a:spcBef>
+            </a:pPr>
+            <a:endParaRPr b="0" lang="en-US" sz="1800" spc="-1" strike="noStrike">
+              <a:latin typeface="Arial"/>
+            </a:endParaRPr>
+          </a:p>
+          <a:p>
+            <a:pPr>
+              <a:lnSpc>
+                <a:spcPct val="100000"/>
+              </a:lnSpc>
+              <a:spcBef>
+                <a:spcPts val="601"/>
+              </a:spcBef>
+            </a:pPr>
+            <a:endParaRPr b="0" lang="en-US" sz="1800" spc="-1" strike="noStrike">
+              <a:latin typeface="Arial"/>
+            </a:endParaRPr>
+          </a:p>
+          <a:p>
+            <a:pPr>
+              <a:lnSpc>
+                <a:spcPct val="100000"/>
+              </a:lnSpc>
+              <a:spcBef>
+                <a:spcPts val="601"/>
+              </a:spcBef>
+            </a:pPr>
+            <a:endParaRPr b="0" lang="en-US" sz="1800" spc="-1" strike="noStrike">
+              <a:latin typeface="Arial"/>
+            </a:endParaRPr>
+          </a:p>
+          <a:p>
+            <a:pPr>
+              <a:lnSpc>
+                <a:spcPct val="100000"/>
+              </a:lnSpc>
+              <a:spcBef>
+                <a:spcPts val="601"/>
+              </a:spcBef>
+            </a:pPr>
+            <a:endParaRPr b="0" lang="en-US" sz="1800" spc="-1" strike="noStrike">
+              <a:latin typeface="Arial"/>
+            </a:endParaRPr>
+          </a:p>
+          <a:p>
+            <a:pPr>
+              <a:lnSpc>
+                <a:spcPct val="100000"/>
+              </a:lnSpc>
+              <a:spcBef>
+                <a:spcPts val="601"/>
+              </a:spcBef>
+            </a:pPr>
+            <a:endParaRPr b="0" lang="en-US" sz="1800" spc="-1" strike="noStrike">
+              <a:latin typeface="Arial"/>
+            </a:endParaRPr>
+          </a:p>
+          <a:p>
+            <a:pPr>
+              <a:lnSpc>
+                <a:spcPct val="100000"/>
+              </a:lnSpc>
+              <a:spcBef>
+                <a:spcPts val="601"/>
+              </a:spcBef>
+            </a:pPr>
+            <a:endParaRPr b="0" lang="en-US" sz="1800" spc="-1" strike="noStrike">
               <a:latin typeface="Arial"/>
             </a:endParaRPr>
           </a:p>
@@ -14344,7 +16759,7 @@
         <p:spPr>
           <a:xfrm>
             <a:off x="1035000" y="759240"/>
-            <a:ext cx="7286040" cy="461880"/>
+            <a:ext cx="7283880" cy="459720"/>
           </a:xfrm>
           <a:prstGeom prst="rect">
             <a:avLst/>
@@ -14381,7 +16796,7 @@
                 <a:latin typeface="Work Sans"/>
                 <a:ea typeface="Work Sans"/>
               </a:rPr>
-              <a:t>HDD</a:t>
+              <a:t>Memory Hierarchy</a:t>
             </a:r>
             <a:endParaRPr b="0" lang="en-US" sz="4000" spc="-1" strike="noStrike">
               <a:latin typeface="Arial"/>
@@ -14398,7 +16813,7 @@
         <p:spPr>
           <a:xfrm>
             <a:off x="8159400" y="4393440"/>
-            <a:ext cx="544320" cy="389160"/>
+            <a:ext cx="542160" cy="387000"/>
           </a:xfrm>
           <a:prstGeom prst="rect">
             <a:avLst/>
@@ -14427,7 +16842,7 @@
                 <a:tab algn="l" pos="0"/>
               </a:tabLst>
             </a:pPr>
-            <a:fld id="{6737EF67-39EF-4DE0-B37C-B9C88018CD67}" type="slidenum">
+            <a:fld id="{773022FE-3976-4025-B5CD-154C0E2AEB89}" type="slidenum">
               <a:rPr b="1" lang="en" sz="1300" spc="-1" strike="noStrike">
                 <a:solidFill>
                   <a:srgbClr val="000000"/>
@@ -14443,9 +16858,35 @@
           </a:p>
         </p:txBody>
       </p:sp>
+      <p:sp>
+        <p:nvSpPr>
+          <p:cNvPr id="190" name="CustomShape 3"/>
+          <p:cNvSpPr/>
+          <p:nvPr/>
+        </p:nvSpPr>
+        <p:spPr>
+          <a:xfrm>
+            <a:off x="1519200" y="1570680"/>
+            <a:ext cx="5738040" cy="1873800"/>
+          </a:xfrm>
+          <a:prstGeom prst="rect">
+            <a:avLst/>
+          </a:prstGeom>
+          <a:noFill/>
+          <a:ln>
+            <a:noFill/>
+          </a:ln>
+        </p:spPr>
+        <p:style>
+          <a:lnRef idx="0"/>
+          <a:fillRef idx="0"/>
+          <a:effectRef idx="0"/>
+          <a:fontRef idx="minor"/>
+        </p:style>
+      </p:sp>
       <p:pic>
         <p:nvPicPr>
-          <p:cNvPr id="190" name="Picture 8" descr=""/>
+          <p:cNvPr id="191" name="" descr=""/>
           <p:cNvPicPr/>
           <p:nvPr/>
         </p:nvPicPr>
@@ -14455,8 +16896,8 @@
         </p:blipFill>
         <p:spPr>
           <a:xfrm>
-            <a:off x="1445400" y="1594080"/>
-            <a:ext cx="6070680" cy="2501640"/>
+            <a:off x="1828800" y="1289880"/>
+            <a:ext cx="5086080" cy="3095640"/>
           </a:xfrm>
           <a:prstGeom prst="rect">
             <a:avLst/>
@@ -14468,14 +16909,14 @@
       </p:pic>
       <p:sp>
         <p:nvSpPr>
-          <p:cNvPr id="191" name="CustomShape 3"/>
+          <p:cNvPr id="192" name="CustomShape 4"/>
           <p:cNvSpPr/>
           <p:nvPr/>
         </p:nvSpPr>
         <p:spPr>
           <a:xfrm>
-            <a:off x="5852160" y="4023360"/>
-            <a:ext cx="2376360" cy="273240"/>
+            <a:off x="5486400" y="4206240"/>
+            <a:ext cx="2374200" cy="271080"/>
           </a:xfrm>
           <a:prstGeom prst="rect">
             <a:avLst/>
